--- a/slide/chapter02_01.pptx
+++ b/slide/chapter02_01.pptx
@@ -5,13 +5,20 @@
     <p:sldMasterId id="2147483648" r:id="rId1"/>
   </p:sldMasterIdLst>
   <p:notesMasterIdLst>
-    <p:notesMasterId r:id="rId3"/>
+    <p:notesMasterId r:id="rId11"/>
   </p:notesMasterIdLst>
   <p:handoutMasterIdLst>
-    <p:handoutMasterId r:id="rId4"/>
+    <p:handoutMasterId r:id="rId12"/>
   </p:handoutMasterIdLst>
-  <p:sldIdLst xmlns:a="http://schemas.openxmlformats.org/drawingml/2006/main" xmlns:r="http://schemas.openxmlformats.org/officeDocument/2006/relationships" xmlns:p="http://schemas.openxmlformats.org/presentationml/2006/main">
-    <p:sldId id="256" r:id="rId9"/>
+  <p:sldIdLst>
+    <p:sldId id="256" r:id="rId2"/>
+    <p:sldId id="259" r:id="rId3"/>
+    <p:sldId id="260" r:id="rId4"/>
+    <p:sldId id="267" r:id="rId5"/>
+    <p:sldId id="261" r:id="rId6"/>
+    <p:sldId id="268" r:id="rId7"/>
+    <p:sldId id="269" r:id="rId8"/>
+    <p:sldId id="271" r:id="rId9"/>
     <p:sldId id="257" r:id="rId10"/>
   </p:sldIdLst>
   <p:sldSz cx="12192000" cy="6858000"/>
@@ -227,7 +234,7 @@
           <a:p>
             <a:fld id="{29390878-AFCD-49E6-A91A-D3D82D9E9D55}" type="datetimeFigureOut">
               <a:rPr lang="ko-KR" altLang="en-US" smtClean="0"/>
-              <a:t>2019-02-11</a:t>
+              <a:t>2019-02-15</a:t>
             </a:fld>
             <a:endParaRPr lang="ko-KR" altLang="en-US"/>
           </a:p>
@@ -404,7 +411,7 @@
           <a:p>
             <a:fld id="{459417EB-76F7-4DE7-93AA-C880C553CE34}" type="datetimeFigureOut">
               <a:rPr lang="ko-KR" altLang="en-US" smtClean="0"/>
-              <a:t>2019-02-11</a:t>
+              <a:t>2019-02-15</a:t>
             </a:fld>
             <a:endParaRPr lang="ko-KR" altLang="en-US"/>
           </a:p>
@@ -6964,9 +6971,9 @@
           <a:chExt cx="0" cy="0"/>
         </a:xfrm>
       </p:grpSpPr>
-      <p:sp xmlns:a="http://schemas.openxmlformats.org/drawingml/2006/main" xmlns:r="http://schemas.openxmlformats.org/officeDocument/2006/relationships" xmlns:p="http://schemas.openxmlformats.org/presentationml/2006/main">
-        <p:nvSpPr>
-          <p:cNvPr id="2" name=""/>
+      <p:sp>
+        <p:nvSpPr>
+          <p:cNvPr id="2" name="텍스트 개체 틀 1"/>
           <p:cNvSpPr>
             <a:spLocks noGrp="1"/>
           </p:cNvSpPr>
@@ -6985,15 +6992,14 @@
           <a:lstStyle/>
           <a:p>
             <a:r>
-              <a:rPr/>
               <a:t>02</a:t>
             </a:r>
           </a:p>
         </p:txBody>
       </p:sp>
-      <p:sp xmlns:a="http://schemas.openxmlformats.org/drawingml/2006/main" xmlns:r="http://schemas.openxmlformats.org/officeDocument/2006/relationships" xmlns:p="http://schemas.openxmlformats.org/presentationml/2006/main">
-        <p:nvSpPr>
-          <p:cNvPr id="3" name=""/>
+      <p:sp>
+        <p:nvSpPr>
+          <p:cNvPr id="3" name="제목 2"/>
           <p:cNvSpPr>
             <a:spLocks noGrp="1"/>
           </p:cNvSpPr>
@@ -7012,15 +7018,14 @@
           <a:lstStyle/>
           <a:p>
             <a:r>
-              <a:rPr/>
               <a:t>데이터의 기본</a:t>
             </a:r>
           </a:p>
         </p:txBody>
       </p:sp>
-      <p:sp xmlns:a="http://schemas.openxmlformats.org/drawingml/2006/main" xmlns:r="http://schemas.openxmlformats.org/officeDocument/2006/relationships" xmlns:p="http://schemas.openxmlformats.org/presentationml/2006/main">
-        <p:nvSpPr>
-          <p:cNvPr id="4" name=""/>
+      <p:sp>
+        <p:nvSpPr>
+          <p:cNvPr id="4" name="텍스트 개체 틀 3"/>
           <p:cNvSpPr>
             <a:spLocks noGrp="1"/>
           </p:cNvSpPr>
@@ -7039,7 +7044,6 @@
           <a:lstStyle/>
           <a:p>
             <a:r>
-              <a:rPr/>
               <a:t>R의 데이터 유형</a:t>
             </a:r>
           </a:p>
@@ -7070,9 +7074,5278 @@
           <a:chExt cx="0" cy="0"/>
         </a:xfrm>
       </p:grpSpPr>
-      <p:sp xmlns:a="http://schemas.openxmlformats.org/drawingml/2006/main" xmlns:r="http://schemas.openxmlformats.org/officeDocument/2006/relationships" xmlns:p="http://schemas.openxmlformats.org/presentationml/2006/main">
-        <p:nvSpPr>
-          <p:cNvPr id="2" name=""/>
+      <p:sp>
+        <p:nvSpPr>
+          <p:cNvPr id="4" name="제목 3">
+            <a:extLst>
+              <a:ext uri="{FF2B5EF4-FFF2-40B4-BE49-F238E27FC236}">
+                <a16:creationId xmlns:a16="http://schemas.microsoft.com/office/drawing/2014/main" id="{A18D7182-D820-4C52-B88B-98E25FAF1AA8}"/>
+              </a:ext>
+            </a:extLst>
+          </p:cNvPr>
+          <p:cNvSpPr>
+            <a:spLocks noGrp="1"/>
+          </p:cNvSpPr>
+          <p:nvPr>
+            <p:ph type="title"/>
+          </p:nvPr>
+        </p:nvSpPr>
+        <p:spPr/>
+        <p:txBody>
+          <a:bodyPr/>
+          <a:lstStyle/>
+          <a:p>
+            <a:r>
+              <a:rPr lang="en-US" altLang="ko-KR" dirty="0"/>
+              <a:t>R</a:t>
+            </a:r>
+            <a:r>
+              <a:rPr lang="ko-KR" altLang="en-US" dirty="0"/>
+              <a:t>의 기본 데이터 유형</a:t>
+            </a:r>
+          </a:p>
+        </p:txBody>
+      </p:sp>
+      <p:sp>
+        <p:nvSpPr>
+          <p:cNvPr id="5" name="텍스트 개체 틀 4">
+            <a:extLst>
+              <a:ext uri="{FF2B5EF4-FFF2-40B4-BE49-F238E27FC236}">
+                <a16:creationId xmlns:a16="http://schemas.microsoft.com/office/drawing/2014/main" id="{D521D688-7A61-4C3A-A006-5011563DDB42}"/>
+              </a:ext>
+            </a:extLst>
+          </p:cNvPr>
+          <p:cNvSpPr>
+            <a:spLocks noGrp="1"/>
+          </p:cNvSpPr>
+          <p:nvPr>
+            <p:ph type="body" sz="quarter" idx="10"/>
+          </p:nvPr>
+        </p:nvSpPr>
+        <p:spPr/>
+        <p:txBody>
+          <a:bodyPr/>
+          <a:lstStyle/>
+          <a:p>
+            <a:r>
+              <a:rPr lang="en-US" altLang="ko-KR" dirty="0"/>
+              <a:t>02</a:t>
+            </a:r>
+            <a:endParaRPr lang="ko-KR" altLang="en-US" dirty="0"/>
+          </a:p>
+        </p:txBody>
+      </p:sp>
+      <p:sp>
+        <p:nvSpPr>
+          <p:cNvPr id="6" name="내용 개체 틀 5">
+            <a:extLst>
+              <a:ext uri="{FF2B5EF4-FFF2-40B4-BE49-F238E27FC236}">
+                <a16:creationId xmlns:a16="http://schemas.microsoft.com/office/drawing/2014/main" id="{84E12277-4A13-4571-BCA3-C28FF727C029}"/>
+              </a:ext>
+            </a:extLst>
+          </p:cNvPr>
+          <p:cNvSpPr>
+            <a:spLocks noGrp="1"/>
+          </p:cNvSpPr>
+          <p:nvPr>
+            <p:ph sz="quarter" idx="11"/>
+          </p:nvPr>
+        </p:nvSpPr>
+        <p:spPr/>
+        <p:txBody>
+          <a:bodyPr/>
+          <a:lstStyle/>
+          <a:p>
+            <a:r>
+              <a:rPr lang="ko-KR" altLang="en-US" dirty="0"/>
+              <a:t>데이터의 기본</a:t>
+            </a:r>
+          </a:p>
+        </p:txBody>
+      </p:sp>
+      <p:sp>
+        <p:nvSpPr>
+          <p:cNvPr id="8" name="TextBox 7">
+            <a:extLst>
+              <a:ext uri="{FF2B5EF4-FFF2-40B4-BE49-F238E27FC236}">
+                <a16:creationId xmlns:a16="http://schemas.microsoft.com/office/drawing/2014/main" id="{F3B5977C-00E7-486B-A33E-671F8D9CDB66}"/>
+              </a:ext>
+            </a:extLst>
+          </p:cNvPr>
+          <p:cNvSpPr txBox="1"/>
+          <p:nvPr/>
+        </p:nvSpPr>
+        <p:spPr>
+          <a:xfrm>
+            <a:off x="1921481" y="2109693"/>
+            <a:ext cx="620683" cy="369332"/>
+          </a:xfrm>
+          <a:prstGeom prst="rect">
+            <a:avLst/>
+          </a:prstGeom>
+          <a:noFill/>
+        </p:spPr>
+        <p:txBody>
+          <a:bodyPr wrap="none" rtlCol="0">
+            <a:spAutoFit/>
+          </a:bodyPr>
+          <a:lstStyle/>
+          <a:p>
+            <a:r>
+              <a:rPr lang="ko-KR" altLang="en-US" b="1" dirty="0"/>
+              <a:t>벡터</a:t>
+            </a:r>
+          </a:p>
+        </p:txBody>
+      </p:sp>
+      <p:sp>
+        <p:nvSpPr>
+          <p:cNvPr id="10" name="TextBox 9">
+            <a:extLst>
+              <a:ext uri="{FF2B5EF4-FFF2-40B4-BE49-F238E27FC236}">
+                <a16:creationId xmlns:a16="http://schemas.microsoft.com/office/drawing/2014/main" id="{C809D68C-FE47-4DE2-B428-2C839A7EEA59}"/>
+              </a:ext>
+            </a:extLst>
+          </p:cNvPr>
+          <p:cNvSpPr txBox="1"/>
+          <p:nvPr/>
+        </p:nvSpPr>
+        <p:spPr>
+          <a:xfrm>
+            <a:off x="2153833" y="2805937"/>
+            <a:ext cx="1109599" cy="369332"/>
+          </a:xfrm>
+          <a:prstGeom prst="rect">
+            <a:avLst/>
+          </a:prstGeom>
+          <a:noFill/>
+        </p:spPr>
+        <p:txBody>
+          <a:bodyPr wrap="none" rtlCol="0">
+            <a:spAutoFit/>
+          </a:bodyPr>
+          <a:lstStyle/>
+          <a:p>
+            <a:r>
+              <a:rPr lang="ko-KR" altLang="en-US" b="1" dirty="0"/>
+              <a:t>원자 벡터</a:t>
+            </a:r>
+          </a:p>
+        </p:txBody>
+      </p:sp>
+      <p:sp>
+        <p:nvSpPr>
+          <p:cNvPr id="11" name="TextBox 10">
+            <a:extLst>
+              <a:ext uri="{FF2B5EF4-FFF2-40B4-BE49-F238E27FC236}">
+                <a16:creationId xmlns:a16="http://schemas.microsoft.com/office/drawing/2014/main" id="{EA382B3E-C4B7-4353-90A3-0A3A0607DB77}"/>
+              </a:ext>
+            </a:extLst>
+          </p:cNvPr>
+          <p:cNvSpPr txBox="1"/>
+          <p:nvPr/>
+        </p:nvSpPr>
+        <p:spPr>
+          <a:xfrm>
+            <a:off x="2325866" y="3476329"/>
+            <a:ext cx="819455" cy="369332"/>
+          </a:xfrm>
+          <a:prstGeom prst="rect">
+            <a:avLst/>
+          </a:prstGeom>
+          <a:noFill/>
+        </p:spPr>
+        <p:txBody>
+          <a:bodyPr wrap="none" rtlCol="0">
+            <a:spAutoFit/>
+          </a:bodyPr>
+          <a:lstStyle/>
+          <a:p>
+            <a:r>
+              <a:rPr lang="ko-KR" altLang="en-US" dirty="0"/>
+              <a:t>논리형</a:t>
+            </a:r>
+          </a:p>
+        </p:txBody>
+      </p:sp>
+      <p:sp>
+        <p:nvSpPr>
+          <p:cNvPr id="12" name="TextBox 11">
+            <a:extLst>
+              <a:ext uri="{FF2B5EF4-FFF2-40B4-BE49-F238E27FC236}">
+                <a16:creationId xmlns:a16="http://schemas.microsoft.com/office/drawing/2014/main" id="{221827AC-966F-4C70-B655-C00BD319DC34}"/>
+              </a:ext>
+            </a:extLst>
+          </p:cNvPr>
+          <p:cNvSpPr txBox="1"/>
+          <p:nvPr/>
+        </p:nvSpPr>
+        <p:spPr>
+          <a:xfrm>
+            <a:off x="3533679" y="3469682"/>
+            <a:ext cx="838691" cy="369332"/>
+          </a:xfrm>
+          <a:prstGeom prst="rect">
+            <a:avLst/>
+          </a:prstGeom>
+          <a:noFill/>
+        </p:spPr>
+        <p:txBody>
+          <a:bodyPr wrap="none" rtlCol="0">
+            <a:spAutoFit/>
+          </a:bodyPr>
+          <a:lstStyle/>
+          <a:p>
+            <a:r>
+              <a:rPr lang="ko-KR" altLang="en-US" b="1" dirty="0"/>
+              <a:t>숫자형</a:t>
+            </a:r>
+          </a:p>
+        </p:txBody>
+      </p:sp>
+      <p:sp>
+        <p:nvSpPr>
+          <p:cNvPr id="13" name="TextBox 12">
+            <a:extLst>
+              <a:ext uri="{FF2B5EF4-FFF2-40B4-BE49-F238E27FC236}">
+                <a16:creationId xmlns:a16="http://schemas.microsoft.com/office/drawing/2014/main" id="{1E7ED086-B1A5-49EF-98F9-57E98D5B0603}"/>
+              </a:ext>
+            </a:extLst>
+          </p:cNvPr>
+          <p:cNvSpPr txBox="1"/>
+          <p:nvPr/>
+        </p:nvSpPr>
+        <p:spPr>
+          <a:xfrm>
+            <a:off x="5081108" y="3476329"/>
+            <a:ext cx="819455" cy="369332"/>
+          </a:xfrm>
+          <a:prstGeom prst="rect">
+            <a:avLst/>
+          </a:prstGeom>
+          <a:noFill/>
+        </p:spPr>
+        <p:txBody>
+          <a:bodyPr wrap="none" rtlCol="0">
+            <a:spAutoFit/>
+          </a:bodyPr>
+          <a:lstStyle/>
+          <a:p>
+            <a:r>
+              <a:rPr lang="ko-KR" altLang="en-US" dirty="0"/>
+              <a:t>글자형</a:t>
+            </a:r>
+          </a:p>
+        </p:txBody>
+      </p:sp>
+      <p:sp>
+        <p:nvSpPr>
+          <p:cNvPr id="14" name="TextBox 13">
+            <a:extLst>
+              <a:ext uri="{FF2B5EF4-FFF2-40B4-BE49-F238E27FC236}">
+                <a16:creationId xmlns:a16="http://schemas.microsoft.com/office/drawing/2014/main" id="{AFF0DEB1-A7CF-419A-A191-1501C5CDE7B1}"/>
+              </a:ext>
+            </a:extLst>
+          </p:cNvPr>
+          <p:cNvSpPr txBox="1"/>
+          <p:nvPr/>
+        </p:nvSpPr>
+        <p:spPr>
+          <a:xfrm>
+            <a:off x="3688082" y="3944194"/>
+            <a:ext cx="819455" cy="369332"/>
+          </a:xfrm>
+          <a:prstGeom prst="rect">
+            <a:avLst/>
+          </a:prstGeom>
+          <a:noFill/>
+        </p:spPr>
+        <p:txBody>
+          <a:bodyPr wrap="none" rtlCol="0">
+            <a:spAutoFit/>
+          </a:bodyPr>
+          <a:lstStyle/>
+          <a:p>
+            <a:r>
+              <a:rPr lang="ko-KR" altLang="en-US" dirty="0"/>
+              <a:t>정수형</a:t>
+            </a:r>
+          </a:p>
+        </p:txBody>
+      </p:sp>
+      <p:sp>
+        <p:nvSpPr>
+          <p:cNvPr id="15" name="TextBox 14">
+            <a:extLst>
+              <a:ext uri="{FF2B5EF4-FFF2-40B4-BE49-F238E27FC236}">
+                <a16:creationId xmlns:a16="http://schemas.microsoft.com/office/drawing/2014/main" id="{D5C08F7B-CFD1-4C47-BEC9-D2421DE17F25}"/>
+              </a:ext>
+            </a:extLst>
+          </p:cNvPr>
+          <p:cNvSpPr txBox="1"/>
+          <p:nvPr/>
+        </p:nvSpPr>
+        <p:spPr>
+          <a:xfrm>
+            <a:off x="3688082" y="4285469"/>
+            <a:ext cx="819455" cy="369332"/>
+          </a:xfrm>
+          <a:prstGeom prst="rect">
+            <a:avLst/>
+          </a:prstGeom>
+          <a:noFill/>
+        </p:spPr>
+        <p:txBody>
+          <a:bodyPr wrap="none" rtlCol="0">
+            <a:spAutoFit/>
+          </a:bodyPr>
+          <a:lstStyle/>
+          <a:p>
+            <a:r>
+              <a:rPr lang="ko-KR" altLang="en-US"/>
+              <a:t>실수형</a:t>
+            </a:r>
+            <a:endParaRPr lang="ko-KR" altLang="en-US" dirty="0"/>
+          </a:p>
+        </p:txBody>
+      </p:sp>
+      <p:sp>
+        <p:nvSpPr>
+          <p:cNvPr id="16" name="TextBox 15">
+            <a:extLst>
+              <a:ext uri="{FF2B5EF4-FFF2-40B4-BE49-F238E27FC236}">
+                <a16:creationId xmlns:a16="http://schemas.microsoft.com/office/drawing/2014/main" id="{252DAB2B-51C3-4AAC-A354-867642D7C36A}"/>
+              </a:ext>
+            </a:extLst>
+          </p:cNvPr>
+          <p:cNvSpPr txBox="1"/>
+          <p:nvPr/>
+        </p:nvSpPr>
+        <p:spPr>
+          <a:xfrm>
+            <a:off x="6979845" y="3418693"/>
+            <a:ext cx="819455" cy="369332"/>
+          </a:xfrm>
+          <a:prstGeom prst="rect">
+            <a:avLst/>
+          </a:prstGeom>
+          <a:noFill/>
+        </p:spPr>
+        <p:txBody>
+          <a:bodyPr wrap="none" rtlCol="0">
+            <a:spAutoFit/>
+          </a:bodyPr>
+          <a:lstStyle/>
+          <a:p>
+            <a:r>
+              <a:rPr lang="ko-KR" altLang="en-US" dirty="0"/>
+              <a:t>리스트</a:t>
+            </a:r>
+          </a:p>
+        </p:txBody>
+      </p:sp>
+      <p:sp>
+        <p:nvSpPr>
+          <p:cNvPr id="17" name="TextBox 16">
+            <a:extLst>
+              <a:ext uri="{FF2B5EF4-FFF2-40B4-BE49-F238E27FC236}">
+                <a16:creationId xmlns:a16="http://schemas.microsoft.com/office/drawing/2014/main" id="{7FA54997-BF93-4753-8D63-17E74ABFB44C}"/>
+              </a:ext>
+            </a:extLst>
+          </p:cNvPr>
+          <p:cNvSpPr txBox="1"/>
+          <p:nvPr/>
+        </p:nvSpPr>
+        <p:spPr>
+          <a:xfrm>
+            <a:off x="9024054" y="3434199"/>
+            <a:ext cx="676788" cy="369332"/>
+          </a:xfrm>
+          <a:prstGeom prst="rect">
+            <a:avLst/>
+          </a:prstGeom>
+          <a:noFill/>
+        </p:spPr>
+        <p:txBody>
+          <a:bodyPr wrap="none" rtlCol="0">
+            <a:spAutoFit/>
+          </a:bodyPr>
+          <a:lstStyle/>
+          <a:p>
+            <a:r>
+              <a:rPr lang="en-US" altLang="ko-KR" b="1" dirty="0"/>
+              <a:t>NULL</a:t>
+            </a:r>
+            <a:endParaRPr lang="ko-KR" altLang="en-US" b="1" dirty="0"/>
+          </a:p>
+        </p:txBody>
+      </p:sp>
+      <p:sp>
+        <p:nvSpPr>
+          <p:cNvPr id="9" name="사각형: 둥근 모서리 8">
+            <a:extLst>
+              <a:ext uri="{FF2B5EF4-FFF2-40B4-BE49-F238E27FC236}">
+                <a16:creationId xmlns:a16="http://schemas.microsoft.com/office/drawing/2014/main" id="{6C242F99-9ED8-43E5-9E4F-6F1A9DAEE372}"/>
+              </a:ext>
+            </a:extLst>
+          </p:cNvPr>
+          <p:cNvSpPr/>
+          <p:nvPr/>
+        </p:nvSpPr>
+        <p:spPr>
+          <a:xfrm>
+            <a:off x="1788178" y="2493987"/>
+            <a:ext cx="6606377" cy="2588077"/>
+          </a:xfrm>
+          <a:prstGeom prst="roundRect">
+            <a:avLst>
+              <a:gd name="adj" fmla="val 8467"/>
+            </a:avLst>
+          </a:prstGeom>
+          <a:noFill/>
+          <a:ln w="28575">
+            <a:solidFill>
+              <a:srgbClr val="262626"/>
+            </a:solidFill>
+          </a:ln>
+        </p:spPr>
+        <p:style>
+          <a:lnRef idx="2">
+            <a:schemeClr val="accent1">
+              <a:shade val="50000"/>
+            </a:schemeClr>
+          </a:lnRef>
+          <a:fillRef idx="1">
+            <a:schemeClr val="accent1"/>
+          </a:fillRef>
+          <a:effectRef idx="0">
+            <a:schemeClr val="accent1"/>
+          </a:effectRef>
+          <a:fontRef idx="minor">
+            <a:schemeClr val="lt1"/>
+          </a:fontRef>
+        </p:style>
+        <p:txBody>
+          <a:bodyPr rtlCol="0" anchor="ctr"/>
+          <a:lstStyle/>
+          <a:p>
+            <a:pPr algn="ctr"/>
+            <a:endParaRPr lang="ko-KR" altLang="en-US"/>
+          </a:p>
+        </p:txBody>
+      </p:sp>
+      <p:sp>
+        <p:nvSpPr>
+          <p:cNvPr id="19" name="사각형: 둥근 모서리 18">
+            <a:extLst>
+              <a:ext uri="{FF2B5EF4-FFF2-40B4-BE49-F238E27FC236}">
+                <a16:creationId xmlns:a16="http://schemas.microsoft.com/office/drawing/2014/main" id="{77901884-A5E7-41CD-8B7D-270722CBA498}"/>
+              </a:ext>
+            </a:extLst>
+          </p:cNvPr>
+          <p:cNvSpPr/>
+          <p:nvPr/>
+        </p:nvSpPr>
+        <p:spPr>
+          <a:xfrm>
+            <a:off x="2014703" y="3228021"/>
+            <a:ext cx="4228059" cy="1678087"/>
+          </a:xfrm>
+          <a:prstGeom prst="roundRect">
+            <a:avLst>
+              <a:gd name="adj" fmla="val 8467"/>
+            </a:avLst>
+          </a:prstGeom>
+          <a:noFill/>
+          <a:ln w="28575">
+            <a:solidFill>
+              <a:srgbClr val="262626"/>
+            </a:solidFill>
+          </a:ln>
+        </p:spPr>
+        <p:style>
+          <a:lnRef idx="2">
+            <a:schemeClr val="accent1">
+              <a:shade val="50000"/>
+            </a:schemeClr>
+          </a:lnRef>
+          <a:fillRef idx="1">
+            <a:schemeClr val="accent1"/>
+          </a:fillRef>
+          <a:effectRef idx="0">
+            <a:schemeClr val="accent1"/>
+          </a:effectRef>
+          <a:fontRef idx="minor">
+            <a:schemeClr val="lt1"/>
+          </a:fontRef>
+        </p:style>
+        <p:txBody>
+          <a:bodyPr rtlCol="0" anchor="ctr"/>
+          <a:lstStyle/>
+          <a:p>
+            <a:pPr algn="ctr"/>
+            <a:endParaRPr lang="ko-KR" altLang="en-US"/>
+          </a:p>
+        </p:txBody>
+      </p:sp>
+      <p:sp>
+        <p:nvSpPr>
+          <p:cNvPr id="20" name="사각형: 둥근 모서리 19">
+            <a:extLst>
+              <a:ext uri="{FF2B5EF4-FFF2-40B4-BE49-F238E27FC236}">
+                <a16:creationId xmlns:a16="http://schemas.microsoft.com/office/drawing/2014/main" id="{6BEC1AC0-9673-4263-824D-35B61A77860F}"/>
+              </a:ext>
+            </a:extLst>
+          </p:cNvPr>
+          <p:cNvSpPr/>
+          <p:nvPr/>
+        </p:nvSpPr>
+        <p:spPr>
+          <a:xfrm>
+            <a:off x="3533679" y="3873830"/>
+            <a:ext cx="1168114" cy="856129"/>
+          </a:xfrm>
+          <a:prstGeom prst="roundRect">
+            <a:avLst>
+              <a:gd name="adj" fmla="val 8467"/>
+            </a:avLst>
+          </a:prstGeom>
+          <a:noFill/>
+          <a:ln w="28575">
+            <a:solidFill>
+              <a:srgbClr val="262626"/>
+            </a:solidFill>
+          </a:ln>
+        </p:spPr>
+        <p:style>
+          <a:lnRef idx="2">
+            <a:schemeClr val="accent1">
+              <a:shade val="50000"/>
+            </a:schemeClr>
+          </a:lnRef>
+          <a:fillRef idx="1">
+            <a:schemeClr val="accent1"/>
+          </a:fillRef>
+          <a:effectRef idx="0">
+            <a:schemeClr val="accent1"/>
+          </a:effectRef>
+          <a:fontRef idx="minor">
+            <a:schemeClr val="lt1"/>
+          </a:fontRef>
+        </p:style>
+        <p:txBody>
+          <a:bodyPr rtlCol="0" anchor="ctr"/>
+          <a:lstStyle/>
+          <a:p>
+            <a:pPr algn="ctr"/>
+            <a:endParaRPr lang="ko-KR" altLang="en-US"/>
+          </a:p>
+        </p:txBody>
+      </p:sp>
+      <p:sp>
+        <p:nvSpPr>
+          <p:cNvPr id="21" name="사각형: 둥근 모서리 20">
+            <a:extLst>
+              <a:ext uri="{FF2B5EF4-FFF2-40B4-BE49-F238E27FC236}">
+                <a16:creationId xmlns:a16="http://schemas.microsoft.com/office/drawing/2014/main" id="{9EE83A7F-0A94-4B4F-B645-6C62A7D62140}"/>
+              </a:ext>
+            </a:extLst>
+          </p:cNvPr>
+          <p:cNvSpPr/>
+          <p:nvPr/>
+        </p:nvSpPr>
+        <p:spPr>
+          <a:xfrm>
+            <a:off x="1069181" y="1959007"/>
+            <a:ext cx="9789542" cy="3747201"/>
+          </a:xfrm>
+          <a:prstGeom prst="roundRect">
+            <a:avLst>
+              <a:gd name="adj" fmla="val 3305"/>
+            </a:avLst>
+          </a:prstGeom>
+          <a:noFill/>
+          <a:ln w="28575">
+            <a:solidFill>
+              <a:schemeClr val="bg2"/>
+            </a:solidFill>
+          </a:ln>
+        </p:spPr>
+        <p:style>
+          <a:lnRef idx="2">
+            <a:schemeClr val="accent1">
+              <a:shade val="50000"/>
+            </a:schemeClr>
+          </a:lnRef>
+          <a:fillRef idx="1">
+            <a:schemeClr val="accent1"/>
+          </a:fillRef>
+          <a:effectRef idx="0">
+            <a:schemeClr val="accent1"/>
+          </a:effectRef>
+          <a:fontRef idx="minor">
+            <a:schemeClr val="lt1"/>
+          </a:fontRef>
+        </p:style>
+        <p:txBody>
+          <a:bodyPr rtlCol="0" anchor="ctr"/>
+          <a:lstStyle/>
+          <a:p>
+            <a:pPr algn="ctr"/>
+            <a:endParaRPr lang="ko-KR" altLang="en-US"/>
+          </a:p>
+        </p:txBody>
+      </p:sp>
+    </p:spTree>
+    <p:extLst>
+      <p:ext uri="{BB962C8B-B14F-4D97-AF65-F5344CB8AC3E}">
+        <p14:creationId xmlns:p14="http://schemas.microsoft.com/office/powerpoint/2010/main" val="330057351"/>
+      </p:ext>
+    </p:extLst>
+  </p:cSld>
+  <p:clrMapOvr>
+    <a:masterClrMapping/>
+  </p:clrMapOvr>
+</p:sld>
+</file>
+
+<file path=ppt/slides/slide3.xml><?xml version="1.0" encoding="utf-8"?>
+<p:sld xmlns:a="http://schemas.openxmlformats.org/drawingml/2006/main" xmlns:r="http://schemas.openxmlformats.org/officeDocument/2006/relationships" xmlns:p="http://schemas.openxmlformats.org/presentationml/2006/main">
+  <p:cSld>
+    <p:spTree>
+      <p:nvGrpSpPr>
+        <p:cNvPr id="1" name=""/>
+        <p:cNvGrpSpPr/>
+        <p:nvPr/>
+      </p:nvGrpSpPr>
+      <p:grpSpPr>
+        <a:xfrm>
+          <a:off x="0" y="0"/>
+          <a:ext cx="0" cy="0"/>
+          <a:chOff x="0" y="0"/>
+          <a:chExt cx="0" cy="0"/>
+        </a:xfrm>
+      </p:grpSpPr>
+      <p:sp>
+        <p:nvSpPr>
+          <p:cNvPr id="4" name="제목 3">
+            <a:extLst>
+              <a:ext uri="{FF2B5EF4-FFF2-40B4-BE49-F238E27FC236}">
+                <a16:creationId xmlns:a16="http://schemas.microsoft.com/office/drawing/2014/main" id="{A18D7182-D820-4C52-B88B-98E25FAF1AA8}"/>
+              </a:ext>
+            </a:extLst>
+          </p:cNvPr>
+          <p:cNvSpPr>
+            <a:spLocks noGrp="1"/>
+          </p:cNvSpPr>
+          <p:nvPr>
+            <p:ph type="title"/>
+          </p:nvPr>
+        </p:nvSpPr>
+        <p:spPr/>
+        <p:txBody>
+          <a:bodyPr/>
+          <a:lstStyle/>
+          <a:p>
+            <a:r>
+              <a:rPr lang="ko-KR" altLang="en-US" dirty="0" err="1"/>
+              <a:t>벡터란</a:t>
+            </a:r>
+            <a:endParaRPr lang="ko-KR" altLang="en-US" dirty="0"/>
+          </a:p>
+        </p:txBody>
+      </p:sp>
+      <p:sp>
+        <p:nvSpPr>
+          <p:cNvPr id="5" name="텍스트 개체 틀 4">
+            <a:extLst>
+              <a:ext uri="{FF2B5EF4-FFF2-40B4-BE49-F238E27FC236}">
+                <a16:creationId xmlns:a16="http://schemas.microsoft.com/office/drawing/2014/main" id="{D521D688-7A61-4C3A-A006-5011563DDB42}"/>
+              </a:ext>
+            </a:extLst>
+          </p:cNvPr>
+          <p:cNvSpPr>
+            <a:spLocks noGrp="1"/>
+          </p:cNvSpPr>
+          <p:nvPr>
+            <p:ph type="body" sz="quarter" idx="10"/>
+          </p:nvPr>
+        </p:nvSpPr>
+        <p:spPr/>
+        <p:txBody>
+          <a:bodyPr/>
+          <a:lstStyle/>
+          <a:p>
+            <a:r>
+              <a:rPr lang="en-US" altLang="ko-KR" dirty="0"/>
+              <a:t>02</a:t>
+            </a:r>
+            <a:endParaRPr lang="ko-KR" altLang="en-US" dirty="0"/>
+          </a:p>
+        </p:txBody>
+      </p:sp>
+      <p:sp>
+        <p:nvSpPr>
+          <p:cNvPr id="6" name="내용 개체 틀 5">
+            <a:extLst>
+              <a:ext uri="{FF2B5EF4-FFF2-40B4-BE49-F238E27FC236}">
+                <a16:creationId xmlns:a16="http://schemas.microsoft.com/office/drawing/2014/main" id="{84E12277-4A13-4571-BCA3-C28FF727C029}"/>
+              </a:ext>
+            </a:extLst>
+          </p:cNvPr>
+          <p:cNvSpPr>
+            <a:spLocks noGrp="1"/>
+          </p:cNvSpPr>
+          <p:nvPr>
+            <p:ph sz="quarter" idx="11"/>
+          </p:nvPr>
+        </p:nvSpPr>
+        <p:spPr/>
+        <p:txBody>
+          <a:bodyPr/>
+          <a:lstStyle/>
+          <a:p>
+            <a:r>
+              <a:rPr lang="ko-KR" altLang="en-US" dirty="0"/>
+              <a:t>데이터의 기본</a:t>
+            </a:r>
+          </a:p>
+        </p:txBody>
+      </p:sp>
+      <p:sp>
+        <p:nvSpPr>
+          <p:cNvPr id="2" name="텍스트 개체 틀 1">
+            <a:extLst>
+              <a:ext uri="{FF2B5EF4-FFF2-40B4-BE49-F238E27FC236}">
+                <a16:creationId xmlns:a16="http://schemas.microsoft.com/office/drawing/2014/main" id="{74FC5FA0-9B28-4806-80B3-2419478867B1}"/>
+              </a:ext>
+            </a:extLst>
+          </p:cNvPr>
+          <p:cNvSpPr>
+            <a:spLocks noGrp="1"/>
+          </p:cNvSpPr>
+          <p:nvPr>
+            <p:ph type="body" sz="quarter" idx="12"/>
+          </p:nvPr>
+        </p:nvSpPr>
+        <p:spPr/>
+        <p:txBody>
+          <a:bodyPr/>
+          <a:lstStyle/>
+          <a:p>
+            <a:r>
+              <a:rPr lang="ko-KR" altLang="en-US" dirty="0"/>
+              <a:t>한 개 이상의 데이터 묶음</a:t>
+            </a:r>
+          </a:p>
+        </p:txBody>
+      </p:sp>
+      <p:sp>
+        <p:nvSpPr>
+          <p:cNvPr id="18" name="TextBox 17">
+            <a:extLst>
+              <a:ext uri="{FF2B5EF4-FFF2-40B4-BE49-F238E27FC236}">
+                <a16:creationId xmlns:a16="http://schemas.microsoft.com/office/drawing/2014/main" id="{9F2F43BD-2ECF-4527-963C-95969B04E879}"/>
+              </a:ext>
+            </a:extLst>
+          </p:cNvPr>
+          <p:cNvSpPr txBox="1"/>
+          <p:nvPr/>
+        </p:nvSpPr>
+        <p:spPr>
+          <a:xfrm>
+            <a:off x="1921481" y="2109693"/>
+            <a:ext cx="620683" cy="369332"/>
+          </a:xfrm>
+          <a:prstGeom prst="rect">
+            <a:avLst/>
+          </a:prstGeom>
+          <a:noFill/>
+        </p:spPr>
+        <p:txBody>
+          <a:bodyPr wrap="none" rtlCol="0">
+            <a:spAutoFit/>
+          </a:bodyPr>
+          <a:lstStyle/>
+          <a:p>
+            <a:r>
+              <a:rPr lang="ko-KR" altLang="en-US" b="1" dirty="0"/>
+              <a:t>벡터</a:t>
+            </a:r>
+          </a:p>
+        </p:txBody>
+      </p:sp>
+      <p:sp>
+        <p:nvSpPr>
+          <p:cNvPr id="22" name="TextBox 21">
+            <a:extLst>
+              <a:ext uri="{FF2B5EF4-FFF2-40B4-BE49-F238E27FC236}">
+                <a16:creationId xmlns:a16="http://schemas.microsoft.com/office/drawing/2014/main" id="{50BB69A8-BEB3-4E1D-BD2B-7EEF39D6774C}"/>
+              </a:ext>
+            </a:extLst>
+          </p:cNvPr>
+          <p:cNvSpPr txBox="1"/>
+          <p:nvPr/>
+        </p:nvSpPr>
+        <p:spPr>
+          <a:xfrm>
+            <a:off x="2153833" y="2805937"/>
+            <a:ext cx="1109599" cy="369332"/>
+          </a:xfrm>
+          <a:prstGeom prst="rect">
+            <a:avLst/>
+          </a:prstGeom>
+          <a:noFill/>
+          <a:ln>
+            <a:noFill/>
+          </a:ln>
+        </p:spPr>
+        <p:txBody>
+          <a:bodyPr wrap="none" rtlCol="0">
+            <a:spAutoFit/>
+          </a:bodyPr>
+          <a:lstStyle/>
+          <a:p>
+            <a:r>
+              <a:rPr lang="ko-KR" altLang="en-US" b="1" dirty="0">
+                <a:solidFill>
+                  <a:schemeClr val="bg1">
+                    <a:lumMod val="75000"/>
+                  </a:schemeClr>
+                </a:solidFill>
+              </a:rPr>
+              <a:t>원자 벡터</a:t>
+            </a:r>
+          </a:p>
+        </p:txBody>
+      </p:sp>
+      <p:sp>
+        <p:nvSpPr>
+          <p:cNvPr id="23" name="TextBox 22">
+            <a:extLst>
+              <a:ext uri="{FF2B5EF4-FFF2-40B4-BE49-F238E27FC236}">
+                <a16:creationId xmlns:a16="http://schemas.microsoft.com/office/drawing/2014/main" id="{304277E4-9D87-4433-984F-C3264EE5688D}"/>
+              </a:ext>
+            </a:extLst>
+          </p:cNvPr>
+          <p:cNvSpPr txBox="1"/>
+          <p:nvPr/>
+        </p:nvSpPr>
+        <p:spPr>
+          <a:xfrm>
+            <a:off x="2325866" y="3476329"/>
+            <a:ext cx="819455" cy="369332"/>
+          </a:xfrm>
+          <a:prstGeom prst="rect">
+            <a:avLst/>
+          </a:prstGeom>
+          <a:noFill/>
+          <a:ln>
+            <a:noFill/>
+          </a:ln>
+        </p:spPr>
+        <p:txBody>
+          <a:bodyPr wrap="none" rtlCol="0">
+            <a:spAutoFit/>
+          </a:bodyPr>
+          <a:lstStyle/>
+          <a:p>
+            <a:r>
+              <a:rPr lang="ko-KR" altLang="en-US" dirty="0">
+                <a:solidFill>
+                  <a:schemeClr val="bg1">
+                    <a:lumMod val="75000"/>
+                  </a:schemeClr>
+                </a:solidFill>
+              </a:rPr>
+              <a:t>논리형</a:t>
+            </a:r>
+          </a:p>
+        </p:txBody>
+      </p:sp>
+      <p:sp>
+        <p:nvSpPr>
+          <p:cNvPr id="24" name="TextBox 23">
+            <a:extLst>
+              <a:ext uri="{FF2B5EF4-FFF2-40B4-BE49-F238E27FC236}">
+                <a16:creationId xmlns:a16="http://schemas.microsoft.com/office/drawing/2014/main" id="{523B146A-A5FC-4093-A678-8B509C7BC83C}"/>
+              </a:ext>
+            </a:extLst>
+          </p:cNvPr>
+          <p:cNvSpPr txBox="1"/>
+          <p:nvPr/>
+        </p:nvSpPr>
+        <p:spPr>
+          <a:xfrm>
+            <a:off x="3533679" y="3469682"/>
+            <a:ext cx="838691" cy="369332"/>
+          </a:xfrm>
+          <a:prstGeom prst="rect">
+            <a:avLst/>
+          </a:prstGeom>
+          <a:noFill/>
+          <a:ln>
+            <a:noFill/>
+          </a:ln>
+        </p:spPr>
+        <p:txBody>
+          <a:bodyPr wrap="none" rtlCol="0">
+            <a:spAutoFit/>
+          </a:bodyPr>
+          <a:lstStyle/>
+          <a:p>
+            <a:r>
+              <a:rPr lang="ko-KR" altLang="en-US" b="1" dirty="0">
+                <a:solidFill>
+                  <a:schemeClr val="bg1">
+                    <a:lumMod val="75000"/>
+                  </a:schemeClr>
+                </a:solidFill>
+              </a:rPr>
+              <a:t>숫자형</a:t>
+            </a:r>
+          </a:p>
+        </p:txBody>
+      </p:sp>
+      <p:sp>
+        <p:nvSpPr>
+          <p:cNvPr id="25" name="TextBox 24">
+            <a:extLst>
+              <a:ext uri="{FF2B5EF4-FFF2-40B4-BE49-F238E27FC236}">
+                <a16:creationId xmlns:a16="http://schemas.microsoft.com/office/drawing/2014/main" id="{FB3788FD-4CF7-4C57-9BD7-8B2CA431FD70}"/>
+              </a:ext>
+            </a:extLst>
+          </p:cNvPr>
+          <p:cNvSpPr txBox="1"/>
+          <p:nvPr/>
+        </p:nvSpPr>
+        <p:spPr>
+          <a:xfrm>
+            <a:off x="5081108" y="3476329"/>
+            <a:ext cx="819455" cy="369332"/>
+          </a:xfrm>
+          <a:prstGeom prst="rect">
+            <a:avLst/>
+          </a:prstGeom>
+          <a:noFill/>
+          <a:ln>
+            <a:noFill/>
+          </a:ln>
+        </p:spPr>
+        <p:txBody>
+          <a:bodyPr wrap="none" rtlCol="0">
+            <a:spAutoFit/>
+          </a:bodyPr>
+          <a:lstStyle/>
+          <a:p>
+            <a:r>
+              <a:rPr lang="ko-KR" altLang="en-US" dirty="0">
+                <a:solidFill>
+                  <a:schemeClr val="bg1">
+                    <a:lumMod val="75000"/>
+                  </a:schemeClr>
+                </a:solidFill>
+              </a:rPr>
+              <a:t>글자형</a:t>
+            </a:r>
+          </a:p>
+        </p:txBody>
+      </p:sp>
+      <p:sp>
+        <p:nvSpPr>
+          <p:cNvPr id="26" name="TextBox 25">
+            <a:extLst>
+              <a:ext uri="{FF2B5EF4-FFF2-40B4-BE49-F238E27FC236}">
+                <a16:creationId xmlns:a16="http://schemas.microsoft.com/office/drawing/2014/main" id="{E97BD224-3D2E-4262-9699-1EDFEA782049}"/>
+              </a:ext>
+            </a:extLst>
+          </p:cNvPr>
+          <p:cNvSpPr txBox="1"/>
+          <p:nvPr/>
+        </p:nvSpPr>
+        <p:spPr>
+          <a:xfrm>
+            <a:off x="3688082" y="3944194"/>
+            <a:ext cx="819455" cy="369332"/>
+          </a:xfrm>
+          <a:prstGeom prst="rect">
+            <a:avLst/>
+          </a:prstGeom>
+          <a:noFill/>
+          <a:ln>
+            <a:noFill/>
+          </a:ln>
+        </p:spPr>
+        <p:txBody>
+          <a:bodyPr wrap="none" rtlCol="0">
+            <a:spAutoFit/>
+          </a:bodyPr>
+          <a:lstStyle/>
+          <a:p>
+            <a:r>
+              <a:rPr lang="ko-KR" altLang="en-US" dirty="0">
+                <a:solidFill>
+                  <a:schemeClr val="bg1">
+                    <a:lumMod val="75000"/>
+                  </a:schemeClr>
+                </a:solidFill>
+              </a:rPr>
+              <a:t>정수형</a:t>
+            </a:r>
+          </a:p>
+        </p:txBody>
+      </p:sp>
+      <p:sp>
+        <p:nvSpPr>
+          <p:cNvPr id="27" name="TextBox 26">
+            <a:extLst>
+              <a:ext uri="{FF2B5EF4-FFF2-40B4-BE49-F238E27FC236}">
+                <a16:creationId xmlns:a16="http://schemas.microsoft.com/office/drawing/2014/main" id="{CA1DAF53-42E9-4CCD-8129-84BD4608DD42}"/>
+              </a:ext>
+            </a:extLst>
+          </p:cNvPr>
+          <p:cNvSpPr txBox="1"/>
+          <p:nvPr/>
+        </p:nvSpPr>
+        <p:spPr>
+          <a:xfrm>
+            <a:off x="3688082" y="4285469"/>
+            <a:ext cx="819455" cy="369332"/>
+          </a:xfrm>
+          <a:prstGeom prst="rect">
+            <a:avLst/>
+          </a:prstGeom>
+          <a:noFill/>
+          <a:ln>
+            <a:noFill/>
+          </a:ln>
+        </p:spPr>
+        <p:txBody>
+          <a:bodyPr wrap="none" rtlCol="0">
+            <a:spAutoFit/>
+          </a:bodyPr>
+          <a:lstStyle/>
+          <a:p>
+            <a:r>
+              <a:rPr lang="ko-KR" altLang="en-US" dirty="0">
+                <a:solidFill>
+                  <a:schemeClr val="bg1">
+                    <a:lumMod val="75000"/>
+                  </a:schemeClr>
+                </a:solidFill>
+              </a:rPr>
+              <a:t>실수형</a:t>
+            </a:r>
+          </a:p>
+        </p:txBody>
+      </p:sp>
+      <p:sp>
+        <p:nvSpPr>
+          <p:cNvPr id="28" name="TextBox 27">
+            <a:extLst>
+              <a:ext uri="{FF2B5EF4-FFF2-40B4-BE49-F238E27FC236}">
+                <a16:creationId xmlns:a16="http://schemas.microsoft.com/office/drawing/2014/main" id="{701F0625-3733-4726-93EC-1BB6529E8EA8}"/>
+              </a:ext>
+            </a:extLst>
+          </p:cNvPr>
+          <p:cNvSpPr txBox="1"/>
+          <p:nvPr/>
+        </p:nvSpPr>
+        <p:spPr>
+          <a:xfrm>
+            <a:off x="6979845" y="3418693"/>
+            <a:ext cx="819455" cy="369332"/>
+          </a:xfrm>
+          <a:prstGeom prst="rect">
+            <a:avLst/>
+          </a:prstGeom>
+          <a:noFill/>
+          <a:ln>
+            <a:noFill/>
+          </a:ln>
+        </p:spPr>
+        <p:txBody>
+          <a:bodyPr wrap="none" rtlCol="0">
+            <a:spAutoFit/>
+          </a:bodyPr>
+          <a:lstStyle/>
+          <a:p>
+            <a:r>
+              <a:rPr lang="ko-KR" altLang="en-US" dirty="0">
+                <a:solidFill>
+                  <a:schemeClr val="bg1">
+                    <a:lumMod val="75000"/>
+                  </a:schemeClr>
+                </a:solidFill>
+              </a:rPr>
+              <a:t>리스트</a:t>
+            </a:r>
+          </a:p>
+        </p:txBody>
+      </p:sp>
+      <p:sp>
+        <p:nvSpPr>
+          <p:cNvPr id="29" name="TextBox 28">
+            <a:extLst>
+              <a:ext uri="{FF2B5EF4-FFF2-40B4-BE49-F238E27FC236}">
+                <a16:creationId xmlns:a16="http://schemas.microsoft.com/office/drawing/2014/main" id="{33231EE8-3D7C-4859-ADE0-9BF96B5BB663}"/>
+              </a:ext>
+            </a:extLst>
+          </p:cNvPr>
+          <p:cNvSpPr txBox="1"/>
+          <p:nvPr/>
+        </p:nvSpPr>
+        <p:spPr>
+          <a:xfrm>
+            <a:off x="9024054" y="3434199"/>
+            <a:ext cx="676788" cy="369332"/>
+          </a:xfrm>
+          <a:prstGeom prst="rect">
+            <a:avLst/>
+          </a:prstGeom>
+          <a:noFill/>
+          <a:ln>
+            <a:noFill/>
+          </a:ln>
+        </p:spPr>
+        <p:txBody>
+          <a:bodyPr wrap="none" rtlCol="0">
+            <a:spAutoFit/>
+          </a:bodyPr>
+          <a:lstStyle/>
+          <a:p>
+            <a:r>
+              <a:rPr lang="en-US" altLang="ko-KR" b="1" dirty="0">
+                <a:solidFill>
+                  <a:schemeClr val="bg1">
+                    <a:lumMod val="75000"/>
+                  </a:schemeClr>
+                </a:solidFill>
+              </a:rPr>
+              <a:t>NULL</a:t>
+            </a:r>
+            <a:endParaRPr lang="ko-KR" altLang="en-US" b="1" dirty="0">
+              <a:solidFill>
+                <a:schemeClr val="bg1">
+                  <a:lumMod val="75000"/>
+                </a:schemeClr>
+              </a:solidFill>
+            </a:endParaRPr>
+          </a:p>
+        </p:txBody>
+      </p:sp>
+      <p:sp>
+        <p:nvSpPr>
+          <p:cNvPr id="30" name="사각형: 둥근 모서리 29">
+            <a:extLst>
+              <a:ext uri="{FF2B5EF4-FFF2-40B4-BE49-F238E27FC236}">
+                <a16:creationId xmlns:a16="http://schemas.microsoft.com/office/drawing/2014/main" id="{EBF102FB-156F-4571-A4E5-2A2E00947C38}"/>
+              </a:ext>
+            </a:extLst>
+          </p:cNvPr>
+          <p:cNvSpPr/>
+          <p:nvPr/>
+        </p:nvSpPr>
+        <p:spPr>
+          <a:xfrm>
+            <a:off x="1788178" y="2493987"/>
+            <a:ext cx="6606377" cy="2588077"/>
+          </a:xfrm>
+          <a:prstGeom prst="roundRect">
+            <a:avLst>
+              <a:gd name="adj" fmla="val 8467"/>
+            </a:avLst>
+          </a:prstGeom>
+          <a:noFill/>
+          <a:ln w="28575">
+            <a:solidFill>
+              <a:schemeClr val="tx1"/>
+            </a:solidFill>
+          </a:ln>
+        </p:spPr>
+        <p:style>
+          <a:lnRef idx="2">
+            <a:schemeClr val="accent1">
+              <a:shade val="50000"/>
+            </a:schemeClr>
+          </a:lnRef>
+          <a:fillRef idx="1">
+            <a:schemeClr val="accent1"/>
+          </a:fillRef>
+          <a:effectRef idx="0">
+            <a:schemeClr val="accent1"/>
+          </a:effectRef>
+          <a:fontRef idx="minor">
+            <a:schemeClr val="lt1"/>
+          </a:fontRef>
+        </p:style>
+        <p:txBody>
+          <a:bodyPr rtlCol="0" anchor="ctr"/>
+          <a:lstStyle/>
+          <a:p>
+            <a:pPr algn="ctr"/>
+            <a:endParaRPr lang="ko-KR" altLang="en-US">
+              <a:solidFill>
+                <a:schemeClr val="bg1">
+                  <a:lumMod val="75000"/>
+                </a:schemeClr>
+              </a:solidFill>
+            </a:endParaRPr>
+          </a:p>
+        </p:txBody>
+      </p:sp>
+      <p:sp>
+        <p:nvSpPr>
+          <p:cNvPr id="31" name="사각형: 둥근 모서리 30">
+            <a:extLst>
+              <a:ext uri="{FF2B5EF4-FFF2-40B4-BE49-F238E27FC236}">
+                <a16:creationId xmlns:a16="http://schemas.microsoft.com/office/drawing/2014/main" id="{0B7D23A4-9F44-4043-B45A-3B329F93646E}"/>
+              </a:ext>
+            </a:extLst>
+          </p:cNvPr>
+          <p:cNvSpPr/>
+          <p:nvPr/>
+        </p:nvSpPr>
+        <p:spPr>
+          <a:xfrm>
+            <a:off x="2014703" y="3228021"/>
+            <a:ext cx="4228059" cy="1678087"/>
+          </a:xfrm>
+          <a:prstGeom prst="roundRect">
+            <a:avLst>
+              <a:gd name="adj" fmla="val 8467"/>
+            </a:avLst>
+          </a:prstGeom>
+          <a:noFill/>
+          <a:ln w="28575">
+            <a:solidFill>
+              <a:schemeClr val="bg2"/>
+            </a:solidFill>
+          </a:ln>
+        </p:spPr>
+        <p:style>
+          <a:lnRef idx="2">
+            <a:schemeClr val="accent1">
+              <a:shade val="50000"/>
+            </a:schemeClr>
+          </a:lnRef>
+          <a:fillRef idx="1">
+            <a:schemeClr val="accent1"/>
+          </a:fillRef>
+          <a:effectRef idx="0">
+            <a:schemeClr val="accent1"/>
+          </a:effectRef>
+          <a:fontRef idx="minor">
+            <a:schemeClr val="lt1"/>
+          </a:fontRef>
+        </p:style>
+        <p:txBody>
+          <a:bodyPr rtlCol="0" anchor="ctr"/>
+          <a:lstStyle/>
+          <a:p>
+            <a:pPr algn="ctr"/>
+            <a:endParaRPr lang="ko-KR" altLang="en-US">
+              <a:solidFill>
+                <a:schemeClr val="bg1">
+                  <a:lumMod val="75000"/>
+                </a:schemeClr>
+              </a:solidFill>
+            </a:endParaRPr>
+          </a:p>
+        </p:txBody>
+      </p:sp>
+      <p:sp>
+        <p:nvSpPr>
+          <p:cNvPr id="32" name="사각형: 둥근 모서리 31">
+            <a:extLst>
+              <a:ext uri="{FF2B5EF4-FFF2-40B4-BE49-F238E27FC236}">
+                <a16:creationId xmlns:a16="http://schemas.microsoft.com/office/drawing/2014/main" id="{2727FE4E-143B-49A3-BDBE-2D38AA1643B1}"/>
+              </a:ext>
+            </a:extLst>
+          </p:cNvPr>
+          <p:cNvSpPr/>
+          <p:nvPr/>
+        </p:nvSpPr>
+        <p:spPr>
+          <a:xfrm>
+            <a:off x="3533679" y="3873830"/>
+            <a:ext cx="1168114" cy="856129"/>
+          </a:xfrm>
+          <a:prstGeom prst="roundRect">
+            <a:avLst>
+              <a:gd name="adj" fmla="val 8467"/>
+            </a:avLst>
+          </a:prstGeom>
+          <a:noFill/>
+          <a:ln w="28575">
+            <a:solidFill>
+              <a:schemeClr val="bg2"/>
+            </a:solidFill>
+          </a:ln>
+        </p:spPr>
+        <p:style>
+          <a:lnRef idx="2">
+            <a:schemeClr val="accent1">
+              <a:shade val="50000"/>
+            </a:schemeClr>
+          </a:lnRef>
+          <a:fillRef idx="1">
+            <a:schemeClr val="accent1"/>
+          </a:fillRef>
+          <a:effectRef idx="0">
+            <a:schemeClr val="accent1"/>
+          </a:effectRef>
+          <a:fontRef idx="minor">
+            <a:schemeClr val="lt1"/>
+          </a:fontRef>
+        </p:style>
+        <p:txBody>
+          <a:bodyPr rtlCol="0" anchor="ctr"/>
+          <a:lstStyle/>
+          <a:p>
+            <a:pPr algn="ctr"/>
+            <a:endParaRPr lang="ko-KR" altLang="en-US">
+              <a:solidFill>
+                <a:schemeClr val="bg1">
+                  <a:lumMod val="75000"/>
+                </a:schemeClr>
+              </a:solidFill>
+            </a:endParaRPr>
+          </a:p>
+        </p:txBody>
+      </p:sp>
+      <p:sp>
+        <p:nvSpPr>
+          <p:cNvPr id="33" name="사각형: 둥근 모서리 32">
+            <a:extLst>
+              <a:ext uri="{FF2B5EF4-FFF2-40B4-BE49-F238E27FC236}">
+                <a16:creationId xmlns:a16="http://schemas.microsoft.com/office/drawing/2014/main" id="{B5F2A3B7-DE72-425B-997B-824646C1608E}"/>
+              </a:ext>
+            </a:extLst>
+          </p:cNvPr>
+          <p:cNvSpPr/>
+          <p:nvPr/>
+        </p:nvSpPr>
+        <p:spPr>
+          <a:xfrm>
+            <a:off x="1069181" y="1959007"/>
+            <a:ext cx="9789542" cy="3747201"/>
+          </a:xfrm>
+          <a:prstGeom prst="roundRect">
+            <a:avLst>
+              <a:gd name="adj" fmla="val 3305"/>
+            </a:avLst>
+          </a:prstGeom>
+          <a:noFill/>
+          <a:ln w="28575">
+            <a:solidFill>
+              <a:schemeClr val="bg2"/>
+            </a:solidFill>
+          </a:ln>
+        </p:spPr>
+        <p:style>
+          <a:lnRef idx="2">
+            <a:schemeClr val="accent1">
+              <a:shade val="50000"/>
+            </a:schemeClr>
+          </a:lnRef>
+          <a:fillRef idx="1">
+            <a:schemeClr val="accent1"/>
+          </a:fillRef>
+          <a:effectRef idx="0">
+            <a:schemeClr val="accent1"/>
+          </a:effectRef>
+          <a:fontRef idx="minor">
+            <a:schemeClr val="lt1"/>
+          </a:fontRef>
+        </p:style>
+        <p:txBody>
+          <a:bodyPr rtlCol="0" anchor="ctr"/>
+          <a:lstStyle/>
+          <a:p>
+            <a:pPr algn="ctr"/>
+            <a:endParaRPr lang="ko-KR" altLang="en-US"/>
+          </a:p>
+        </p:txBody>
+      </p:sp>
+    </p:spTree>
+    <p:extLst>
+      <p:ext uri="{BB962C8B-B14F-4D97-AF65-F5344CB8AC3E}">
+        <p14:creationId xmlns:p14="http://schemas.microsoft.com/office/powerpoint/2010/main" val="3606727888"/>
+      </p:ext>
+    </p:extLst>
+  </p:cSld>
+  <p:clrMapOvr>
+    <a:masterClrMapping/>
+  </p:clrMapOvr>
+</p:sld>
+</file>
+
+<file path=ppt/slides/slide4.xml><?xml version="1.0" encoding="utf-8"?>
+<p:sld xmlns:a="http://schemas.openxmlformats.org/drawingml/2006/main" xmlns:r="http://schemas.openxmlformats.org/officeDocument/2006/relationships" xmlns:p="http://schemas.openxmlformats.org/presentationml/2006/main">
+  <p:cSld>
+    <p:spTree>
+      <p:nvGrpSpPr>
+        <p:cNvPr id="1" name=""/>
+        <p:cNvGrpSpPr/>
+        <p:nvPr/>
+      </p:nvGrpSpPr>
+      <p:grpSpPr>
+        <a:xfrm>
+          <a:off x="0" y="0"/>
+          <a:ext cx="0" cy="0"/>
+          <a:chOff x="0" y="0"/>
+          <a:chExt cx="0" cy="0"/>
+        </a:xfrm>
+      </p:grpSpPr>
+      <p:sp>
+        <p:nvSpPr>
+          <p:cNvPr id="4" name="제목 3">
+            <a:extLst>
+              <a:ext uri="{FF2B5EF4-FFF2-40B4-BE49-F238E27FC236}">
+                <a16:creationId xmlns:a16="http://schemas.microsoft.com/office/drawing/2014/main" id="{A18D7182-D820-4C52-B88B-98E25FAF1AA8}"/>
+              </a:ext>
+            </a:extLst>
+          </p:cNvPr>
+          <p:cNvSpPr>
+            <a:spLocks noGrp="1"/>
+          </p:cNvSpPr>
+          <p:nvPr>
+            <p:ph type="title"/>
+          </p:nvPr>
+        </p:nvSpPr>
+        <p:spPr/>
+        <p:txBody>
+          <a:bodyPr/>
+          <a:lstStyle/>
+          <a:p>
+            <a:r>
+              <a:rPr lang="en-US" altLang="ko-KR" dirty="0"/>
+              <a:t>NULL </a:t>
+            </a:r>
+            <a:r>
+              <a:rPr lang="ko-KR" altLang="en-US" dirty="0"/>
+              <a:t>이란</a:t>
+            </a:r>
+          </a:p>
+        </p:txBody>
+      </p:sp>
+      <p:sp>
+        <p:nvSpPr>
+          <p:cNvPr id="5" name="텍스트 개체 틀 4">
+            <a:extLst>
+              <a:ext uri="{FF2B5EF4-FFF2-40B4-BE49-F238E27FC236}">
+                <a16:creationId xmlns:a16="http://schemas.microsoft.com/office/drawing/2014/main" id="{D521D688-7A61-4C3A-A006-5011563DDB42}"/>
+              </a:ext>
+            </a:extLst>
+          </p:cNvPr>
+          <p:cNvSpPr>
+            <a:spLocks noGrp="1"/>
+          </p:cNvSpPr>
+          <p:nvPr>
+            <p:ph type="body" sz="quarter" idx="10"/>
+          </p:nvPr>
+        </p:nvSpPr>
+        <p:spPr/>
+        <p:txBody>
+          <a:bodyPr/>
+          <a:lstStyle/>
+          <a:p>
+            <a:r>
+              <a:rPr lang="en-US" altLang="ko-KR" dirty="0"/>
+              <a:t>02</a:t>
+            </a:r>
+            <a:endParaRPr lang="ko-KR" altLang="en-US" dirty="0"/>
+          </a:p>
+        </p:txBody>
+      </p:sp>
+      <p:sp>
+        <p:nvSpPr>
+          <p:cNvPr id="6" name="내용 개체 틀 5">
+            <a:extLst>
+              <a:ext uri="{FF2B5EF4-FFF2-40B4-BE49-F238E27FC236}">
+                <a16:creationId xmlns:a16="http://schemas.microsoft.com/office/drawing/2014/main" id="{84E12277-4A13-4571-BCA3-C28FF727C029}"/>
+              </a:ext>
+            </a:extLst>
+          </p:cNvPr>
+          <p:cNvSpPr>
+            <a:spLocks noGrp="1"/>
+          </p:cNvSpPr>
+          <p:nvPr>
+            <p:ph sz="quarter" idx="11"/>
+          </p:nvPr>
+        </p:nvSpPr>
+        <p:spPr/>
+        <p:txBody>
+          <a:bodyPr/>
+          <a:lstStyle/>
+          <a:p>
+            <a:r>
+              <a:rPr lang="ko-KR" altLang="en-US" dirty="0"/>
+              <a:t>데이터의 기본</a:t>
+            </a:r>
+          </a:p>
+        </p:txBody>
+      </p:sp>
+      <p:sp>
+        <p:nvSpPr>
+          <p:cNvPr id="2" name="텍스트 개체 틀 1">
+            <a:extLst>
+              <a:ext uri="{FF2B5EF4-FFF2-40B4-BE49-F238E27FC236}">
+                <a16:creationId xmlns:a16="http://schemas.microsoft.com/office/drawing/2014/main" id="{74FC5FA0-9B28-4806-80B3-2419478867B1}"/>
+              </a:ext>
+            </a:extLst>
+          </p:cNvPr>
+          <p:cNvSpPr>
+            <a:spLocks noGrp="1"/>
+          </p:cNvSpPr>
+          <p:nvPr>
+            <p:ph type="body" sz="quarter" idx="12"/>
+          </p:nvPr>
+        </p:nvSpPr>
+        <p:spPr/>
+        <p:txBody>
+          <a:bodyPr/>
+          <a:lstStyle/>
+          <a:p>
+            <a:r>
+              <a:rPr lang="ko-KR" altLang="en-US" dirty="0"/>
+              <a:t>데이터가 없음</a:t>
+            </a:r>
+          </a:p>
+        </p:txBody>
+      </p:sp>
+      <p:sp>
+        <p:nvSpPr>
+          <p:cNvPr id="18" name="TextBox 17">
+            <a:extLst>
+              <a:ext uri="{FF2B5EF4-FFF2-40B4-BE49-F238E27FC236}">
+                <a16:creationId xmlns:a16="http://schemas.microsoft.com/office/drawing/2014/main" id="{9F2F43BD-2ECF-4527-963C-95969B04E879}"/>
+              </a:ext>
+            </a:extLst>
+          </p:cNvPr>
+          <p:cNvSpPr txBox="1"/>
+          <p:nvPr/>
+        </p:nvSpPr>
+        <p:spPr>
+          <a:xfrm>
+            <a:off x="1921481" y="2109693"/>
+            <a:ext cx="620683" cy="369332"/>
+          </a:xfrm>
+          <a:prstGeom prst="rect">
+            <a:avLst/>
+          </a:prstGeom>
+          <a:noFill/>
+        </p:spPr>
+        <p:txBody>
+          <a:bodyPr wrap="none" rtlCol="0">
+            <a:spAutoFit/>
+          </a:bodyPr>
+          <a:lstStyle/>
+          <a:p>
+            <a:r>
+              <a:rPr lang="ko-KR" altLang="en-US" b="1" dirty="0">
+                <a:solidFill>
+                  <a:schemeClr val="bg1">
+                    <a:lumMod val="75000"/>
+                  </a:schemeClr>
+                </a:solidFill>
+              </a:rPr>
+              <a:t>벡터</a:t>
+            </a:r>
+          </a:p>
+        </p:txBody>
+      </p:sp>
+      <p:sp>
+        <p:nvSpPr>
+          <p:cNvPr id="22" name="TextBox 21">
+            <a:extLst>
+              <a:ext uri="{FF2B5EF4-FFF2-40B4-BE49-F238E27FC236}">
+                <a16:creationId xmlns:a16="http://schemas.microsoft.com/office/drawing/2014/main" id="{50BB69A8-BEB3-4E1D-BD2B-7EEF39D6774C}"/>
+              </a:ext>
+            </a:extLst>
+          </p:cNvPr>
+          <p:cNvSpPr txBox="1"/>
+          <p:nvPr/>
+        </p:nvSpPr>
+        <p:spPr>
+          <a:xfrm>
+            <a:off x="2153833" y="2805937"/>
+            <a:ext cx="1109599" cy="369332"/>
+          </a:xfrm>
+          <a:prstGeom prst="rect">
+            <a:avLst/>
+          </a:prstGeom>
+          <a:noFill/>
+          <a:ln>
+            <a:noFill/>
+          </a:ln>
+        </p:spPr>
+        <p:txBody>
+          <a:bodyPr wrap="none" rtlCol="0">
+            <a:spAutoFit/>
+          </a:bodyPr>
+          <a:lstStyle/>
+          <a:p>
+            <a:r>
+              <a:rPr lang="ko-KR" altLang="en-US" b="1" dirty="0">
+                <a:solidFill>
+                  <a:schemeClr val="bg1">
+                    <a:lumMod val="75000"/>
+                  </a:schemeClr>
+                </a:solidFill>
+              </a:rPr>
+              <a:t>원자 벡터</a:t>
+            </a:r>
+          </a:p>
+        </p:txBody>
+      </p:sp>
+      <p:sp>
+        <p:nvSpPr>
+          <p:cNvPr id="23" name="TextBox 22">
+            <a:extLst>
+              <a:ext uri="{FF2B5EF4-FFF2-40B4-BE49-F238E27FC236}">
+                <a16:creationId xmlns:a16="http://schemas.microsoft.com/office/drawing/2014/main" id="{304277E4-9D87-4433-984F-C3264EE5688D}"/>
+              </a:ext>
+            </a:extLst>
+          </p:cNvPr>
+          <p:cNvSpPr txBox="1"/>
+          <p:nvPr/>
+        </p:nvSpPr>
+        <p:spPr>
+          <a:xfrm>
+            <a:off x="2325866" y="3476329"/>
+            <a:ext cx="819455" cy="369332"/>
+          </a:xfrm>
+          <a:prstGeom prst="rect">
+            <a:avLst/>
+          </a:prstGeom>
+          <a:noFill/>
+          <a:ln>
+            <a:noFill/>
+          </a:ln>
+        </p:spPr>
+        <p:txBody>
+          <a:bodyPr wrap="none" rtlCol="0">
+            <a:spAutoFit/>
+          </a:bodyPr>
+          <a:lstStyle/>
+          <a:p>
+            <a:r>
+              <a:rPr lang="ko-KR" altLang="en-US" dirty="0">
+                <a:solidFill>
+                  <a:schemeClr val="bg1">
+                    <a:lumMod val="75000"/>
+                  </a:schemeClr>
+                </a:solidFill>
+              </a:rPr>
+              <a:t>논리형</a:t>
+            </a:r>
+          </a:p>
+        </p:txBody>
+      </p:sp>
+      <p:sp>
+        <p:nvSpPr>
+          <p:cNvPr id="24" name="TextBox 23">
+            <a:extLst>
+              <a:ext uri="{FF2B5EF4-FFF2-40B4-BE49-F238E27FC236}">
+                <a16:creationId xmlns:a16="http://schemas.microsoft.com/office/drawing/2014/main" id="{523B146A-A5FC-4093-A678-8B509C7BC83C}"/>
+              </a:ext>
+            </a:extLst>
+          </p:cNvPr>
+          <p:cNvSpPr txBox="1"/>
+          <p:nvPr/>
+        </p:nvSpPr>
+        <p:spPr>
+          <a:xfrm>
+            <a:off x="3533679" y="3469682"/>
+            <a:ext cx="838691" cy="369332"/>
+          </a:xfrm>
+          <a:prstGeom prst="rect">
+            <a:avLst/>
+          </a:prstGeom>
+          <a:noFill/>
+          <a:ln>
+            <a:noFill/>
+          </a:ln>
+        </p:spPr>
+        <p:txBody>
+          <a:bodyPr wrap="none" rtlCol="0">
+            <a:spAutoFit/>
+          </a:bodyPr>
+          <a:lstStyle/>
+          <a:p>
+            <a:r>
+              <a:rPr lang="ko-KR" altLang="en-US" b="1" dirty="0">
+                <a:solidFill>
+                  <a:schemeClr val="bg1">
+                    <a:lumMod val="75000"/>
+                  </a:schemeClr>
+                </a:solidFill>
+              </a:rPr>
+              <a:t>숫자형</a:t>
+            </a:r>
+          </a:p>
+        </p:txBody>
+      </p:sp>
+      <p:sp>
+        <p:nvSpPr>
+          <p:cNvPr id="25" name="TextBox 24">
+            <a:extLst>
+              <a:ext uri="{FF2B5EF4-FFF2-40B4-BE49-F238E27FC236}">
+                <a16:creationId xmlns:a16="http://schemas.microsoft.com/office/drawing/2014/main" id="{FB3788FD-4CF7-4C57-9BD7-8B2CA431FD70}"/>
+              </a:ext>
+            </a:extLst>
+          </p:cNvPr>
+          <p:cNvSpPr txBox="1"/>
+          <p:nvPr/>
+        </p:nvSpPr>
+        <p:spPr>
+          <a:xfrm>
+            <a:off x="5081108" y="3476329"/>
+            <a:ext cx="819455" cy="369332"/>
+          </a:xfrm>
+          <a:prstGeom prst="rect">
+            <a:avLst/>
+          </a:prstGeom>
+          <a:noFill/>
+          <a:ln>
+            <a:noFill/>
+          </a:ln>
+        </p:spPr>
+        <p:txBody>
+          <a:bodyPr wrap="none" rtlCol="0">
+            <a:spAutoFit/>
+          </a:bodyPr>
+          <a:lstStyle/>
+          <a:p>
+            <a:r>
+              <a:rPr lang="ko-KR" altLang="en-US" dirty="0">
+                <a:solidFill>
+                  <a:schemeClr val="bg1">
+                    <a:lumMod val="75000"/>
+                  </a:schemeClr>
+                </a:solidFill>
+              </a:rPr>
+              <a:t>글자형</a:t>
+            </a:r>
+          </a:p>
+        </p:txBody>
+      </p:sp>
+      <p:sp>
+        <p:nvSpPr>
+          <p:cNvPr id="26" name="TextBox 25">
+            <a:extLst>
+              <a:ext uri="{FF2B5EF4-FFF2-40B4-BE49-F238E27FC236}">
+                <a16:creationId xmlns:a16="http://schemas.microsoft.com/office/drawing/2014/main" id="{E97BD224-3D2E-4262-9699-1EDFEA782049}"/>
+              </a:ext>
+            </a:extLst>
+          </p:cNvPr>
+          <p:cNvSpPr txBox="1"/>
+          <p:nvPr/>
+        </p:nvSpPr>
+        <p:spPr>
+          <a:xfrm>
+            <a:off x="3688082" y="3944194"/>
+            <a:ext cx="819455" cy="369332"/>
+          </a:xfrm>
+          <a:prstGeom prst="rect">
+            <a:avLst/>
+          </a:prstGeom>
+          <a:noFill/>
+          <a:ln>
+            <a:noFill/>
+          </a:ln>
+        </p:spPr>
+        <p:txBody>
+          <a:bodyPr wrap="none" rtlCol="0">
+            <a:spAutoFit/>
+          </a:bodyPr>
+          <a:lstStyle/>
+          <a:p>
+            <a:r>
+              <a:rPr lang="ko-KR" altLang="en-US" dirty="0">
+                <a:solidFill>
+                  <a:schemeClr val="bg1">
+                    <a:lumMod val="75000"/>
+                  </a:schemeClr>
+                </a:solidFill>
+              </a:rPr>
+              <a:t>정수형</a:t>
+            </a:r>
+          </a:p>
+        </p:txBody>
+      </p:sp>
+      <p:sp>
+        <p:nvSpPr>
+          <p:cNvPr id="27" name="TextBox 26">
+            <a:extLst>
+              <a:ext uri="{FF2B5EF4-FFF2-40B4-BE49-F238E27FC236}">
+                <a16:creationId xmlns:a16="http://schemas.microsoft.com/office/drawing/2014/main" id="{CA1DAF53-42E9-4CCD-8129-84BD4608DD42}"/>
+              </a:ext>
+            </a:extLst>
+          </p:cNvPr>
+          <p:cNvSpPr txBox="1"/>
+          <p:nvPr/>
+        </p:nvSpPr>
+        <p:spPr>
+          <a:xfrm>
+            <a:off x="3688082" y="4285469"/>
+            <a:ext cx="819455" cy="369332"/>
+          </a:xfrm>
+          <a:prstGeom prst="rect">
+            <a:avLst/>
+          </a:prstGeom>
+          <a:noFill/>
+          <a:ln>
+            <a:noFill/>
+          </a:ln>
+        </p:spPr>
+        <p:txBody>
+          <a:bodyPr wrap="none" rtlCol="0">
+            <a:spAutoFit/>
+          </a:bodyPr>
+          <a:lstStyle/>
+          <a:p>
+            <a:r>
+              <a:rPr lang="ko-KR" altLang="en-US" dirty="0">
+                <a:solidFill>
+                  <a:schemeClr val="bg1">
+                    <a:lumMod val="75000"/>
+                  </a:schemeClr>
+                </a:solidFill>
+              </a:rPr>
+              <a:t>실수형</a:t>
+            </a:r>
+          </a:p>
+        </p:txBody>
+      </p:sp>
+      <p:sp>
+        <p:nvSpPr>
+          <p:cNvPr id="28" name="TextBox 27">
+            <a:extLst>
+              <a:ext uri="{FF2B5EF4-FFF2-40B4-BE49-F238E27FC236}">
+                <a16:creationId xmlns:a16="http://schemas.microsoft.com/office/drawing/2014/main" id="{701F0625-3733-4726-93EC-1BB6529E8EA8}"/>
+              </a:ext>
+            </a:extLst>
+          </p:cNvPr>
+          <p:cNvSpPr txBox="1"/>
+          <p:nvPr/>
+        </p:nvSpPr>
+        <p:spPr>
+          <a:xfrm>
+            <a:off x="6979845" y="3418693"/>
+            <a:ext cx="819455" cy="369332"/>
+          </a:xfrm>
+          <a:prstGeom prst="rect">
+            <a:avLst/>
+          </a:prstGeom>
+          <a:noFill/>
+          <a:ln>
+            <a:noFill/>
+          </a:ln>
+        </p:spPr>
+        <p:txBody>
+          <a:bodyPr wrap="none" rtlCol="0">
+            <a:spAutoFit/>
+          </a:bodyPr>
+          <a:lstStyle/>
+          <a:p>
+            <a:r>
+              <a:rPr lang="ko-KR" altLang="en-US" dirty="0">
+                <a:solidFill>
+                  <a:schemeClr val="bg1">
+                    <a:lumMod val="75000"/>
+                  </a:schemeClr>
+                </a:solidFill>
+              </a:rPr>
+              <a:t>리스트</a:t>
+            </a:r>
+          </a:p>
+        </p:txBody>
+      </p:sp>
+      <p:sp>
+        <p:nvSpPr>
+          <p:cNvPr id="29" name="TextBox 28">
+            <a:extLst>
+              <a:ext uri="{FF2B5EF4-FFF2-40B4-BE49-F238E27FC236}">
+                <a16:creationId xmlns:a16="http://schemas.microsoft.com/office/drawing/2014/main" id="{33231EE8-3D7C-4859-ADE0-9BF96B5BB663}"/>
+              </a:ext>
+            </a:extLst>
+          </p:cNvPr>
+          <p:cNvSpPr txBox="1"/>
+          <p:nvPr/>
+        </p:nvSpPr>
+        <p:spPr>
+          <a:xfrm>
+            <a:off x="9024054" y="3434199"/>
+            <a:ext cx="676788" cy="369332"/>
+          </a:xfrm>
+          <a:prstGeom prst="rect">
+            <a:avLst/>
+          </a:prstGeom>
+          <a:noFill/>
+          <a:ln>
+            <a:noFill/>
+          </a:ln>
+        </p:spPr>
+        <p:txBody>
+          <a:bodyPr wrap="none" rtlCol="0">
+            <a:spAutoFit/>
+          </a:bodyPr>
+          <a:lstStyle/>
+          <a:p>
+            <a:r>
+              <a:rPr lang="en-US" altLang="ko-KR" b="1" dirty="0"/>
+              <a:t>NULL</a:t>
+            </a:r>
+            <a:endParaRPr lang="ko-KR" altLang="en-US" b="1" dirty="0"/>
+          </a:p>
+        </p:txBody>
+      </p:sp>
+      <p:sp>
+        <p:nvSpPr>
+          <p:cNvPr id="30" name="사각형: 둥근 모서리 29">
+            <a:extLst>
+              <a:ext uri="{FF2B5EF4-FFF2-40B4-BE49-F238E27FC236}">
+                <a16:creationId xmlns:a16="http://schemas.microsoft.com/office/drawing/2014/main" id="{EBF102FB-156F-4571-A4E5-2A2E00947C38}"/>
+              </a:ext>
+            </a:extLst>
+          </p:cNvPr>
+          <p:cNvSpPr/>
+          <p:nvPr/>
+        </p:nvSpPr>
+        <p:spPr>
+          <a:xfrm>
+            <a:off x="1788178" y="2493987"/>
+            <a:ext cx="6606377" cy="2588077"/>
+          </a:xfrm>
+          <a:prstGeom prst="roundRect">
+            <a:avLst>
+              <a:gd name="adj" fmla="val 8467"/>
+            </a:avLst>
+          </a:prstGeom>
+          <a:noFill/>
+          <a:ln w="28575">
+            <a:solidFill>
+              <a:schemeClr val="bg2"/>
+            </a:solidFill>
+          </a:ln>
+        </p:spPr>
+        <p:style>
+          <a:lnRef idx="2">
+            <a:schemeClr val="accent1">
+              <a:shade val="50000"/>
+            </a:schemeClr>
+          </a:lnRef>
+          <a:fillRef idx="1">
+            <a:schemeClr val="accent1"/>
+          </a:fillRef>
+          <a:effectRef idx="0">
+            <a:schemeClr val="accent1"/>
+          </a:effectRef>
+          <a:fontRef idx="minor">
+            <a:schemeClr val="lt1"/>
+          </a:fontRef>
+        </p:style>
+        <p:txBody>
+          <a:bodyPr rtlCol="0" anchor="ctr"/>
+          <a:lstStyle/>
+          <a:p>
+            <a:pPr algn="ctr"/>
+            <a:endParaRPr lang="ko-KR" altLang="en-US">
+              <a:solidFill>
+                <a:schemeClr val="bg1">
+                  <a:lumMod val="75000"/>
+                </a:schemeClr>
+              </a:solidFill>
+            </a:endParaRPr>
+          </a:p>
+        </p:txBody>
+      </p:sp>
+      <p:sp>
+        <p:nvSpPr>
+          <p:cNvPr id="31" name="사각형: 둥근 모서리 30">
+            <a:extLst>
+              <a:ext uri="{FF2B5EF4-FFF2-40B4-BE49-F238E27FC236}">
+                <a16:creationId xmlns:a16="http://schemas.microsoft.com/office/drawing/2014/main" id="{0B7D23A4-9F44-4043-B45A-3B329F93646E}"/>
+              </a:ext>
+            </a:extLst>
+          </p:cNvPr>
+          <p:cNvSpPr/>
+          <p:nvPr/>
+        </p:nvSpPr>
+        <p:spPr>
+          <a:xfrm>
+            <a:off x="2014703" y="3228021"/>
+            <a:ext cx="4228059" cy="1678087"/>
+          </a:xfrm>
+          <a:prstGeom prst="roundRect">
+            <a:avLst>
+              <a:gd name="adj" fmla="val 8467"/>
+            </a:avLst>
+          </a:prstGeom>
+          <a:noFill/>
+          <a:ln w="28575">
+            <a:solidFill>
+              <a:schemeClr val="bg2"/>
+            </a:solidFill>
+          </a:ln>
+        </p:spPr>
+        <p:style>
+          <a:lnRef idx="2">
+            <a:schemeClr val="accent1">
+              <a:shade val="50000"/>
+            </a:schemeClr>
+          </a:lnRef>
+          <a:fillRef idx="1">
+            <a:schemeClr val="accent1"/>
+          </a:fillRef>
+          <a:effectRef idx="0">
+            <a:schemeClr val="accent1"/>
+          </a:effectRef>
+          <a:fontRef idx="minor">
+            <a:schemeClr val="lt1"/>
+          </a:fontRef>
+        </p:style>
+        <p:txBody>
+          <a:bodyPr rtlCol="0" anchor="ctr"/>
+          <a:lstStyle/>
+          <a:p>
+            <a:pPr algn="ctr"/>
+            <a:endParaRPr lang="ko-KR" altLang="en-US">
+              <a:solidFill>
+                <a:schemeClr val="bg1">
+                  <a:lumMod val="75000"/>
+                </a:schemeClr>
+              </a:solidFill>
+            </a:endParaRPr>
+          </a:p>
+        </p:txBody>
+      </p:sp>
+      <p:sp>
+        <p:nvSpPr>
+          <p:cNvPr id="32" name="사각형: 둥근 모서리 31">
+            <a:extLst>
+              <a:ext uri="{FF2B5EF4-FFF2-40B4-BE49-F238E27FC236}">
+                <a16:creationId xmlns:a16="http://schemas.microsoft.com/office/drawing/2014/main" id="{2727FE4E-143B-49A3-BDBE-2D38AA1643B1}"/>
+              </a:ext>
+            </a:extLst>
+          </p:cNvPr>
+          <p:cNvSpPr/>
+          <p:nvPr/>
+        </p:nvSpPr>
+        <p:spPr>
+          <a:xfrm>
+            <a:off x="3533679" y="3873830"/>
+            <a:ext cx="1168114" cy="856129"/>
+          </a:xfrm>
+          <a:prstGeom prst="roundRect">
+            <a:avLst>
+              <a:gd name="adj" fmla="val 8467"/>
+            </a:avLst>
+          </a:prstGeom>
+          <a:noFill/>
+          <a:ln w="28575">
+            <a:solidFill>
+              <a:schemeClr val="bg2"/>
+            </a:solidFill>
+          </a:ln>
+        </p:spPr>
+        <p:style>
+          <a:lnRef idx="2">
+            <a:schemeClr val="accent1">
+              <a:shade val="50000"/>
+            </a:schemeClr>
+          </a:lnRef>
+          <a:fillRef idx="1">
+            <a:schemeClr val="accent1"/>
+          </a:fillRef>
+          <a:effectRef idx="0">
+            <a:schemeClr val="accent1"/>
+          </a:effectRef>
+          <a:fontRef idx="minor">
+            <a:schemeClr val="lt1"/>
+          </a:fontRef>
+        </p:style>
+        <p:txBody>
+          <a:bodyPr rtlCol="0" anchor="ctr"/>
+          <a:lstStyle/>
+          <a:p>
+            <a:pPr algn="ctr"/>
+            <a:endParaRPr lang="ko-KR" altLang="en-US">
+              <a:solidFill>
+                <a:schemeClr val="bg1">
+                  <a:lumMod val="75000"/>
+                </a:schemeClr>
+              </a:solidFill>
+            </a:endParaRPr>
+          </a:p>
+        </p:txBody>
+      </p:sp>
+      <p:sp>
+        <p:nvSpPr>
+          <p:cNvPr id="33" name="사각형: 둥근 모서리 32">
+            <a:extLst>
+              <a:ext uri="{FF2B5EF4-FFF2-40B4-BE49-F238E27FC236}">
+                <a16:creationId xmlns:a16="http://schemas.microsoft.com/office/drawing/2014/main" id="{B5F2A3B7-DE72-425B-997B-824646C1608E}"/>
+              </a:ext>
+            </a:extLst>
+          </p:cNvPr>
+          <p:cNvSpPr/>
+          <p:nvPr/>
+        </p:nvSpPr>
+        <p:spPr>
+          <a:xfrm>
+            <a:off x="1069181" y="1959007"/>
+            <a:ext cx="9789542" cy="3747201"/>
+          </a:xfrm>
+          <a:prstGeom prst="roundRect">
+            <a:avLst>
+              <a:gd name="adj" fmla="val 3305"/>
+            </a:avLst>
+          </a:prstGeom>
+          <a:noFill/>
+          <a:ln w="28575">
+            <a:solidFill>
+              <a:schemeClr val="bg2"/>
+            </a:solidFill>
+          </a:ln>
+        </p:spPr>
+        <p:style>
+          <a:lnRef idx="2">
+            <a:schemeClr val="accent1">
+              <a:shade val="50000"/>
+            </a:schemeClr>
+          </a:lnRef>
+          <a:fillRef idx="1">
+            <a:schemeClr val="accent1"/>
+          </a:fillRef>
+          <a:effectRef idx="0">
+            <a:schemeClr val="accent1"/>
+          </a:effectRef>
+          <a:fontRef idx="minor">
+            <a:schemeClr val="lt1"/>
+          </a:fontRef>
+        </p:style>
+        <p:txBody>
+          <a:bodyPr rtlCol="0" anchor="ctr"/>
+          <a:lstStyle/>
+          <a:p>
+            <a:pPr algn="ctr"/>
+            <a:endParaRPr lang="ko-KR" altLang="en-US"/>
+          </a:p>
+        </p:txBody>
+      </p:sp>
+    </p:spTree>
+    <p:extLst>
+      <p:ext uri="{BB962C8B-B14F-4D97-AF65-F5344CB8AC3E}">
+        <p14:creationId xmlns:p14="http://schemas.microsoft.com/office/powerpoint/2010/main" val="2346955265"/>
+      </p:ext>
+    </p:extLst>
+  </p:cSld>
+  <p:clrMapOvr>
+    <a:masterClrMapping/>
+  </p:clrMapOvr>
+</p:sld>
+</file>
+
+<file path=ppt/slides/slide5.xml><?xml version="1.0" encoding="utf-8"?>
+<p:sld xmlns:a="http://schemas.openxmlformats.org/drawingml/2006/main" xmlns:r="http://schemas.openxmlformats.org/officeDocument/2006/relationships" xmlns:p="http://schemas.openxmlformats.org/presentationml/2006/main">
+  <p:cSld>
+    <p:spTree>
+      <p:nvGrpSpPr>
+        <p:cNvPr id="1" name=""/>
+        <p:cNvGrpSpPr/>
+        <p:nvPr/>
+      </p:nvGrpSpPr>
+      <p:grpSpPr>
+        <a:xfrm>
+          <a:off x="0" y="0"/>
+          <a:ext cx="0" cy="0"/>
+          <a:chOff x="0" y="0"/>
+          <a:chExt cx="0" cy="0"/>
+        </a:xfrm>
+      </p:grpSpPr>
+      <p:sp>
+        <p:nvSpPr>
+          <p:cNvPr id="4" name="제목 3">
+            <a:extLst>
+              <a:ext uri="{FF2B5EF4-FFF2-40B4-BE49-F238E27FC236}">
+                <a16:creationId xmlns:a16="http://schemas.microsoft.com/office/drawing/2014/main" id="{A18D7182-D820-4C52-B88B-98E25FAF1AA8}"/>
+              </a:ext>
+            </a:extLst>
+          </p:cNvPr>
+          <p:cNvSpPr>
+            <a:spLocks noGrp="1"/>
+          </p:cNvSpPr>
+          <p:nvPr>
+            <p:ph type="title"/>
+          </p:nvPr>
+        </p:nvSpPr>
+        <p:spPr/>
+        <p:txBody>
+          <a:bodyPr/>
+          <a:lstStyle/>
+          <a:p>
+            <a:r>
+              <a:rPr lang="ko-KR" altLang="en-US" dirty="0"/>
+              <a:t>원자 </a:t>
+            </a:r>
+            <a:r>
+              <a:rPr lang="ko-KR" altLang="en-US" dirty="0" err="1"/>
+              <a:t>벡터란</a:t>
+            </a:r>
+            <a:endParaRPr lang="ko-KR" altLang="en-US" dirty="0"/>
+          </a:p>
+        </p:txBody>
+      </p:sp>
+      <p:sp>
+        <p:nvSpPr>
+          <p:cNvPr id="5" name="텍스트 개체 틀 4">
+            <a:extLst>
+              <a:ext uri="{FF2B5EF4-FFF2-40B4-BE49-F238E27FC236}">
+                <a16:creationId xmlns:a16="http://schemas.microsoft.com/office/drawing/2014/main" id="{D521D688-7A61-4C3A-A006-5011563DDB42}"/>
+              </a:ext>
+            </a:extLst>
+          </p:cNvPr>
+          <p:cNvSpPr>
+            <a:spLocks noGrp="1"/>
+          </p:cNvSpPr>
+          <p:nvPr>
+            <p:ph type="body" sz="quarter" idx="10"/>
+          </p:nvPr>
+        </p:nvSpPr>
+        <p:spPr/>
+        <p:txBody>
+          <a:bodyPr/>
+          <a:lstStyle/>
+          <a:p>
+            <a:r>
+              <a:rPr lang="en-US" altLang="ko-KR" dirty="0"/>
+              <a:t>02</a:t>
+            </a:r>
+            <a:endParaRPr lang="ko-KR" altLang="en-US" dirty="0"/>
+          </a:p>
+        </p:txBody>
+      </p:sp>
+      <p:sp>
+        <p:nvSpPr>
+          <p:cNvPr id="6" name="내용 개체 틀 5">
+            <a:extLst>
+              <a:ext uri="{FF2B5EF4-FFF2-40B4-BE49-F238E27FC236}">
+                <a16:creationId xmlns:a16="http://schemas.microsoft.com/office/drawing/2014/main" id="{84E12277-4A13-4571-BCA3-C28FF727C029}"/>
+              </a:ext>
+            </a:extLst>
+          </p:cNvPr>
+          <p:cNvSpPr>
+            <a:spLocks noGrp="1"/>
+          </p:cNvSpPr>
+          <p:nvPr>
+            <p:ph sz="quarter" idx="11"/>
+          </p:nvPr>
+        </p:nvSpPr>
+        <p:spPr/>
+        <p:txBody>
+          <a:bodyPr/>
+          <a:lstStyle/>
+          <a:p>
+            <a:r>
+              <a:rPr lang="ko-KR" altLang="en-US" dirty="0"/>
+              <a:t>데이터의 기본</a:t>
+            </a:r>
+          </a:p>
+        </p:txBody>
+      </p:sp>
+      <p:sp>
+        <p:nvSpPr>
+          <p:cNvPr id="2" name="텍스트 개체 틀 1">
+            <a:extLst>
+              <a:ext uri="{FF2B5EF4-FFF2-40B4-BE49-F238E27FC236}">
+                <a16:creationId xmlns:a16="http://schemas.microsoft.com/office/drawing/2014/main" id="{74FC5FA0-9B28-4806-80B3-2419478867B1}"/>
+              </a:ext>
+            </a:extLst>
+          </p:cNvPr>
+          <p:cNvSpPr>
+            <a:spLocks noGrp="1"/>
+          </p:cNvSpPr>
+          <p:nvPr>
+            <p:ph type="body" sz="quarter" idx="12"/>
+          </p:nvPr>
+        </p:nvSpPr>
+        <p:spPr/>
+        <p:txBody>
+          <a:bodyPr/>
+          <a:lstStyle/>
+          <a:p>
+            <a:r>
+              <a:rPr lang="ko-KR" altLang="en-US" dirty="0"/>
+              <a:t>모두 같은 종류의 데이터를 가지고 있는 데이터 묶음 </a:t>
+            </a:r>
+          </a:p>
+        </p:txBody>
+      </p:sp>
+      <p:sp>
+        <p:nvSpPr>
+          <p:cNvPr id="18" name="TextBox 17">
+            <a:extLst>
+              <a:ext uri="{FF2B5EF4-FFF2-40B4-BE49-F238E27FC236}">
+                <a16:creationId xmlns:a16="http://schemas.microsoft.com/office/drawing/2014/main" id="{9F2F43BD-2ECF-4527-963C-95969B04E879}"/>
+              </a:ext>
+            </a:extLst>
+          </p:cNvPr>
+          <p:cNvSpPr txBox="1"/>
+          <p:nvPr/>
+        </p:nvSpPr>
+        <p:spPr>
+          <a:xfrm>
+            <a:off x="1921481" y="2109693"/>
+            <a:ext cx="620683" cy="369332"/>
+          </a:xfrm>
+          <a:prstGeom prst="rect">
+            <a:avLst/>
+          </a:prstGeom>
+          <a:noFill/>
+        </p:spPr>
+        <p:txBody>
+          <a:bodyPr wrap="none" rtlCol="0">
+            <a:spAutoFit/>
+          </a:bodyPr>
+          <a:lstStyle/>
+          <a:p>
+            <a:r>
+              <a:rPr lang="ko-KR" altLang="en-US" b="1" dirty="0">
+                <a:solidFill>
+                  <a:schemeClr val="bg1">
+                    <a:lumMod val="75000"/>
+                  </a:schemeClr>
+                </a:solidFill>
+              </a:rPr>
+              <a:t>벡터</a:t>
+            </a:r>
+          </a:p>
+        </p:txBody>
+      </p:sp>
+      <p:sp>
+        <p:nvSpPr>
+          <p:cNvPr id="22" name="TextBox 21">
+            <a:extLst>
+              <a:ext uri="{FF2B5EF4-FFF2-40B4-BE49-F238E27FC236}">
+                <a16:creationId xmlns:a16="http://schemas.microsoft.com/office/drawing/2014/main" id="{50BB69A8-BEB3-4E1D-BD2B-7EEF39D6774C}"/>
+              </a:ext>
+            </a:extLst>
+          </p:cNvPr>
+          <p:cNvSpPr txBox="1"/>
+          <p:nvPr/>
+        </p:nvSpPr>
+        <p:spPr>
+          <a:xfrm>
+            <a:off x="2153833" y="2805937"/>
+            <a:ext cx="1109599" cy="369332"/>
+          </a:xfrm>
+          <a:prstGeom prst="rect">
+            <a:avLst/>
+          </a:prstGeom>
+          <a:noFill/>
+          <a:ln>
+            <a:noFill/>
+          </a:ln>
+        </p:spPr>
+        <p:txBody>
+          <a:bodyPr wrap="none" rtlCol="0">
+            <a:spAutoFit/>
+          </a:bodyPr>
+          <a:lstStyle/>
+          <a:p>
+            <a:r>
+              <a:rPr lang="ko-KR" altLang="en-US" b="1" dirty="0"/>
+              <a:t>원자 벡터</a:t>
+            </a:r>
+          </a:p>
+        </p:txBody>
+      </p:sp>
+      <p:sp>
+        <p:nvSpPr>
+          <p:cNvPr id="23" name="TextBox 22">
+            <a:extLst>
+              <a:ext uri="{FF2B5EF4-FFF2-40B4-BE49-F238E27FC236}">
+                <a16:creationId xmlns:a16="http://schemas.microsoft.com/office/drawing/2014/main" id="{304277E4-9D87-4433-984F-C3264EE5688D}"/>
+              </a:ext>
+            </a:extLst>
+          </p:cNvPr>
+          <p:cNvSpPr txBox="1"/>
+          <p:nvPr/>
+        </p:nvSpPr>
+        <p:spPr>
+          <a:xfrm>
+            <a:off x="2325866" y="3476329"/>
+            <a:ext cx="819455" cy="369332"/>
+          </a:xfrm>
+          <a:prstGeom prst="rect">
+            <a:avLst/>
+          </a:prstGeom>
+          <a:noFill/>
+          <a:ln>
+            <a:noFill/>
+          </a:ln>
+        </p:spPr>
+        <p:txBody>
+          <a:bodyPr wrap="none" rtlCol="0">
+            <a:spAutoFit/>
+          </a:bodyPr>
+          <a:lstStyle/>
+          <a:p>
+            <a:r>
+              <a:rPr lang="ko-KR" altLang="en-US" dirty="0">
+                <a:solidFill>
+                  <a:schemeClr val="bg1">
+                    <a:lumMod val="75000"/>
+                  </a:schemeClr>
+                </a:solidFill>
+              </a:rPr>
+              <a:t>논리형</a:t>
+            </a:r>
+          </a:p>
+        </p:txBody>
+      </p:sp>
+      <p:sp>
+        <p:nvSpPr>
+          <p:cNvPr id="24" name="TextBox 23">
+            <a:extLst>
+              <a:ext uri="{FF2B5EF4-FFF2-40B4-BE49-F238E27FC236}">
+                <a16:creationId xmlns:a16="http://schemas.microsoft.com/office/drawing/2014/main" id="{523B146A-A5FC-4093-A678-8B509C7BC83C}"/>
+              </a:ext>
+            </a:extLst>
+          </p:cNvPr>
+          <p:cNvSpPr txBox="1"/>
+          <p:nvPr/>
+        </p:nvSpPr>
+        <p:spPr>
+          <a:xfrm>
+            <a:off x="3533679" y="3469682"/>
+            <a:ext cx="838691" cy="369332"/>
+          </a:xfrm>
+          <a:prstGeom prst="rect">
+            <a:avLst/>
+          </a:prstGeom>
+          <a:noFill/>
+          <a:ln>
+            <a:noFill/>
+          </a:ln>
+        </p:spPr>
+        <p:txBody>
+          <a:bodyPr wrap="none" rtlCol="0">
+            <a:spAutoFit/>
+          </a:bodyPr>
+          <a:lstStyle/>
+          <a:p>
+            <a:r>
+              <a:rPr lang="ko-KR" altLang="en-US" b="1" dirty="0">
+                <a:solidFill>
+                  <a:schemeClr val="bg1">
+                    <a:lumMod val="75000"/>
+                  </a:schemeClr>
+                </a:solidFill>
+              </a:rPr>
+              <a:t>숫자형</a:t>
+            </a:r>
+          </a:p>
+        </p:txBody>
+      </p:sp>
+      <p:sp>
+        <p:nvSpPr>
+          <p:cNvPr id="25" name="TextBox 24">
+            <a:extLst>
+              <a:ext uri="{FF2B5EF4-FFF2-40B4-BE49-F238E27FC236}">
+                <a16:creationId xmlns:a16="http://schemas.microsoft.com/office/drawing/2014/main" id="{FB3788FD-4CF7-4C57-9BD7-8B2CA431FD70}"/>
+              </a:ext>
+            </a:extLst>
+          </p:cNvPr>
+          <p:cNvSpPr txBox="1"/>
+          <p:nvPr/>
+        </p:nvSpPr>
+        <p:spPr>
+          <a:xfrm>
+            <a:off x="5081108" y="3476329"/>
+            <a:ext cx="819455" cy="369332"/>
+          </a:xfrm>
+          <a:prstGeom prst="rect">
+            <a:avLst/>
+          </a:prstGeom>
+          <a:noFill/>
+          <a:ln>
+            <a:noFill/>
+          </a:ln>
+        </p:spPr>
+        <p:txBody>
+          <a:bodyPr wrap="none" rtlCol="0">
+            <a:spAutoFit/>
+          </a:bodyPr>
+          <a:lstStyle/>
+          <a:p>
+            <a:r>
+              <a:rPr lang="ko-KR" altLang="en-US" dirty="0">
+                <a:solidFill>
+                  <a:schemeClr val="bg1">
+                    <a:lumMod val="75000"/>
+                  </a:schemeClr>
+                </a:solidFill>
+              </a:rPr>
+              <a:t>글자형</a:t>
+            </a:r>
+          </a:p>
+        </p:txBody>
+      </p:sp>
+      <p:sp>
+        <p:nvSpPr>
+          <p:cNvPr id="26" name="TextBox 25">
+            <a:extLst>
+              <a:ext uri="{FF2B5EF4-FFF2-40B4-BE49-F238E27FC236}">
+                <a16:creationId xmlns:a16="http://schemas.microsoft.com/office/drawing/2014/main" id="{E97BD224-3D2E-4262-9699-1EDFEA782049}"/>
+              </a:ext>
+            </a:extLst>
+          </p:cNvPr>
+          <p:cNvSpPr txBox="1"/>
+          <p:nvPr/>
+        </p:nvSpPr>
+        <p:spPr>
+          <a:xfrm>
+            <a:off x="3688082" y="3944194"/>
+            <a:ext cx="819455" cy="369332"/>
+          </a:xfrm>
+          <a:prstGeom prst="rect">
+            <a:avLst/>
+          </a:prstGeom>
+          <a:noFill/>
+          <a:ln>
+            <a:noFill/>
+          </a:ln>
+        </p:spPr>
+        <p:txBody>
+          <a:bodyPr wrap="none" rtlCol="0">
+            <a:spAutoFit/>
+          </a:bodyPr>
+          <a:lstStyle/>
+          <a:p>
+            <a:r>
+              <a:rPr lang="ko-KR" altLang="en-US" dirty="0">
+                <a:solidFill>
+                  <a:schemeClr val="bg1">
+                    <a:lumMod val="75000"/>
+                  </a:schemeClr>
+                </a:solidFill>
+              </a:rPr>
+              <a:t>정수형</a:t>
+            </a:r>
+          </a:p>
+        </p:txBody>
+      </p:sp>
+      <p:sp>
+        <p:nvSpPr>
+          <p:cNvPr id="27" name="TextBox 26">
+            <a:extLst>
+              <a:ext uri="{FF2B5EF4-FFF2-40B4-BE49-F238E27FC236}">
+                <a16:creationId xmlns:a16="http://schemas.microsoft.com/office/drawing/2014/main" id="{CA1DAF53-42E9-4CCD-8129-84BD4608DD42}"/>
+              </a:ext>
+            </a:extLst>
+          </p:cNvPr>
+          <p:cNvSpPr txBox="1"/>
+          <p:nvPr/>
+        </p:nvSpPr>
+        <p:spPr>
+          <a:xfrm>
+            <a:off x="3688082" y="4285469"/>
+            <a:ext cx="819455" cy="369332"/>
+          </a:xfrm>
+          <a:prstGeom prst="rect">
+            <a:avLst/>
+          </a:prstGeom>
+          <a:noFill/>
+          <a:ln>
+            <a:noFill/>
+          </a:ln>
+        </p:spPr>
+        <p:txBody>
+          <a:bodyPr wrap="none" rtlCol="0">
+            <a:spAutoFit/>
+          </a:bodyPr>
+          <a:lstStyle/>
+          <a:p>
+            <a:r>
+              <a:rPr lang="ko-KR" altLang="en-US" dirty="0">
+                <a:solidFill>
+                  <a:schemeClr val="bg1">
+                    <a:lumMod val="75000"/>
+                  </a:schemeClr>
+                </a:solidFill>
+              </a:rPr>
+              <a:t>실수형</a:t>
+            </a:r>
+          </a:p>
+        </p:txBody>
+      </p:sp>
+      <p:sp>
+        <p:nvSpPr>
+          <p:cNvPr id="28" name="TextBox 27">
+            <a:extLst>
+              <a:ext uri="{FF2B5EF4-FFF2-40B4-BE49-F238E27FC236}">
+                <a16:creationId xmlns:a16="http://schemas.microsoft.com/office/drawing/2014/main" id="{701F0625-3733-4726-93EC-1BB6529E8EA8}"/>
+              </a:ext>
+            </a:extLst>
+          </p:cNvPr>
+          <p:cNvSpPr txBox="1"/>
+          <p:nvPr/>
+        </p:nvSpPr>
+        <p:spPr>
+          <a:xfrm>
+            <a:off x="6979845" y="3418693"/>
+            <a:ext cx="819455" cy="369332"/>
+          </a:xfrm>
+          <a:prstGeom prst="rect">
+            <a:avLst/>
+          </a:prstGeom>
+          <a:noFill/>
+          <a:ln>
+            <a:noFill/>
+          </a:ln>
+        </p:spPr>
+        <p:txBody>
+          <a:bodyPr wrap="none" rtlCol="0">
+            <a:spAutoFit/>
+          </a:bodyPr>
+          <a:lstStyle/>
+          <a:p>
+            <a:r>
+              <a:rPr lang="ko-KR" altLang="en-US" dirty="0">
+                <a:solidFill>
+                  <a:schemeClr val="bg1">
+                    <a:lumMod val="75000"/>
+                  </a:schemeClr>
+                </a:solidFill>
+              </a:rPr>
+              <a:t>리스트</a:t>
+            </a:r>
+          </a:p>
+        </p:txBody>
+      </p:sp>
+      <p:sp>
+        <p:nvSpPr>
+          <p:cNvPr id="29" name="TextBox 28">
+            <a:extLst>
+              <a:ext uri="{FF2B5EF4-FFF2-40B4-BE49-F238E27FC236}">
+                <a16:creationId xmlns:a16="http://schemas.microsoft.com/office/drawing/2014/main" id="{33231EE8-3D7C-4859-ADE0-9BF96B5BB663}"/>
+              </a:ext>
+            </a:extLst>
+          </p:cNvPr>
+          <p:cNvSpPr txBox="1"/>
+          <p:nvPr/>
+        </p:nvSpPr>
+        <p:spPr>
+          <a:xfrm>
+            <a:off x="9024054" y="3434199"/>
+            <a:ext cx="676788" cy="369332"/>
+          </a:xfrm>
+          <a:prstGeom prst="rect">
+            <a:avLst/>
+          </a:prstGeom>
+          <a:noFill/>
+          <a:ln>
+            <a:noFill/>
+          </a:ln>
+        </p:spPr>
+        <p:txBody>
+          <a:bodyPr wrap="none" rtlCol="0">
+            <a:spAutoFit/>
+          </a:bodyPr>
+          <a:lstStyle/>
+          <a:p>
+            <a:r>
+              <a:rPr lang="en-US" altLang="ko-KR" b="1" dirty="0">
+                <a:solidFill>
+                  <a:schemeClr val="bg1">
+                    <a:lumMod val="75000"/>
+                  </a:schemeClr>
+                </a:solidFill>
+              </a:rPr>
+              <a:t>NULL</a:t>
+            </a:r>
+            <a:endParaRPr lang="ko-KR" altLang="en-US" b="1" dirty="0">
+              <a:solidFill>
+                <a:schemeClr val="bg1">
+                  <a:lumMod val="75000"/>
+                </a:schemeClr>
+              </a:solidFill>
+            </a:endParaRPr>
+          </a:p>
+        </p:txBody>
+      </p:sp>
+      <p:sp>
+        <p:nvSpPr>
+          <p:cNvPr id="30" name="사각형: 둥근 모서리 29">
+            <a:extLst>
+              <a:ext uri="{FF2B5EF4-FFF2-40B4-BE49-F238E27FC236}">
+                <a16:creationId xmlns:a16="http://schemas.microsoft.com/office/drawing/2014/main" id="{EBF102FB-156F-4571-A4E5-2A2E00947C38}"/>
+              </a:ext>
+            </a:extLst>
+          </p:cNvPr>
+          <p:cNvSpPr/>
+          <p:nvPr/>
+        </p:nvSpPr>
+        <p:spPr>
+          <a:xfrm>
+            <a:off x="1788178" y="2493987"/>
+            <a:ext cx="6606377" cy="2588077"/>
+          </a:xfrm>
+          <a:prstGeom prst="roundRect">
+            <a:avLst>
+              <a:gd name="adj" fmla="val 8467"/>
+            </a:avLst>
+          </a:prstGeom>
+          <a:noFill/>
+          <a:ln w="28575">
+            <a:solidFill>
+              <a:schemeClr val="bg2"/>
+            </a:solidFill>
+          </a:ln>
+        </p:spPr>
+        <p:style>
+          <a:lnRef idx="2">
+            <a:schemeClr val="accent1">
+              <a:shade val="50000"/>
+            </a:schemeClr>
+          </a:lnRef>
+          <a:fillRef idx="1">
+            <a:schemeClr val="accent1"/>
+          </a:fillRef>
+          <a:effectRef idx="0">
+            <a:schemeClr val="accent1"/>
+          </a:effectRef>
+          <a:fontRef idx="minor">
+            <a:schemeClr val="lt1"/>
+          </a:fontRef>
+        </p:style>
+        <p:txBody>
+          <a:bodyPr rtlCol="0" anchor="ctr"/>
+          <a:lstStyle/>
+          <a:p>
+            <a:pPr algn="ctr"/>
+            <a:endParaRPr lang="ko-KR" altLang="en-US">
+              <a:solidFill>
+                <a:schemeClr val="bg1">
+                  <a:lumMod val="75000"/>
+                </a:schemeClr>
+              </a:solidFill>
+            </a:endParaRPr>
+          </a:p>
+        </p:txBody>
+      </p:sp>
+      <p:sp>
+        <p:nvSpPr>
+          <p:cNvPr id="31" name="사각형: 둥근 모서리 30">
+            <a:extLst>
+              <a:ext uri="{FF2B5EF4-FFF2-40B4-BE49-F238E27FC236}">
+                <a16:creationId xmlns:a16="http://schemas.microsoft.com/office/drawing/2014/main" id="{0B7D23A4-9F44-4043-B45A-3B329F93646E}"/>
+              </a:ext>
+            </a:extLst>
+          </p:cNvPr>
+          <p:cNvSpPr/>
+          <p:nvPr/>
+        </p:nvSpPr>
+        <p:spPr>
+          <a:xfrm>
+            <a:off x="2014703" y="3228021"/>
+            <a:ext cx="4228059" cy="1678087"/>
+          </a:xfrm>
+          <a:prstGeom prst="roundRect">
+            <a:avLst>
+              <a:gd name="adj" fmla="val 8467"/>
+            </a:avLst>
+          </a:prstGeom>
+          <a:noFill/>
+          <a:ln w="28575">
+            <a:solidFill>
+              <a:schemeClr val="tx1"/>
+            </a:solidFill>
+          </a:ln>
+        </p:spPr>
+        <p:style>
+          <a:lnRef idx="2">
+            <a:schemeClr val="accent1">
+              <a:shade val="50000"/>
+            </a:schemeClr>
+          </a:lnRef>
+          <a:fillRef idx="1">
+            <a:schemeClr val="accent1"/>
+          </a:fillRef>
+          <a:effectRef idx="0">
+            <a:schemeClr val="accent1"/>
+          </a:effectRef>
+          <a:fontRef idx="minor">
+            <a:schemeClr val="lt1"/>
+          </a:fontRef>
+        </p:style>
+        <p:txBody>
+          <a:bodyPr rtlCol="0" anchor="ctr"/>
+          <a:lstStyle/>
+          <a:p>
+            <a:pPr algn="ctr"/>
+            <a:endParaRPr lang="ko-KR" altLang="en-US">
+              <a:solidFill>
+                <a:schemeClr val="bg1">
+                  <a:lumMod val="75000"/>
+                </a:schemeClr>
+              </a:solidFill>
+            </a:endParaRPr>
+          </a:p>
+        </p:txBody>
+      </p:sp>
+      <p:sp>
+        <p:nvSpPr>
+          <p:cNvPr id="32" name="사각형: 둥근 모서리 31">
+            <a:extLst>
+              <a:ext uri="{FF2B5EF4-FFF2-40B4-BE49-F238E27FC236}">
+                <a16:creationId xmlns:a16="http://schemas.microsoft.com/office/drawing/2014/main" id="{2727FE4E-143B-49A3-BDBE-2D38AA1643B1}"/>
+              </a:ext>
+            </a:extLst>
+          </p:cNvPr>
+          <p:cNvSpPr/>
+          <p:nvPr/>
+        </p:nvSpPr>
+        <p:spPr>
+          <a:xfrm>
+            <a:off x="3533679" y="3873830"/>
+            <a:ext cx="1168114" cy="856129"/>
+          </a:xfrm>
+          <a:prstGeom prst="roundRect">
+            <a:avLst>
+              <a:gd name="adj" fmla="val 8467"/>
+            </a:avLst>
+          </a:prstGeom>
+          <a:noFill/>
+          <a:ln w="28575">
+            <a:solidFill>
+              <a:schemeClr val="bg2"/>
+            </a:solidFill>
+          </a:ln>
+        </p:spPr>
+        <p:style>
+          <a:lnRef idx="2">
+            <a:schemeClr val="accent1">
+              <a:shade val="50000"/>
+            </a:schemeClr>
+          </a:lnRef>
+          <a:fillRef idx="1">
+            <a:schemeClr val="accent1"/>
+          </a:fillRef>
+          <a:effectRef idx="0">
+            <a:schemeClr val="accent1"/>
+          </a:effectRef>
+          <a:fontRef idx="minor">
+            <a:schemeClr val="lt1"/>
+          </a:fontRef>
+        </p:style>
+        <p:txBody>
+          <a:bodyPr rtlCol="0" anchor="ctr"/>
+          <a:lstStyle/>
+          <a:p>
+            <a:pPr algn="ctr"/>
+            <a:endParaRPr lang="ko-KR" altLang="en-US">
+              <a:solidFill>
+                <a:schemeClr val="bg1">
+                  <a:lumMod val="75000"/>
+                </a:schemeClr>
+              </a:solidFill>
+            </a:endParaRPr>
+          </a:p>
+        </p:txBody>
+      </p:sp>
+      <p:sp>
+        <p:nvSpPr>
+          <p:cNvPr id="33" name="사각형: 둥근 모서리 32">
+            <a:extLst>
+              <a:ext uri="{FF2B5EF4-FFF2-40B4-BE49-F238E27FC236}">
+                <a16:creationId xmlns:a16="http://schemas.microsoft.com/office/drawing/2014/main" id="{B5F2A3B7-DE72-425B-997B-824646C1608E}"/>
+              </a:ext>
+            </a:extLst>
+          </p:cNvPr>
+          <p:cNvSpPr/>
+          <p:nvPr/>
+        </p:nvSpPr>
+        <p:spPr>
+          <a:xfrm>
+            <a:off x="1069181" y="1959007"/>
+            <a:ext cx="9789542" cy="3747201"/>
+          </a:xfrm>
+          <a:prstGeom prst="roundRect">
+            <a:avLst>
+              <a:gd name="adj" fmla="val 3305"/>
+            </a:avLst>
+          </a:prstGeom>
+          <a:noFill/>
+          <a:ln w="28575">
+            <a:solidFill>
+              <a:schemeClr val="bg2"/>
+            </a:solidFill>
+          </a:ln>
+        </p:spPr>
+        <p:style>
+          <a:lnRef idx="2">
+            <a:schemeClr val="accent1">
+              <a:shade val="50000"/>
+            </a:schemeClr>
+          </a:lnRef>
+          <a:fillRef idx="1">
+            <a:schemeClr val="accent1"/>
+          </a:fillRef>
+          <a:effectRef idx="0">
+            <a:schemeClr val="accent1"/>
+          </a:effectRef>
+          <a:fontRef idx="minor">
+            <a:schemeClr val="lt1"/>
+          </a:fontRef>
+        </p:style>
+        <p:txBody>
+          <a:bodyPr rtlCol="0" anchor="ctr"/>
+          <a:lstStyle/>
+          <a:p>
+            <a:pPr algn="ctr"/>
+            <a:endParaRPr lang="ko-KR" altLang="en-US"/>
+          </a:p>
+        </p:txBody>
+      </p:sp>
+    </p:spTree>
+    <p:extLst>
+      <p:ext uri="{BB962C8B-B14F-4D97-AF65-F5344CB8AC3E}">
+        <p14:creationId xmlns:p14="http://schemas.microsoft.com/office/powerpoint/2010/main" val="1960301304"/>
+      </p:ext>
+    </p:extLst>
+  </p:cSld>
+  <p:clrMapOvr>
+    <a:masterClrMapping/>
+  </p:clrMapOvr>
+</p:sld>
+</file>
+
+<file path=ppt/slides/slide6.xml><?xml version="1.0" encoding="utf-8"?>
+<p:sld xmlns:a="http://schemas.openxmlformats.org/drawingml/2006/main" xmlns:r="http://schemas.openxmlformats.org/officeDocument/2006/relationships" xmlns:p="http://schemas.openxmlformats.org/presentationml/2006/main">
+  <p:cSld>
+    <p:spTree>
+      <p:nvGrpSpPr>
+        <p:cNvPr id="1" name=""/>
+        <p:cNvGrpSpPr/>
+        <p:nvPr/>
+      </p:nvGrpSpPr>
+      <p:grpSpPr>
+        <a:xfrm>
+          <a:off x="0" y="0"/>
+          <a:ext cx="0" cy="0"/>
+          <a:chOff x="0" y="0"/>
+          <a:chExt cx="0" cy="0"/>
+        </a:xfrm>
+      </p:grpSpPr>
+      <p:sp>
+        <p:nvSpPr>
+          <p:cNvPr id="4" name="제목 3">
+            <a:extLst>
+              <a:ext uri="{FF2B5EF4-FFF2-40B4-BE49-F238E27FC236}">
+                <a16:creationId xmlns:a16="http://schemas.microsoft.com/office/drawing/2014/main" id="{A18D7182-D820-4C52-B88B-98E25FAF1AA8}"/>
+              </a:ext>
+            </a:extLst>
+          </p:cNvPr>
+          <p:cNvSpPr>
+            <a:spLocks noGrp="1"/>
+          </p:cNvSpPr>
+          <p:nvPr>
+            <p:ph type="title"/>
+          </p:nvPr>
+        </p:nvSpPr>
+        <p:spPr/>
+        <p:txBody>
+          <a:bodyPr/>
+          <a:lstStyle/>
+          <a:p>
+            <a:r>
+              <a:rPr lang="ko-KR" altLang="en-US" dirty="0"/>
+              <a:t>리스트란</a:t>
+            </a:r>
+          </a:p>
+        </p:txBody>
+      </p:sp>
+      <p:sp>
+        <p:nvSpPr>
+          <p:cNvPr id="5" name="텍스트 개체 틀 4">
+            <a:extLst>
+              <a:ext uri="{FF2B5EF4-FFF2-40B4-BE49-F238E27FC236}">
+                <a16:creationId xmlns:a16="http://schemas.microsoft.com/office/drawing/2014/main" id="{D521D688-7A61-4C3A-A006-5011563DDB42}"/>
+              </a:ext>
+            </a:extLst>
+          </p:cNvPr>
+          <p:cNvSpPr>
+            <a:spLocks noGrp="1"/>
+          </p:cNvSpPr>
+          <p:nvPr>
+            <p:ph type="body" sz="quarter" idx="10"/>
+          </p:nvPr>
+        </p:nvSpPr>
+        <p:spPr/>
+        <p:txBody>
+          <a:bodyPr/>
+          <a:lstStyle/>
+          <a:p>
+            <a:r>
+              <a:rPr lang="en-US" altLang="ko-KR" dirty="0"/>
+              <a:t>02</a:t>
+            </a:r>
+            <a:endParaRPr lang="ko-KR" altLang="en-US" dirty="0"/>
+          </a:p>
+        </p:txBody>
+      </p:sp>
+      <p:sp>
+        <p:nvSpPr>
+          <p:cNvPr id="6" name="내용 개체 틀 5">
+            <a:extLst>
+              <a:ext uri="{FF2B5EF4-FFF2-40B4-BE49-F238E27FC236}">
+                <a16:creationId xmlns:a16="http://schemas.microsoft.com/office/drawing/2014/main" id="{84E12277-4A13-4571-BCA3-C28FF727C029}"/>
+              </a:ext>
+            </a:extLst>
+          </p:cNvPr>
+          <p:cNvSpPr>
+            <a:spLocks noGrp="1"/>
+          </p:cNvSpPr>
+          <p:nvPr>
+            <p:ph sz="quarter" idx="11"/>
+          </p:nvPr>
+        </p:nvSpPr>
+        <p:spPr/>
+        <p:txBody>
+          <a:bodyPr/>
+          <a:lstStyle/>
+          <a:p>
+            <a:r>
+              <a:rPr lang="ko-KR" altLang="en-US" dirty="0"/>
+              <a:t>데이터의 기본</a:t>
+            </a:r>
+          </a:p>
+        </p:txBody>
+      </p:sp>
+      <p:sp>
+        <p:nvSpPr>
+          <p:cNvPr id="2" name="텍스트 개체 틀 1">
+            <a:extLst>
+              <a:ext uri="{FF2B5EF4-FFF2-40B4-BE49-F238E27FC236}">
+                <a16:creationId xmlns:a16="http://schemas.microsoft.com/office/drawing/2014/main" id="{74FC5FA0-9B28-4806-80B3-2419478867B1}"/>
+              </a:ext>
+            </a:extLst>
+          </p:cNvPr>
+          <p:cNvSpPr>
+            <a:spLocks noGrp="1"/>
+          </p:cNvSpPr>
+          <p:nvPr>
+            <p:ph type="body" sz="quarter" idx="12"/>
+          </p:nvPr>
+        </p:nvSpPr>
+        <p:spPr/>
+        <p:txBody>
+          <a:bodyPr/>
+          <a:lstStyle/>
+          <a:p>
+            <a:r>
+              <a:rPr lang="ko-KR" altLang="en-US" dirty="0"/>
+              <a:t>다양한 종류의 데이터 유형을 가지는 데이터 묶음 </a:t>
+            </a:r>
+          </a:p>
+        </p:txBody>
+      </p:sp>
+      <p:sp>
+        <p:nvSpPr>
+          <p:cNvPr id="18" name="TextBox 17">
+            <a:extLst>
+              <a:ext uri="{FF2B5EF4-FFF2-40B4-BE49-F238E27FC236}">
+                <a16:creationId xmlns:a16="http://schemas.microsoft.com/office/drawing/2014/main" id="{9F2F43BD-2ECF-4527-963C-95969B04E879}"/>
+              </a:ext>
+            </a:extLst>
+          </p:cNvPr>
+          <p:cNvSpPr txBox="1"/>
+          <p:nvPr/>
+        </p:nvSpPr>
+        <p:spPr>
+          <a:xfrm>
+            <a:off x="1921481" y="2109693"/>
+            <a:ext cx="620683" cy="369332"/>
+          </a:xfrm>
+          <a:prstGeom prst="rect">
+            <a:avLst/>
+          </a:prstGeom>
+          <a:noFill/>
+        </p:spPr>
+        <p:txBody>
+          <a:bodyPr wrap="none" rtlCol="0">
+            <a:spAutoFit/>
+          </a:bodyPr>
+          <a:lstStyle/>
+          <a:p>
+            <a:r>
+              <a:rPr lang="ko-KR" altLang="en-US" b="1" dirty="0">
+                <a:solidFill>
+                  <a:schemeClr val="bg1">
+                    <a:lumMod val="75000"/>
+                  </a:schemeClr>
+                </a:solidFill>
+              </a:rPr>
+              <a:t>벡터</a:t>
+            </a:r>
+          </a:p>
+        </p:txBody>
+      </p:sp>
+      <p:sp>
+        <p:nvSpPr>
+          <p:cNvPr id="22" name="TextBox 21">
+            <a:extLst>
+              <a:ext uri="{FF2B5EF4-FFF2-40B4-BE49-F238E27FC236}">
+                <a16:creationId xmlns:a16="http://schemas.microsoft.com/office/drawing/2014/main" id="{50BB69A8-BEB3-4E1D-BD2B-7EEF39D6774C}"/>
+              </a:ext>
+            </a:extLst>
+          </p:cNvPr>
+          <p:cNvSpPr txBox="1"/>
+          <p:nvPr/>
+        </p:nvSpPr>
+        <p:spPr>
+          <a:xfrm>
+            <a:off x="2153833" y="2805937"/>
+            <a:ext cx="1109599" cy="369332"/>
+          </a:xfrm>
+          <a:prstGeom prst="rect">
+            <a:avLst/>
+          </a:prstGeom>
+          <a:noFill/>
+          <a:ln>
+            <a:noFill/>
+          </a:ln>
+        </p:spPr>
+        <p:txBody>
+          <a:bodyPr wrap="none" rtlCol="0">
+            <a:spAutoFit/>
+          </a:bodyPr>
+          <a:lstStyle/>
+          <a:p>
+            <a:r>
+              <a:rPr lang="ko-KR" altLang="en-US" b="1" dirty="0">
+                <a:solidFill>
+                  <a:schemeClr val="bg1">
+                    <a:lumMod val="75000"/>
+                  </a:schemeClr>
+                </a:solidFill>
+              </a:rPr>
+              <a:t>원자 벡터</a:t>
+            </a:r>
+          </a:p>
+        </p:txBody>
+      </p:sp>
+      <p:sp>
+        <p:nvSpPr>
+          <p:cNvPr id="23" name="TextBox 22">
+            <a:extLst>
+              <a:ext uri="{FF2B5EF4-FFF2-40B4-BE49-F238E27FC236}">
+                <a16:creationId xmlns:a16="http://schemas.microsoft.com/office/drawing/2014/main" id="{304277E4-9D87-4433-984F-C3264EE5688D}"/>
+              </a:ext>
+            </a:extLst>
+          </p:cNvPr>
+          <p:cNvSpPr txBox="1"/>
+          <p:nvPr/>
+        </p:nvSpPr>
+        <p:spPr>
+          <a:xfrm>
+            <a:off x="2325866" y="3476329"/>
+            <a:ext cx="819455" cy="369332"/>
+          </a:xfrm>
+          <a:prstGeom prst="rect">
+            <a:avLst/>
+          </a:prstGeom>
+          <a:noFill/>
+          <a:ln>
+            <a:noFill/>
+          </a:ln>
+        </p:spPr>
+        <p:txBody>
+          <a:bodyPr wrap="none" rtlCol="0">
+            <a:spAutoFit/>
+          </a:bodyPr>
+          <a:lstStyle/>
+          <a:p>
+            <a:r>
+              <a:rPr lang="ko-KR" altLang="en-US" dirty="0">
+                <a:solidFill>
+                  <a:schemeClr val="bg1">
+                    <a:lumMod val="75000"/>
+                  </a:schemeClr>
+                </a:solidFill>
+              </a:rPr>
+              <a:t>논리형</a:t>
+            </a:r>
+          </a:p>
+        </p:txBody>
+      </p:sp>
+      <p:sp>
+        <p:nvSpPr>
+          <p:cNvPr id="24" name="TextBox 23">
+            <a:extLst>
+              <a:ext uri="{FF2B5EF4-FFF2-40B4-BE49-F238E27FC236}">
+                <a16:creationId xmlns:a16="http://schemas.microsoft.com/office/drawing/2014/main" id="{523B146A-A5FC-4093-A678-8B509C7BC83C}"/>
+              </a:ext>
+            </a:extLst>
+          </p:cNvPr>
+          <p:cNvSpPr txBox="1"/>
+          <p:nvPr/>
+        </p:nvSpPr>
+        <p:spPr>
+          <a:xfrm>
+            <a:off x="3533679" y="3469682"/>
+            <a:ext cx="838691" cy="369332"/>
+          </a:xfrm>
+          <a:prstGeom prst="rect">
+            <a:avLst/>
+          </a:prstGeom>
+          <a:noFill/>
+          <a:ln>
+            <a:noFill/>
+          </a:ln>
+        </p:spPr>
+        <p:txBody>
+          <a:bodyPr wrap="none" rtlCol="0">
+            <a:spAutoFit/>
+          </a:bodyPr>
+          <a:lstStyle/>
+          <a:p>
+            <a:r>
+              <a:rPr lang="ko-KR" altLang="en-US" b="1" dirty="0">
+                <a:solidFill>
+                  <a:schemeClr val="bg1">
+                    <a:lumMod val="75000"/>
+                  </a:schemeClr>
+                </a:solidFill>
+              </a:rPr>
+              <a:t>숫자형</a:t>
+            </a:r>
+          </a:p>
+        </p:txBody>
+      </p:sp>
+      <p:sp>
+        <p:nvSpPr>
+          <p:cNvPr id="25" name="TextBox 24">
+            <a:extLst>
+              <a:ext uri="{FF2B5EF4-FFF2-40B4-BE49-F238E27FC236}">
+                <a16:creationId xmlns:a16="http://schemas.microsoft.com/office/drawing/2014/main" id="{FB3788FD-4CF7-4C57-9BD7-8B2CA431FD70}"/>
+              </a:ext>
+            </a:extLst>
+          </p:cNvPr>
+          <p:cNvSpPr txBox="1"/>
+          <p:nvPr/>
+        </p:nvSpPr>
+        <p:spPr>
+          <a:xfrm>
+            <a:off x="5081108" y="3476329"/>
+            <a:ext cx="819455" cy="369332"/>
+          </a:xfrm>
+          <a:prstGeom prst="rect">
+            <a:avLst/>
+          </a:prstGeom>
+          <a:noFill/>
+          <a:ln>
+            <a:noFill/>
+          </a:ln>
+        </p:spPr>
+        <p:txBody>
+          <a:bodyPr wrap="none" rtlCol="0">
+            <a:spAutoFit/>
+          </a:bodyPr>
+          <a:lstStyle/>
+          <a:p>
+            <a:r>
+              <a:rPr lang="ko-KR" altLang="en-US" dirty="0">
+                <a:solidFill>
+                  <a:schemeClr val="bg1">
+                    <a:lumMod val="75000"/>
+                  </a:schemeClr>
+                </a:solidFill>
+              </a:rPr>
+              <a:t>글자형</a:t>
+            </a:r>
+          </a:p>
+        </p:txBody>
+      </p:sp>
+      <p:sp>
+        <p:nvSpPr>
+          <p:cNvPr id="26" name="TextBox 25">
+            <a:extLst>
+              <a:ext uri="{FF2B5EF4-FFF2-40B4-BE49-F238E27FC236}">
+                <a16:creationId xmlns:a16="http://schemas.microsoft.com/office/drawing/2014/main" id="{E97BD224-3D2E-4262-9699-1EDFEA782049}"/>
+              </a:ext>
+            </a:extLst>
+          </p:cNvPr>
+          <p:cNvSpPr txBox="1"/>
+          <p:nvPr/>
+        </p:nvSpPr>
+        <p:spPr>
+          <a:xfrm>
+            <a:off x="3688082" y="3944194"/>
+            <a:ext cx="819455" cy="369332"/>
+          </a:xfrm>
+          <a:prstGeom prst="rect">
+            <a:avLst/>
+          </a:prstGeom>
+          <a:noFill/>
+          <a:ln>
+            <a:noFill/>
+          </a:ln>
+        </p:spPr>
+        <p:txBody>
+          <a:bodyPr wrap="none" rtlCol="0">
+            <a:spAutoFit/>
+          </a:bodyPr>
+          <a:lstStyle/>
+          <a:p>
+            <a:r>
+              <a:rPr lang="ko-KR" altLang="en-US" dirty="0">
+                <a:solidFill>
+                  <a:schemeClr val="bg1">
+                    <a:lumMod val="75000"/>
+                  </a:schemeClr>
+                </a:solidFill>
+              </a:rPr>
+              <a:t>정수형</a:t>
+            </a:r>
+          </a:p>
+        </p:txBody>
+      </p:sp>
+      <p:sp>
+        <p:nvSpPr>
+          <p:cNvPr id="27" name="TextBox 26">
+            <a:extLst>
+              <a:ext uri="{FF2B5EF4-FFF2-40B4-BE49-F238E27FC236}">
+                <a16:creationId xmlns:a16="http://schemas.microsoft.com/office/drawing/2014/main" id="{CA1DAF53-42E9-4CCD-8129-84BD4608DD42}"/>
+              </a:ext>
+            </a:extLst>
+          </p:cNvPr>
+          <p:cNvSpPr txBox="1"/>
+          <p:nvPr/>
+        </p:nvSpPr>
+        <p:spPr>
+          <a:xfrm>
+            <a:off x="3688082" y="4285469"/>
+            <a:ext cx="819455" cy="369332"/>
+          </a:xfrm>
+          <a:prstGeom prst="rect">
+            <a:avLst/>
+          </a:prstGeom>
+          <a:noFill/>
+          <a:ln>
+            <a:noFill/>
+          </a:ln>
+        </p:spPr>
+        <p:txBody>
+          <a:bodyPr wrap="none" rtlCol="0">
+            <a:spAutoFit/>
+          </a:bodyPr>
+          <a:lstStyle/>
+          <a:p>
+            <a:r>
+              <a:rPr lang="ko-KR" altLang="en-US" dirty="0">
+                <a:solidFill>
+                  <a:schemeClr val="bg1">
+                    <a:lumMod val="75000"/>
+                  </a:schemeClr>
+                </a:solidFill>
+              </a:rPr>
+              <a:t>실수형</a:t>
+            </a:r>
+          </a:p>
+        </p:txBody>
+      </p:sp>
+      <p:sp>
+        <p:nvSpPr>
+          <p:cNvPr id="28" name="TextBox 27">
+            <a:extLst>
+              <a:ext uri="{FF2B5EF4-FFF2-40B4-BE49-F238E27FC236}">
+                <a16:creationId xmlns:a16="http://schemas.microsoft.com/office/drawing/2014/main" id="{701F0625-3733-4726-93EC-1BB6529E8EA8}"/>
+              </a:ext>
+            </a:extLst>
+          </p:cNvPr>
+          <p:cNvSpPr txBox="1"/>
+          <p:nvPr/>
+        </p:nvSpPr>
+        <p:spPr>
+          <a:xfrm>
+            <a:off x="6979845" y="3418693"/>
+            <a:ext cx="819455" cy="369332"/>
+          </a:xfrm>
+          <a:prstGeom prst="rect">
+            <a:avLst/>
+          </a:prstGeom>
+          <a:noFill/>
+          <a:ln>
+            <a:noFill/>
+          </a:ln>
+        </p:spPr>
+        <p:txBody>
+          <a:bodyPr wrap="none" rtlCol="0">
+            <a:spAutoFit/>
+          </a:bodyPr>
+          <a:lstStyle/>
+          <a:p>
+            <a:r>
+              <a:rPr lang="ko-KR" altLang="en-US" dirty="0"/>
+              <a:t>리스트</a:t>
+            </a:r>
+          </a:p>
+        </p:txBody>
+      </p:sp>
+      <p:sp>
+        <p:nvSpPr>
+          <p:cNvPr id="29" name="TextBox 28">
+            <a:extLst>
+              <a:ext uri="{FF2B5EF4-FFF2-40B4-BE49-F238E27FC236}">
+                <a16:creationId xmlns:a16="http://schemas.microsoft.com/office/drawing/2014/main" id="{33231EE8-3D7C-4859-ADE0-9BF96B5BB663}"/>
+              </a:ext>
+            </a:extLst>
+          </p:cNvPr>
+          <p:cNvSpPr txBox="1"/>
+          <p:nvPr/>
+        </p:nvSpPr>
+        <p:spPr>
+          <a:xfrm>
+            <a:off x="9024054" y="3434199"/>
+            <a:ext cx="676788" cy="369332"/>
+          </a:xfrm>
+          <a:prstGeom prst="rect">
+            <a:avLst/>
+          </a:prstGeom>
+          <a:noFill/>
+          <a:ln>
+            <a:noFill/>
+          </a:ln>
+        </p:spPr>
+        <p:txBody>
+          <a:bodyPr wrap="none" rtlCol="0">
+            <a:spAutoFit/>
+          </a:bodyPr>
+          <a:lstStyle/>
+          <a:p>
+            <a:r>
+              <a:rPr lang="en-US" altLang="ko-KR" b="1" dirty="0">
+                <a:solidFill>
+                  <a:schemeClr val="bg1">
+                    <a:lumMod val="75000"/>
+                  </a:schemeClr>
+                </a:solidFill>
+              </a:rPr>
+              <a:t>NULL</a:t>
+            </a:r>
+            <a:endParaRPr lang="ko-KR" altLang="en-US" b="1" dirty="0">
+              <a:solidFill>
+                <a:schemeClr val="bg1">
+                  <a:lumMod val="75000"/>
+                </a:schemeClr>
+              </a:solidFill>
+            </a:endParaRPr>
+          </a:p>
+        </p:txBody>
+      </p:sp>
+      <p:sp>
+        <p:nvSpPr>
+          <p:cNvPr id="30" name="사각형: 둥근 모서리 29">
+            <a:extLst>
+              <a:ext uri="{FF2B5EF4-FFF2-40B4-BE49-F238E27FC236}">
+                <a16:creationId xmlns:a16="http://schemas.microsoft.com/office/drawing/2014/main" id="{EBF102FB-156F-4571-A4E5-2A2E00947C38}"/>
+              </a:ext>
+            </a:extLst>
+          </p:cNvPr>
+          <p:cNvSpPr/>
+          <p:nvPr/>
+        </p:nvSpPr>
+        <p:spPr>
+          <a:xfrm>
+            <a:off x="1788178" y="2493987"/>
+            <a:ext cx="6606377" cy="2588077"/>
+          </a:xfrm>
+          <a:prstGeom prst="roundRect">
+            <a:avLst>
+              <a:gd name="adj" fmla="val 8467"/>
+            </a:avLst>
+          </a:prstGeom>
+          <a:noFill/>
+          <a:ln w="28575">
+            <a:solidFill>
+              <a:schemeClr val="bg2"/>
+            </a:solidFill>
+          </a:ln>
+        </p:spPr>
+        <p:style>
+          <a:lnRef idx="2">
+            <a:schemeClr val="accent1">
+              <a:shade val="50000"/>
+            </a:schemeClr>
+          </a:lnRef>
+          <a:fillRef idx="1">
+            <a:schemeClr val="accent1"/>
+          </a:fillRef>
+          <a:effectRef idx="0">
+            <a:schemeClr val="accent1"/>
+          </a:effectRef>
+          <a:fontRef idx="minor">
+            <a:schemeClr val="lt1"/>
+          </a:fontRef>
+        </p:style>
+        <p:txBody>
+          <a:bodyPr rtlCol="0" anchor="ctr"/>
+          <a:lstStyle/>
+          <a:p>
+            <a:pPr algn="ctr"/>
+            <a:endParaRPr lang="ko-KR" altLang="en-US">
+              <a:solidFill>
+                <a:schemeClr val="bg1">
+                  <a:lumMod val="75000"/>
+                </a:schemeClr>
+              </a:solidFill>
+            </a:endParaRPr>
+          </a:p>
+        </p:txBody>
+      </p:sp>
+      <p:sp>
+        <p:nvSpPr>
+          <p:cNvPr id="31" name="사각형: 둥근 모서리 30">
+            <a:extLst>
+              <a:ext uri="{FF2B5EF4-FFF2-40B4-BE49-F238E27FC236}">
+                <a16:creationId xmlns:a16="http://schemas.microsoft.com/office/drawing/2014/main" id="{0B7D23A4-9F44-4043-B45A-3B329F93646E}"/>
+              </a:ext>
+            </a:extLst>
+          </p:cNvPr>
+          <p:cNvSpPr/>
+          <p:nvPr/>
+        </p:nvSpPr>
+        <p:spPr>
+          <a:xfrm>
+            <a:off x="2014703" y="3228021"/>
+            <a:ext cx="4228059" cy="1678087"/>
+          </a:xfrm>
+          <a:prstGeom prst="roundRect">
+            <a:avLst>
+              <a:gd name="adj" fmla="val 8467"/>
+            </a:avLst>
+          </a:prstGeom>
+          <a:noFill/>
+          <a:ln w="28575">
+            <a:solidFill>
+              <a:schemeClr val="bg2"/>
+            </a:solidFill>
+          </a:ln>
+        </p:spPr>
+        <p:style>
+          <a:lnRef idx="2">
+            <a:schemeClr val="accent1">
+              <a:shade val="50000"/>
+            </a:schemeClr>
+          </a:lnRef>
+          <a:fillRef idx="1">
+            <a:schemeClr val="accent1"/>
+          </a:fillRef>
+          <a:effectRef idx="0">
+            <a:schemeClr val="accent1"/>
+          </a:effectRef>
+          <a:fontRef idx="minor">
+            <a:schemeClr val="lt1"/>
+          </a:fontRef>
+        </p:style>
+        <p:txBody>
+          <a:bodyPr rtlCol="0" anchor="ctr"/>
+          <a:lstStyle/>
+          <a:p>
+            <a:pPr algn="ctr"/>
+            <a:endParaRPr lang="ko-KR" altLang="en-US">
+              <a:solidFill>
+                <a:schemeClr val="bg1">
+                  <a:lumMod val="75000"/>
+                </a:schemeClr>
+              </a:solidFill>
+            </a:endParaRPr>
+          </a:p>
+        </p:txBody>
+      </p:sp>
+      <p:sp>
+        <p:nvSpPr>
+          <p:cNvPr id="32" name="사각형: 둥근 모서리 31">
+            <a:extLst>
+              <a:ext uri="{FF2B5EF4-FFF2-40B4-BE49-F238E27FC236}">
+                <a16:creationId xmlns:a16="http://schemas.microsoft.com/office/drawing/2014/main" id="{2727FE4E-143B-49A3-BDBE-2D38AA1643B1}"/>
+              </a:ext>
+            </a:extLst>
+          </p:cNvPr>
+          <p:cNvSpPr/>
+          <p:nvPr/>
+        </p:nvSpPr>
+        <p:spPr>
+          <a:xfrm>
+            <a:off x="3533679" y="3873830"/>
+            <a:ext cx="1168114" cy="856129"/>
+          </a:xfrm>
+          <a:prstGeom prst="roundRect">
+            <a:avLst>
+              <a:gd name="adj" fmla="val 8467"/>
+            </a:avLst>
+          </a:prstGeom>
+          <a:noFill/>
+          <a:ln w="28575">
+            <a:solidFill>
+              <a:schemeClr val="bg2"/>
+            </a:solidFill>
+          </a:ln>
+        </p:spPr>
+        <p:style>
+          <a:lnRef idx="2">
+            <a:schemeClr val="accent1">
+              <a:shade val="50000"/>
+            </a:schemeClr>
+          </a:lnRef>
+          <a:fillRef idx="1">
+            <a:schemeClr val="accent1"/>
+          </a:fillRef>
+          <a:effectRef idx="0">
+            <a:schemeClr val="accent1"/>
+          </a:effectRef>
+          <a:fontRef idx="minor">
+            <a:schemeClr val="lt1"/>
+          </a:fontRef>
+        </p:style>
+        <p:txBody>
+          <a:bodyPr rtlCol="0" anchor="ctr"/>
+          <a:lstStyle/>
+          <a:p>
+            <a:pPr algn="ctr"/>
+            <a:endParaRPr lang="ko-KR" altLang="en-US">
+              <a:solidFill>
+                <a:schemeClr val="bg1">
+                  <a:lumMod val="75000"/>
+                </a:schemeClr>
+              </a:solidFill>
+            </a:endParaRPr>
+          </a:p>
+        </p:txBody>
+      </p:sp>
+      <p:sp>
+        <p:nvSpPr>
+          <p:cNvPr id="33" name="사각형: 둥근 모서리 32">
+            <a:extLst>
+              <a:ext uri="{FF2B5EF4-FFF2-40B4-BE49-F238E27FC236}">
+                <a16:creationId xmlns:a16="http://schemas.microsoft.com/office/drawing/2014/main" id="{B5F2A3B7-DE72-425B-997B-824646C1608E}"/>
+              </a:ext>
+            </a:extLst>
+          </p:cNvPr>
+          <p:cNvSpPr/>
+          <p:nvPr/>
+        </p:nvSpPr>
+        <p:spPr>
+          <a:xfrm>
+            <a:off x="1069181" y="1959007"/>
+            <a:ext cx="9789542" cy="3747201"/>
+          </a:xfrm>
+          <a:prstGeom prst="roundRect">
+            <a:avLst>
+              <a:gd name="adj" fmla="val 3305"/>
+            </a:avLst>
+          </a:prstGeom>
+          <a:noFill/>
+          <a:ln w="28575">
+            <a:solidFill>
+              <a:schemeClr val="bg2"/>
+            </a:solidFill>
+          </a:ln>
+        </p:spPr>
+        <p:style>
+          <a:lnRef idx="2">
+            <a:schemeClr val="accent1">
+              <a:shade val="50000"/>
+            </a:schemeClr>
+          </a:lnRef>
+          <a:fillRef idx="1">
+            <a:schemeClr val="accent1"/>
+          </a:fillRef>
+          <a:effectRef idx="0">
+            <a:schemeClr val="accent1"/>
+          </a:effectRef>
+          <a:fontRef idx="minor">
+            <a:schemeClr val="lt1"/>
+          </a:fontRef>
+        </p:style>
+        <p:txBody>
+          <a:bodyPr rtlCol="0" anchor="ctr"/>
+          <a:lstStyle/>
+          <a:p>
+            <a:pPr algn="ctr"/>
+            <a:endParaRPr lang="ko-KR" altLang="en-US"/>
+          </a:p>
+        </p:txBody>
+      </p:sp>
+    </p:spTree>
+    <p:extLst>
+      <p:ext uri="{BB962C8B-B14F-4D97-AF65-F5344CB8AC3E}">
+        <p14:creationId xmlns:p14="http://schemas.microsoft.com/office/powerpoint/2010/main" val="1066408257"/>
+      </p:ext>
+    </p:extLst>
+  </p:cSld>
+  <p:clrMapOvr>
+    <a:masterClrMapping/>
+  </p:clrMapOvr>
+</p:sld>
+</file>
+
+<file path=ppt/slides/slide7.xml><?xml version="1.0" encoding="utf-8"?>
+<p:sld xmlns:a="http://schemas.openxmlformats.org/drawingml/2006/main" xmlns:r="http://schemas.openxmlformats.org/officeDocument/2006/relationships" xmlns:p="http://schemas.openxmlformats.org/presentationml/2006/main">
+  <p:cSld>
+    <p:spTree>
+      <p:nvGrpSpPr>
+        <p:cNvPr id="1" name=""/>
+        <p:cNvGrpSpPr/>
+        <p:nvPr/>
+      </p:nvGrpSpPr>
+      <p:grpSpPr>
+        <a:xfrm>
+          <a:off x="0" y="0"/>
+          <a:ext cx="0" cy="0"/>
+          <a:chOff x="0" y="0"/>
+          <a:chExt cx="0" cy="0"/>
+        </a:xfrm>
+      </p:grpSpPr>
+      <p:sp>
+        <p:nvSpPr>
+          <p:cNvPr id="4" name="제목 3">
+            <a:extLst>
+              <a:ext uri="{FF2B5EF4-FFF2-40B4-BE49-F238E27FC236}">
+                <a16:creationId xmlns:a16="http://schemas.microsoft.com/office/drawing/2014/main" id="{A18D7182-D820-4C52-B88B-98E25FAF1AA8}"/>
+              </a:ext>
+            </a:extLst>
+          </p:cNvPr>
+          <p:cNvSpPr>
+            <a:spLocks noGrp="1"/>
+          </p:cNvSpPr>
+          <p:nvPr>
+            <p:ph type="title"/>
+          </p:nvPr>
+        </p:nvSpPr>
+        <p:spPr/>
+        <p:txBody>
+          <a:bodyPr/>
+          <a:lstStyle/>
+          <a:p>
+            <a:r>
+              <a:rPr lang="ko-KR" altLang="en-US" dirty="0"/>
+              <a:t>기본 데이터의 종류</a:t>
+            </a:r>
+          </a:p>
+        </p:txBody>
+      </p:sp>
+      <p:sp>
+        <p:nvSpPr>
+          <p:cNvPr id="5" name="텍스트 개체 틀 4">
+            <a:extLst>
+              <a:ext uri="{FF2B5EF4-FFF2-40B4-BE49-F238E27FC236}">
+                <a16:creationId xmlns:a16="http://schemas.microsoft.com/office/drawing/2014/main" id="{D521D688-7A61-4C3A-A006-5011563DDB42}"/>
+              </a:ext>
+            </a:extLst>
+          </p:cNvPr>
+          <p:cNvSpPr>
+            <a:spLocks noGrp="1"/>
+          </p:cNvSpPr>
+          <p:nvPr>
+            <p:ph type="body" sz="quarter" idx="10"/>
+          </p:nvPr>
+        </p:nvSpPr>
+        <p:spPr/>
+        <p:txBody>
+          <a:bodyPr/>
+          <a:lstStyle/>
+          <a:p>
+            <a:r>
+              <a:rPr lang="en-US" altLang="ko-KR" dirty="0"/>
+              <a:t>02</a:t>
+            </a:r>
+            <a:endParaRPr lang="ko-KR" altLang="en-US" dirty="0"/>
+          </a:p>
+        </p:txBody>
+      </p:sp>
+      <p:sp>
+        <p:nvSpPr>
+          <p:cNvPr id="6" name="내용 개체 틀 5">
+            <a:extLst>
+              <a:ext uri="{FF2B5EF4-FFF2-40B4-BE49-F238E27FC236}">
+                <a16:creationId xmlns:a16="http://schemas.microsoft.com/office/drawing/2014/main" id="{84E12277-4A13-4571-BCA3-C28FF727C029}"/>
+              </a:ext>
+            </a:extLst>
+          </p:cNvPr>
+          <p:cNvSpPr>
+            <a:spLocks noGrp="1"/>
+          </p:cNvSpPr>
+          <p:nvPr>
+            <p:ph sz="quarter" idx="11"/>
+          </p:nvPr>
+        </p:nvSpPr>
+        <p:spPr/>
+        <p:txBody>
+          <a:bodyPr/>
+          <a:lstStyle/>
+          <a:p>
+            <a:r>
+              <a:rPr lang="ko-KR" altLang="en-US" dirty="0"/>
+              <a:t>데이터의 기본</a:t>
+            </a:r>
+          </a:p>
+        </p:txBody>
+      </p:sp>
+      <p:sp>
+        <p:nvSpPr>
+          <p:cNvPr id="2" name="텍스트 개체 틀 1">
+            <a:extLst>
+              <a:ext uri="{FF2B5EF4-FFF2-40B4-BE49-F238E27FC236}">
+                <a16:creationId xmlns:a16="http://schemas.microsoft.com/office/drawing/2014/main" id="{74FC5FA0-9B28-4806-80B3-2419478867B1}"/>
+              </a:ext>
+            </a:extLst>
+          </p:cNvPr>
+          <p:cNvSpPr>
+            <a:spLocks noGrp="1"/>
+          </p:cNvSpPr>
+          <p:nvPr>
+            <p:ph type="body" sz="quarter" idx="12"/>
+          </p:nvPr>
+        </p:nvSpPr>
+        <p:spPr/>
+        <p:txBody>
+          <a:bodyPr/>
+          <a:lstStyle/>
+          <a:p>
+            <a:r>
+              <a:rPr lang="ko-KR" altLang="en-US" dirty="0"/>
+              <a:t>주요 기본 </a:t>
+            </a:r>
+            <a:r>
+              <a:rPr lang="ko-KR" altLang="en-US"/>
+              <a:t>데이터 종류</a:t>
+            </a:r>
+            <a:endParaRPr lang="ko-KR" altLang="en-US" dirty="0"/>
+          </a:p>
+        </p:txBody>
+      </p:sp>
+      <p:sp>
+        <p:nvSpPr>
+          <p:cNvPr id="18" name="TextBox 17">
+            <a:extLst>
+              <a:ext uri="{FF2B5EF4-FFF2-40B4-BE49-F238E27FC236}">
+                <a16:creationId xmlns:a16="http://schemas.microsoft.com/office/drawing/2014/main" id="{9F2F43BD-2ECF-4527-963C-95969B04E879}"/>
+              </a:ext>
+            </a:extLst>
+          </p:cNvPr>
+          <p:cNvSpPr txBox="1"/>
+          <p:nvPr/>
+        </p:nvSpPr>
+        <p:spPr>
+          <a:xfrm>
+            <a:off x="1921481" y="2109693"/>
+            <a:ext cx="620683" cy="369332"/>
+          </a:xfrm>
+          <a:prstGeom prst="rect">
+            <a:avLst/>
+          </a:prstGeom>
+          <a:noFill/>
+        </p:spPr>
+        <p:txBody>
+          <a:bodyPr wrap="none" rtlCol="0">
+            <a:spAutoFit/>
+          </a:bodyPr>
+          <a:lstStyle/>
+          <a:p>
+            <a:r>
+              <a:rPr lang="ko-KR" altLang="en-US" b="1" dirty="0">
+                <a:solidFill>
+                  <a:schemeClr val="bg1">
+                    <a:lumMod val="75000"/>
+                  </a:schemeClr>
+                </a:solidFill>
+              </a:rPr>
+              <a:t>벡터</a:t>
+            </a:r>
+          </a:p>
+        </p:txBody>
+      </p:sp>
+      <p:sp>
+        <p:nvSpPr>
+          <p:cNvPr id="22" name="TextBox 21">
+            <a:extLst>
+              <a:ext uri="{FF2B5EF4-FFF2-40B4-BE49-F238E27FC236}">
+                <a16:creationId xmlns:a16="http://schemas.microsoft.com/office/drawing/2014/main" id="{50BB69A8-BEB3-4E1D-BD2B-7EEF39D6774C}"/>
+              </a:ext>
+            </a:extLst>
+          </p:cNvPr>
+          <p:cNvSpPr txBox="1"/>
+          <p:nvPr/>
+        </p:nvSpPr>
+        <p:spPr>
+          <a:xfrm>
+            <a:off x="2153833" y="2805937"/>
+            <a:ext cx="1109599" cy="369332"/>
+          </a:xfrm>
+          <a:prstGeom prst="rect">
+            <a:avLst/>
+          </a:prstGeom>
+          <a:noFill/>
+          <a:ln>
+            <a:noFill/>
+          </a:ln>
+        </p:spPr>
+        <p:txBody>
+          <a:bodyPr wrap="none" rtlCol="0">
+            <a:spAutoFit/>
+          </a:bodyPr>
+          <a:lstStyle/>
+          <a:p>
+            <a:r>
+              <a:rPr lang="ko-KR" altLang="en-US" b="1" dirty="0">
+                <a:solidFill>
+                  <a:schemeClr val="bg1">
+                    <a:lumMod val="75000"/>
+                  </a:schemeClr>
+                </a:solidFill>
+              </a:rPr>
+              <a:t>원자 벡터</a:t>
+            </a:r>
+          </a:p>
+        </p:txBody>
+      </p:sp>
+      <p:sp>
+        <p:nvSpPr>
+          <p:cNvPr id="23" name="TextBox 22">
+            <a:extLst>
+              <a:ext uri="{FF2B5EF4-FFF2-40B4-BE49-F238E27FC236}">
+                <a16:creationId xmlns:a16="http://schemas.microsoft.com/office/drawing/2014/main" id="{304277E4-9D87-4433-984F-C3264EE5688D}"/>
+              </a:ext>
+            </a:extLst>
+          </p:cNvPr>
+          <p:cNvSpPr txBox="1"/>
+          <p:nvPr/>
+        </p:nvSpPr>
+        <p:spPr>
+          <a:xfrm>
+            <a:off x="2325866" y="3476329"/>
+            <a:ext cx="819455" cy="369332"/>
+          </a:xfrm>
+          <a:prstGeom prst="rect">
+            <a:avLst/>
+          </a:prstGeom>
+          <a:noFill/>
+          <a:ln>
+            <a:noFill/>
+          </a:ln>
+        </p:spPr>
+        <p:txBody>
+          <a:bodyPr wrap="none" rtlCol="0">
+            <a:spAutoFit/>
+          </a:bodyPr>
+          <a:lstStyle/>
+          <a:p>
+            <a:r>
+              <a:rPr lang="ko-KR" altLang="en-US" dirty="0"/>
+              <a:t>논리형</a:t>
+            </a:r>
+          </a:p>
+        </p:txBody>
+      </p:sp>
+      <p:sp>
+        <p:nvSpPr>
+          <p:cNvPr id="24" name="TextBox 23">
+            <a:extLst>
+              <a:ext uri="{FF2B5EF4-FFF2-40B4-BE49-F238E27FC236}">
+                <a16:creationId xmlns:a16="http://schemas.microsoft.com/office/drawing/2014/main" id="{523B146A-A5FC-4093-A678-8B509C7BC83C}"/>
+              </a:ext>
+            </a:extLst>
+          </p:cNvPr>
+          <p:cNvSpPr txBox="1"/>
+          <p:nvPr/>
+        </p:nvSpPr>
+        <p:spPr>
+          <a:xfrm>
+            <a:off x="3533679" y="3469682"/>
+            <a:ext cx="838691" cy="369332"/>
+          </a:xfrm>
+          <a:prstGeom prst="rect">
+            <a:avLst/>
+          </a:prstGeom>
+          <a:noFill/>
+          <a:ln>
+            <a:noFill/>
+          </a:ln>
+        </p:spPr>
+        <p:txBody>
+          <a:bodyPr wrap="none" rtlCol="0">
+            <a:spAutoFit/>
+          </a:bodyPr>
+          <a:lstStyle/>
+          <a:p>
+            <a:r>
+              <a:rPr lang="ko-KR" altLang="en-US" b="1" dirty="0">
+                <a:solidFill>
+                  <a:schemeClr val="bg1">
+                    <a:lumMod val="75000"/>
+                  </a:schemeClr>
+                </a:solidFill>
+              </a:rPr>
+              <a:t>숫자형</a:t>
+            </a:r>
+          </a:p>
+        </p:txBody>
+      </p:sp>
+      <p:sp>
+        <p:nvSpPr>
+          <p:cNvPr id="25" name="TextBox 24">
+            <a:extLst>
+              <a:ext uri="{FF2B5EF4-FFF2-40B4-BE49-F238E27FC236}">
+                <a16:creationId xmlns:a16="http://schemas.microsoft.com/office/drawing/2014/main" id="{FB3788FD-4CF7-4C57-9BD7-8B2CA431FD70}"/>
+              </a:ext>
+            </a:extLst>
+          </p:cNvPr>
+          <p:cNvSpPr txBox="1"/>
+          <p:nvPr/>
+        </p:nvSpPr>
+        <p:spPr>
+          <a:xfrm>
+            <a:off x="5081108" y="3476329"/>
+            <a:ext cx="819455" cy="369332"/>
+          </a:xfrm>
+          <a:prstGeom prst="rect">
+            <a:avLst/>
+          </a:prstGeom>
+          <a:noFill/>
+          <a:ln>
+            <a:noFill/>
+          </a:ln>
+        </p:spPr>
+        <p:txBody>
+          <a:bodyPr wrap="none" rtlCol="0">
+            <a:spAutoFit/>
+          </a:bodyPr>
+          <a:lstStyle/>
+          <a:p>
+            <a:r>
+              <a:rPr lang="ko-KR" altLang="en-US" dirty="0"/>
+              <a:t>글자형</a:t>
+            </a:r>
+          </a:p>
+        </p:txBody>
+      </p:sp>
+      <p:sp>
+        <p:nvSpPr>
+          <p:cNvPr id="26" name="TextBox 25">
+            <a:extLst>
+              <a:ext uri="{FF2B5EF4-FFF2-40B4-BE49-F238E27FC236}">
+                <a16:creationId xmlns:a16="http://schemas.microsoft.com/office/drawing/2014/main" id="{E97BD224-3D2E-4262-9699-1EDFEA782049}"/>
+              </a:ext>
+            </a:extLst>
+          </p:cNvPr>
+          <p:cNvSpPr txBox="1"/>
+          <p:nvPr/>
+        </p:nvSpPr>
+        <p:spPr>
+          <a:xfrm>
+            <a:off x="3688082" y="3944194"/>
+            <a:ext cx="819455" cy="369332"/>
+          </a:xfrm>
+          <a:prstGeom prst="rect">
+            <a:avLst/>
+          </a:prstGeom>
+          <a:noFill/>
+          <a:ln>
+            <a:noFill/>
+          </a:ln>
+        </p:spPr>
+        <p:txBody>
+          <a:bodyPr wrap="none" rtlCol="0">
+            <a:spAutoFit/>
+          </a:bodyPr>
+          <a:lstStyle/>
+          <a:p>
+            <a:r>
+              <a:rPr lang="ko-KR" altLang="en-US" dirty="0"/>
+              <a:t>정수형</a:t>
+            </a:r>
+          </a:p>
+        </p:txBody>
+      </p:sp>
+      <p:sp>
+        <p:nvSpPr>
+          <p:cNvPr id="27" name="TextBox 26">
+            <a:extLst>
+              <a:ext uri="{FF2B5EF4-FFF2-40B4-BE49-F238E27FC236}">
+                <a16:creationId xmlns:a16="http://schemas.microsoft.com/office/drawing/2014/main" id="{CA1DAF53-42E9-4CCD-8129-84BD4608DD42}"/>
+              </a:ext>
+            </a:extLst>
+          </p:cNvPr>
+          <p:cNvSpPr txBox="1"/>
+          <p:nvPr/>
+        </p:nvSpPr>
+        <p:spPr>
+          <a:xfrm>
+            <a:off x="3688082" y="4285469"/>
+            <a:ext cx="819455" cy="369332"/>
+          </a:xfrm>
+          <a:prstGeom prst="rect">
+            <a:avLst/>
+          </a:prstGeom>
+          <a:noFill/>
+          <a:ln>
+            <a:noFill/>
+          </a:ln>
+        </p:spPr>
+        <p:txBody>
+          <a:bodyPr wrap="none" rtlCol="0">
+            <a:spAutoFit/>
+          </a:bodyPr>
+          <a:lstStyle/>
+          <a:p>
+            <a:r>
+              <a:rPr lang="ko-KR" altLang="en-US" dirty="0"/>
+              <a:t>실수형</a:t>
+            </a:r>
+          </a:p>
+        </p:txBody>
+      </p:sp>
+      <p:sp>
+        <p:nvSpPr>
+          <p:cNvPr id="28" name="TextBox 27">
+            <a:extLst>
+              <a:ext uri="{FF2B5EF4-FFF2-40B4-BE49-F238E27FC236}">
+                <a16:creationId xmlns:a16="http://schemas.microsoft.com/office/drawing/2014/main" id="{701F0625-3733-4726-93EC-1BB6529E8EA8}"/>
+              </a:ext>
+            </a:extLst>
+          </p:cNvPr>
+          <p:cNvSpPr txBox="1"/>
+          <p:nvPr/>
+        </p:nvSpPr>
+        <p:spPr>
+          <a:xfrm>
+            <a:off x="6979845" y="3418693"/>
+            <a:ext cx="819455" cy="369332"/>
+          </a:xfrm>
+          <a:prstGeom prst="rect">
+            <a:avLst/>
+          </a:prstGeom>
+          <a:noFill/>
+          <a:ln>
+            <a:noFill/>
+          </a:ln>
+        </p:spPr>
+        <p:txBody>
+          <a:bodyPr wrap="none" rtlCol="0">
+            <a:spAutoFit/>
+          </a:bodyPr>
+          <a:lstStyle/>
+          <a:p>
+            <a:r>
+              <a:rPr lang="ko-KR" altLang="en-US" dirty="0">
+                <a:solidFill>
+                  <a:schemeClr val="bg1">
+                    <a:lumMod val="75000"/>
+                  </a:schemeClr>
+                </a:solidFill>
+              </a:rPr>
+              <a:t>리스트</a:t>
+            </a:r>
+          </a:p>
+        </p:txBody>
+      </p:sp>
+      <p:sp>
+        <p:nvSpPr>
+          <p:cNvPr id="29" name="TextBox 28">
+            <a:extLst>
+              <a:ext uri="{FF2B5EF4-FFF2-40B4-BE49-F238E27FC236}">
+                <a16:creationId xmlns:a16="http://schemas.microsoft.com/office/drawing/2014/main" id="{33231EE8-3D7C-4859-ADE0-9BF96B5BB663}"/>
+              </a:ext>
+            </a:extLst>
+          </p:cNvPr>
+          <p:cNvSpPr txBox="1"/>
+          <p:nvPr/>
+        </p:nvSpPr>
+        <p:spPr>
+          <a:xfrm>
+            <a:off x="9024054" y="3434199"/>
+            <a:ext cx="676788" cy="369332"/>
+          </a:xfrm>
+          <a:prstGeom prst="rect">
+            <a:avLst/>
+          </a:prstGeom>
+          <a:noFill/>
+          <a:ln>
+            <a:noFill/>
+          </a:ln>
+        </p:spPr>
+        <p:txBody>
+          <a:bodyPr wrap="none" rtlCol="0">
+            <a:spAutoFit/>
+          </a:bodyPr>
+          <a:lstStyle/>
+          <a:p>
+            <a:r>
+              <a:rPr lang="en-US" altLang="ko-KR" b="1" dirty="0">
+                <a:solidFill>
+                  <a:schemeClr val="bg1">
+                    <a:lumMod val="75000"/>
+                  </a:schemeClr>
+                </a:solidFill>
+              </a:rPr>
+              <a:t>NULL</a:t>
+            </a:r>
+            <a:endParaRPr lang="ko-KR" altLang="en-US" b="1" dirty="0">
+              <a:solidFill>
+                <a:schemeClr val="bg1">
+                  <a:lumMod val="75000"/>
+                </a:schemeClr>
+              </a:solidFill>
+            </a:endParaRPr>
+          </a:p>
+        </p:txBody>
+      </p:sp>
+      <p:sp>
+        <p:nvSpPr>
+          <p:cNvPr id="30" name="사각형: 둥근 모서리 29">
+            <a:extLst>
+              <a:ext uri="{FF2B5EF4-FFF2-40B4-BE49-F238E27FC236}">
+                <a16:creationId xmlns:a16="http://schemas.microsoft.com/office/drawing/2014/main" id="{EBF102FB-156F-4571-A4E5-2A2E00947C38}"/>
+              </a:ext>
+            </a:extLst>
+          </p:cNvPr>
+          <p:cNvSpPr/>
+          <p:nvPr/>
+        </p:nvSpPr>
+        <p:spPr>
+          <a:xfrm>
+            <a:off x="1788178" y="2493987"/>
+            <a:ext cx="6606377" cy="2588077"/>
+          </a:xfrm>
+          <a:prstGeom prst="roundRect">
+            <a:avLst>
+              <a:gd name="adj" fmla="val 8467"/>
+            </a:avLst>
+          </a:prstGeom>
+          <a:noFill/>
+          <a:ln w="28575">
+            <a:solidFill>
+              <a:schemeClr val="bg2"/>
+            </a:solidFill>
+          </a:ln>
+        </p:spPr>
+        <p:style>
+          <a:lnRef idx="2">
+            <a:schemeClr val="accent1">
+              <a:shade val="50000"/>
+            </a:schemeClr>
+          </a:lnRef>
+          <a:fillRef idx="1">
+            <a:schemeClr val="accent1"/>
+          </a:fillRef>
+          <a:effectRef idx="0">
+            <a:schemeClr val="accent1"/>
+          </a:effectRef>
+          <a:fontRef idx="minor">
+            <a:schemeClr val="lt1"/>
+          </a:fontRef>
+        </p:style>
+        <p:txBody>
+          <a:bodyPr rtlCol="0" anchor="ctr"/>
+          <a:lstStyle/>
+          <a:p>
+            <a:pPr algn="ctr"/>
+            <a:endParaRPr lang="ko-KR" altLang="en-US">
+              <a:solidFill>
+                <a:schemeClr val="bg1">
+                  <a:lumMod val="75000"/>
+                </a:schemeClr>
+              </a:solidFill>
+            </a:endParaRPr>
+          </a:p>
+        </p:txBody>
+      </p:sp>
+      <p:sp>
+        <p:nvSpPr>
+          <p:cNvPr id="31" name="사각형: 둥근 모서리 30">
+            <a:extLst>
+              <a:ext uri="{FF2B5EF4-FFF2-40B4-BE49-F238E27FC236}">
+                <a16:creationId xmlns:a16="http://schemas.microsoft.com/office/drawing/2014/main" id="{0B7D23A4-9F44-4043-B45A-3B329F93646E}"/>
+              </a:ext>
+            </a:extLst>
+          </p:cNvPr>
+          <p:cNvSpPr/>
+          <p:nvPr/>
+        </p:nvSpPr>
+        <p:spPr>
+          <a:xfrm>
+            <a:off x="2014703" y="3228021"/>
+            <a:ext cx="4228059" cy="1678087"/>
+          </a:xfrm>
+          <a:prstGeom prst="roundRect">
+            <a:avLst>
+              <a:gd name="adj" fmla="val 8467"/>
+            </a:avLst>
+          </a:prstGeom>
+          <a:noFill/>
+          <a:ln w="28575">
+            <a:solidFill>
+              <a:schemeClr val="tx1"/>
+            </a:solidFill>
+          </a:ln>
+        </p:spPr>
+        <p:style>
+          <a:lnRef idx="2">
+            <a:schemeClr val="accent1">
+              <a:shade val="50000"/>
+            </a:schemeClr>
+          </a:lnRef>
+          <a:fillRef idx="1">
+            <a:schemeClr val="accent1"/>
+          </a:fillRef>
+          <a:effectRef idx="0">
+            <a:schemeClr val="accent1"/>
+          </a:effectRef>
+          <a:fontRef idx="minor">
+            <a:schemeClr val="lt1"/>
+          </a:fontRef>
+        </p:style>
+        <p:txBody>
+          <a:bodyPr rtlCol="0" anchor="ctr"/>
+          <a:lstStyle/>
+          <a:p>
+            <a:pPr algn="ctr"/>
+            <a:endParaRPr lang="ko-KR" altLang="en-US">
+              <a:solidFill>
+                <a:schemeClr val="bg1">
+                  <a:lumMod val="75000"/>
+                </a:schemeClr>
+              </a:solidFill>
+            </a:endParaRPr>
+          </a:p>
+        </p:txBody>
+      </p:sp>
+      <p:sp>
+        <p:nvSpPr>
+          <p:cNvPr id="32" name="사각형: 둥근 모서리 31">
+            <a:extLst>
+              <a:ext uri="{FF2B5EF4-FFF2-40B4-BE49-F238E27FC236}">
+                <a16:creationId xmlns:a16="http://schemas.microsoft.com/office/drawing/2014/main" id="{2727FE4E-143B-49A3-BDBE-2D38AA1643B1}"/>
+              </a:ext>
+            </a:extLst>
+          </p:cNvPr>
+          <p:cNvSpPr/>
+          <p:nvPr/>
+        </p:nvSpPr>
+        <p:spPr>
+          <a:xfrm>
+            <a:off x="3533679" y="3873830"/>
+            <a:ext cx="1168114" cy="856129"/>
+          </a:xfrm>
+          <a:prstGeom prst="roundRect">
+            <a:avLst>
+              <a:gd name="adj" fmla="val 8467"/>
+            </a:avLst>
+          </a:prstGeom>
+          <a:noFill/>
+          <a:ln w="28575">
+            <a:solidFill>
+              <a:srgbClr val="262626"/>
+            </a:solidFill>
+          </a:ln>
+        </p:spPr>
+        <p:style>
+          <a:lnRef idx="2">
+            <a:schemeClr val="accent1">
+              <a:shade val="50000"/>
+            </a:schemeClr>
+          </a:lnRef>
+          <a:fillRef idx="1">
+            <a:schemeClr val="accent1"/>
+          </a:fillRef>
+          <a:effectRef idx="0">
+            <a:schemeClr val="accent1"/>
+          </a:effectRef>
+          <a:fontRef idx="minor">
+            <a:schemeClr val="lt1"/>
+          </a:fontRef>
+        </p:style>
+        <p:txBody>
+          <a:bodyPr rtlCol="0" anchor="ctr"/>
+          <a:lstStyle/>
+          <a:p>
+            <a:pPr algn="ctr"/>
+            <a:endParaRPr lang="ko-KR" altLang="en-US">
+              <a:solidFill>
+                <a:schemeClr val="bg1">
+                  <a:lumMod val="75000"/>
+                </a:schemeClr>
+              </a:solidFill>
+            </a:endParaRPr>
+          </a:p>
+        </p:txBody>
+      </p:sp>
+      <p:sp>
+        <p:nvSpPr>
+          <p:cNvPr id="33" name="사각형: 둥근 모서리 32">
+            <a:extLst>
+              <a:ext uri="{FF2B5EF4-FFF2-40B4-BE49-F238E27FC236}">
+                <a16:creationId xmlns:a16="http://schemas.microsoft.com/office/drawing/2014/main" id="{B5F2A3B7-DE72-425B-997B-824646C1608E}"/>
+              </a:ext>
+            </a:extLst>
+          </p:cNvPr>
+          <p:cNvSpPr/>
+          <p:nvPr/>
+        </p:nvSpPr>
+        <p:spPr>
+          <a:xfrm>
+            <a:off x="1069181" y="1959007"/>
+            <a:ext cx="9789542" cy="3747201"/>
+          </a:xfrm>
+          <a:prstGeom prst="roundRect">
+            <a:avLst>
+              <a:gd name="adj" fmla="val 3305"/>
+            </a:avLst>
+          </a:prstGeom>
+          <a:noFill/>
+          <a:ln w="28575">
+            <a:solidFill>
+              <a:schemeClr val="bg2"/>
+            </a:solidFill>
+          </a:ln>
+        </p:spPr>
+        <p:style>
+          <a:lnRef idx="2">
+            <a:schemeClr val="accent1">
+              <a:shade val="50000"/>
+            </a:schemeClr>
+          </a:lnRef>
+          <a:fillRef idx="1">
+            <a:schemeClr val="accent1"/>
+          </a:fillRef>
+          <a:effectRef idx="0">
+            <a:schemeClr val="accent1"/>
+          </a:effectRef>
+          <a:fontRef idx="minor">
+            <a:schemeClr val="lt1"/>
+          </a:fontRef>
+        </p:style>
+        <p:txBody>
+          <a:bodyPr rtlCol="0" anchor="ctr"/>
+          <a:lstStyle/>
+          <a:p>
+            <a:pPr algn="ctr"/>
+            <a:endParaRPr lang="ko-KR" altLang="en-US"/>
+          </a:p>
+        </p:txBody>
+      </p:sp>
+    </p:spTree>
+    <p:extLst>
+      <p:ext uri="{BB962C8B-B14F-4D97-AF65-F5344CB8AC3E}">
+        <p14:creationId xmlns:p14="http://schemas.microsoft.com/office/powerpoint/2010/main" val="841480758"/>
+      </p:ext>
+    </p:extLst>
+  </p:cSld>
+  <p:clrMapOvr>
+    <a:masterClrMapping/>
+  </p:clrMapOvr>
+</p:sld>
+</file>
+
+<file path=ppt/slides/slide8.xml><?xml version="1.0" encoding="utf-8"?>
+<p:sld xmlns:a="http://schemas.openxmlformats.org/drawingml/2006/main" xmlns:r="http://schemas.openxmlformats.org/officeDocument/2006/relationships" xmlns:p="http://schemas.openxmlformats.org/presentationml/2006/main">
+  <p:cSld>
+    <p:spTree>
+      <p:nvGrpSpPr>
+        <p:cNvPr id="1" name=""/>
+        <p:cNvGrpSpPr/>
+        <p:nvPr/>
+      </p:nvGrpSpPr>
+      <p:grpSpPr>
+        <a:xfrm>
+          <a:off x="0" y="0"/>
+          <a:ext cx="0" cy="0"/>
+          <a:chOff x="0" y="0"/>
+          <a:chExt cx="0" cy="0"/>
+        </a:xfrm>
+      </p:grpSpPr>
+      <p:sp>
+        <p:nvSpPr>
+          <p:cNvPr id="4" name="제목 3">
+            <a:extLst>
+              <a:ext uri="{FF2B5EF4-FFF2-40B4-BE49-F238E27FC236}">
+                <a16:creationId xmlns:a16="http://schemas.microsoft.com/office/drawing/2014/main" id="{A18D7182-D820-4C52-B88B-98E25FAF1AA8}"/>
+              </a:ext>
+            </a:extLst>
+          </p:cNvPr>
+          <p:cNvSpPr>
+            <a:spLocks noGrp="1"/>
+          </p:cNvSpPr>
+          <p:nvPr>
+            <p:ph type="title"/>
+          </p:nvPr>
+        </p:nvSpPr>
+        <p:spPr/>
+        <p:txBody>
+          <a:bodyPr/>
+          <a:lstStyle/>
+          <a:p>
+            <a:r>
+              <a:rPr lang="ko-KR" altLang="en-US" dirty="0"/>
+              <a:t>기본 데이터의 종류</a:t>
+            </a:r>
+          </a:p>
+        </p:txBody>
+      </p:sp>
+      <p:sp>
+        <p:nvSpPr>
+          <p:cNvPr id="5" name="텍스트 개체 틀 4">
+            <a:extLst>
+              <a:ext uri="{FF2B5EF4-FFF2-40B4-BE49-F238E27FC236}">
+                <a16:creationId xmlns:a16="http://schemas.microsoft.com/office/drawing/2014/main" id="{D521D688-7A61-4C3A-A006-5011563DDB42}"/>
+              </a:ext>
+            </a:extLst>
+          </p:cNvPr>
+          <p:cNvSpPr>
+            <a:spLocks noGrp="1"/>
+          </p:cNvSpPr>
+          <p:nvPr>
+            <p:ph type="body" sz="quarter" idx="10"/>
+          </p:nvPr>
+        </p:nvSpPr>
+        <p:spPr/>
+        <p:txBody>
+          <a:bodyPr/>
+          <a:lstStyle/>
+          <a:p>
+            <a:r>
+              <a:rPr lang="en-US" altLang="ko-KR" dirty="0"/>
+              <a:t>02</a:t>
+            </a:r>
+            <a:endParaRPr lang="ko-KR" altLang="en-US" dirty="0"/>
+          </a:p>
+        </p:txBody>
+      </p:sp>
+      <p:sp>
+        <p:nvSpPr>
+          <p:cNvPr id="6" name="내용 개체 틀 5">
+            <a:extLst>
+              <a:ext uri="{FF2B5EF4-FFF2-40B4-BE49-F238E27FC236}">
+                <a16:creationId xmlns:a16="http://schemas.microsoft.com/office/drawing/2014/main" id="{84E12277-4A13-4571-BCA3-C28FF727C029}"/>
+              </a:ext>
+            </a:extLst>
+          </p:cNvPr>
+          <p:cNvSpPr>
+            <a:spLocks noGrp="1"/>
+          </p:cNvSpPr>
+          <p:nvPr>
+            <p:ph sz="quarter" idx="11"/>
+          </p:nvPr>
+        </p:nvSpPr>
+        <p:spPr/>
+        <p:txBody>
+          <a:bodyPr/>
+          <a:lstStyle/>
+          <a:p>
+            <a:r>
+              <a:rPr lang="ko-KR" altLang="en-US" dirty="0"/>
+              <a:t>데이터의 기본</a:t>
+            </a:r>
+          </a:p>
+        </p:txBody>
+      </p:sp>
+      <p:sp>
+        <p:nvSpPr>
+          <p:cNvPr id="2" name="텍스트 개체 틀 1">
+            <a:extLst>
+              <a:ext uri="{FF2B5EF4-FFF2-40B4-BE49-F238E27FC236}">
+                <a16:creationId xmlns:a16="http://schemas.microsoft.com/office/drawing/2014/main" id="{74FC5FA0-9B28-4806-80B3-2419478867B1}"/>
+              </a:ext>
+            </a:extLst>
+          </p:cNvPr>
+          <p:cNvSpPr>
+            <a:spLocks noGrp="1"/>
+          </p:cNvSpPr>
+          <p:nvPr>
+            <p:ph type="body" sz="quarter" idx="12"/>
+          </p:nvPr>
+        </p:nvSpPr>
+        <p:spPr/>
+        <p:txBody>
+          <a:bodyPr/>
+          <a:lstStyle/>
+          <a:p>
+            <a:r>
+              <a:rPr lang="ko-KR" altLang="en-US" dirty="0"/>
+              <a:t>숫자형은 실수형을 기본으로 하며 정수형을 포함함</a:t>
+            </a:r>
+          </a:p>
+        </p:txBody>
+      </p:sp>
+      <p:sp>
+        <p:nvSpPr>
+          <p:cNvPr id="18" name="TextBox 17">
+            <a:extLst>
+              <a:ext uri="{FF2B5EF4-FFF2-40B4-BE49-F238E27FC236}">
+                <a16:creationId xmlns:a16="http://schemas.microsoft.com/office/drawing/2014/main" id="{9F2F43BD-2ECF-4527-963C-95969B04E879}"/>
+              </a:ext>
+            </a:extLst>
+          </p:cNvPr>
+          <p:cNvSpPr txBox="1"/>
+          <p:nvPr/>
+        </p:nvSpPr>
+        <p:spPr>
+          <a:xfrm>
+            <a:off x="1921481" y="2109693"/>
+            <a:ext cx="620683" cy="369332"/>
+          </a:xfrm>
+          <a:prstGeom prst="rect">
+            <a:avLst/>
+          </a:prstGeom>
+          <a:noFill/>
+        </p:spPr>
+        <p:txBody>
+          <a:bodyPr wrap="none" rtlCol="0">
+            <a:spAutoFit/>
+          </a:bodyPr>
+          <a:lstStyle/>
+          <a:p>
+            <a:r>
+              <a:rPr lang="ko-KR" altLang="en-US" b="1" dirty="0">
+                <a:solidFill>
+                  <a:schemeClr val="bg1">
+                    <a:lumMod val="75000"/>
+                  </a:schemeClr>
+                </a:solidFill>
+              </a:rPr>
+              <a:t>벡터</a:t>
+            </a:r>
+          </a:p>
+        </p:txBody>
+      </p:sp>
+      <p:sp>
+        <p:nvSpPr>
+          <p:cNvPr id="22" name="TextBox 21">
+            <a:extLst>
+              <a:ext uri="{FF2B5EF4-FFF2-40B4-BE49-F238E27FC236}">
+                <a16:creationId xmlns:a16="http://schemas.microsoft.com/office/drawing/2014/main" id="{50BB69A8-BEB3-4E1D-BD2B-7EEF39D6774C}"/>
+              </a:ext>
+            </a:extLst>
+          </p:cNvPr>
+          <p:cNvSpPr txBox="1"/>
+          <p:nvPr/>
+        </p:nvSpPr>
+        <p:spPr>
+          <a:xfrm>
+            <a:off x="2153833" y="2805937"/>
+            <a:ext cx="1109599" cy="369332"/>
+          </a:xfrm>
+          <a:prstGeom prst="rect">
+            <a:avLst/>
+          </a:prstGeom>
+          <a:noFill/>
+          <a:ln>
+            <a:noFill/>
+          </a:ln>
+        </p:spPr>
+        <p:txBody>
+          <a:bodyPr wrap="none" rtlCol="0">
+            <a:spAutoFit/>
+          </a:bodyPr>
+          <a:lstStyle/>
+          <a:p>
+            <a:r>
+              <a:rPr lang="ko-KR" altLang="en-US" b="1" dirty="0">
+                <a:solidFill>
+                  <a:schemeClr val="bg1">
+                    <a:lumMod val="75000"/>
+                  </a:schemeClr>
+                </a:solidFill>
+              </a:rPr>
+              <a:t>원자 벡터</a:t>
+            </a:r>
+          </a:p>
+        </p:txBody>
+      </p:sp>
+      <p:sp>
+        <p:nvSpPr>
+          <p:cNvPr id="23" name="TextBox 22">
+            <a:extLst>
+              <a:ext uri="{FF2B5EF4-FFF2-40B4-BE49-F238E27FC236}">
+                <a16:creationId xmlns:a16="http://schemas.microsoft.com/office/drawing/2014/main" id="{304277E4-9D87-4433-984F-C3264EE5688D}"/>
+              </a:ext>
+            </a:extLst>
+          </p:cNvPr>
+          <p:cNvSpPr txBox="1"/>
+          <p:nvPr/>
+        </p:nvSpPr>
+        <p:spPr>
+          <a:xfrm>
+            <a:off x="2325866" y="3476329"/>
+            <a:ext cx="819455" cy="369332"/>
+          </a:xfrm>
+          <a:prstGeom prst="rect">
+            <a:avLst/>
+          </a:prstGeom>
+          <a:noFill/>
+          <a:ln>
+            <a:noFill/>
+          </a:ln>
+        </p:spPr>
+        <p:txBody>
+          <a:bodyPr wrap="none" rtlCol="0">
+            <a:spAutoFit/>
+          </a:bodyPr>
+          <a:lstStyle/>
+          <a:p>
+            <a:r>
+              <a:rPr lang="ko-KR" altLang="en-US" dirty="0">
+                <a:solidFill>
+                  <a:schemeClr val="bg1">
+                    <a:lumMod val="75000"/>
+                  </a:schemeClr>
+                </a:solidFill>
+              </a:rPr>
+              <a:t>논리형</a:t>
+            </a:r>
+          </a:p>
+        </p:txBody>
+      </p:sp>
+      <p:sp>
+        <p:nvSpPr>
+          <p:cNvPr id="24" name="TextBox 23">
+            <a:extLst>
+              <a:ext uri="{FF2B5EF4-FFF2-40B4-BE49-F238E27FC236}">
+                <a16:creationId xmlns:a16="http://schemas.microsoft.com/office/drawing/2014/main" id="{523B146A-A5FC-4093-A678-8B509C7BC83C}"/>
+              </a:ext>
+            </a:extLst>
+          </p:cNvPr>
+          <p:cNvSpPr txBox="1"/>
+          <p:nvPr/>
+        </p:nvSpPr>
+        <p:spPr>
+          <a:xfrm>
+            <a:off x="3533679" y="3469682"/>
+            <a:ext cx="838691" cy="369332"/>
+          </a:xfrm>
+          <a:prstGeom prst="rect">
+            <a:avLst/>
+          </a:prstGeom>
+          <a:noFill/>
+          <a:ln>
+            <a:noFill/>
+          </a:ln>
+        </p:spPr>
+        <p:txBody>
+          <a:bodyPr wrap="none" rtlCol="0">
+            <a:spAutoFit/>
+          </a:bodyPr>
+          <a:lstStyle/>
+          <a:p>
+            <a:r>
+              <a:rPr lang="ko-KR" altLang="en-US" b="1" dirty="0"/>
+              <a:t>숫자형</a:t>
+            </a:r>
+          </a:p>
+        </p:txBody>
+      </p:sp>
+      <p:sp>
+        <p:nvSpPr>
+          <p:cNvPr id="25" name="TextBox 24">
+            <a:extLst>
+              <a:ext uri="{FF2B5EF4-FFF2-40B4-BE49-F238E27FC236}">
+                <a16:creationId xmlns:a16="http://schemas.microsoft.com/office/drawing/2014/main" id="{FB3788FD-4CF7-4C57-9BD7-8B2CA431FD70}"/>
+              </a:ext>
+            </a:extLst>
+          </p:cNvPr>
+          <p:cNvSpPr txBox="1"/>
+          <p:nvPr/>
+        </p:nvSpPr>
+        <p:spPr>
+          <a:xfrm>
+            <a:off x="5081108" y="3476329"/>
+            <a:ext cx="819455" cy="369332"/>
+          </a:xfrm>
+          <a:prstGeom prst="rect">
+            <a:avLst/>
+          </a:prstGeom>
+          <a:noFill/>
+          <a:ln>
+            <a:noFill/>
+          </a:ln>
+        </p:spPr>
+        <p:txBody>
+          <a:bodyPr wrap="none" rtlCol="0">
+            <a:spAutoFit/>
+          </a:bodyPr>
+          <a:lstStyle/>
+          <a:p>
+            <a:r>
+              <a:rPr lang="ko-KR" altLang="en-US" dirty="0">
+                <a:solidFill>
+                  <a:schemeClr val="bg1">
+                    <a:lumMod val="75000"/>
+                  </a:schemeClr>
+                </a:solidFill>
+              </a:rPr>
+              <a:t>글자형</a:t>
+            </a:r>
+          </a:p>
+        </p:txBody>
+      </p:sp>
+      <p:sp>
+        <p:nvSpPr>
+          <p:cNvPr id="26" name="TextBox 25">
+            <a:extLst>
+              <a:ext uri="{FF2B5EF4-FFF2-40B4-BE49-F238E27FC236}">
+                <a16:creationId xmlns:a16="http://schemas.microsoft.com/office/drawing/2014/main" id="{E97BD224-3D2E-4262-9699-1EDFEA782049}"/>
+              </a:ext>
+            </a:extLst>
+          </p:cNvPr>
+          <p:cNvSpPr txBox="1"/>
+          <p:nvPr/>
+        </p:nvSpPr>
+        <p:spPr>
+          <a:xfrm>
+            <a:off x="3688082" y="3944194"/>
+            <a:ext cx="819455" cy="369332"/>
+          </a:xfrm>
+          <a:prstGeom prst="rect">
+            <a:avLst/>
+          </a:prstGeom>
+          <a:noFill/>
+          <a:ln>
+            <a:noFill/>
+          </a:ln>
+        </p:spPr>
+        <p:txBody>
+          <a:bodyPr wrap="none" rtlCol="0">
+            <a:spAutoFit/>
+          </a:bodyPr>
+          <a:lstStyle/>
+          <a:p>
+            <a:r>
+              <a:rPr lang="ko-KR" altLang="en-US" dirty="0">
+                <a:solidFill>
+                  <a:schemeClr val="bg1">
+                    <a:lumMod val="75000"/>
+                  </a:schemeClr>
+                </a:solidFill>
+              </a:rPr>
+              <a:t>정수형</a:t>
+            </a:r>
+          </a:p>
+        </p:txBody>
+      </p:sp>
+      <p:sp>
+        <p:nvSpPr>
+          <p:cNvPr id="27" name="TextBox 26">
+            <a:extLst>
+              <a:ext uri="{FF2B5EF4-FFF2-40B4-BE49-F238E27FC236}">
+                <a16:creationId xmlns:a16="http://schemas.microsoft.com/office/drawing/2014/main" id="{CA1DAF53-42E9-4CCD-8129-84BD4608DD42}"/>
+              </a:ext>
+            </a:extLst>
+          </p:cNvPr>
+          <p:cNvSpPr txBox="1"/>
+          <p:nvPr/>
+        </p:nvSpPr>
+        <p:spPr>
+          <a:xfrm>
+            <a:off x="3688082" y="4285469"/>
+            <a:ext cx="819455" cy="369332"/>
+          </a:xfrm>
+          <a:prstGeom prst="rect">
+            <a:avLst/>
+          </a:prstGeom>
+          <a:noFill/>
+          <a:ln>
+            <a:noFill/>
+          </a:ln>
+        </p:spPr>
+        <p:txBody>
+          <a:bodyPr wrap="none" rtlCol="0">
+            <a:spAutoFit/>
+          </a:bodyPr>
+          <a:lstStyle/>
+          <a:p>
+            <a:r>
+              <a:rPr lang="ko-KR" altLang="en-US" dirty="0">
+                <a:solidFill>
+                  <a:schemeClr val="bg1">
+                    <a:lumMod val="75000"/>
+                  </a:schemeClr>
+                </a:solidFill>
+              </a:rPr>
+              <a:t>실수형</a:t>
+            </a:r>
+          </a:p>
+        </p:txBody>
+      </p:sp>
+      <p:sp>
+        <p:nvSpPr>
+          <p:cNvPr id="28" name="TextBox 27">
+            <a:extLst>
+              <a:ext uri="{FF2B5EF4-FFF2-40B4-BE49-F238E27FC236}">
+                <a16:creationId xmlns:a16="http://schemas.microsoft.com/office/drawing/2014/main" id="{701F0625-3733-4726-93EC-1BB6529E8EA8}"/>
+              </a:ext>
+            </a:extLst>
+          </p:cNvPr>
+          <p:cNvSpPr txBox="1"/>
+          <p:nvPr/>
+        </p:nvSpPr>
+        <p:spPr>
+          <a:xfrm>
+            <a:off x="6979845" y="3418693"/>
+            <a:ext cx="819455" cy="369332"/>
+          </a:xfrm>
+          <a:prstGeom prst="rect">
+            <a:avLst/>
+          </a:prstGeom>
+          <a:noFill/>
+          <a:ln>
+            <a:noFill/>
+          </a:ln>
+        </p:spPr>
+        <p:txBody>
+          <a:bodyPr wrap="none" rtlCol="0">
+            <a:spAutoFit/>
+          </a:bodyPr>
+          <a:lstStyle/>
+          <a:p>
+            <a:r>
+              <a:rPr lang="ko-KR" altLang="en-US" dirty="0">
+                <a:solidFill>
+                  <a:schemeClr val="bg1">
+                    <a:lumMod val="75000"/>
+                  </a:schemeClr>
+                </a:solidFill>
+              </a:rPr>
+              <a:t>리스트</a:t>
+            </a:r>
+          </a:p>
+        </p:txBody>
+      </p:sp>
+      <p:sp>
+        <p:nvSpPr>
+          <p:cNvPr id="29" name="TextBox 28">
+            <a:extLst>
+              <a:ext uri="{FF2B5EF4-FFF2-40B4-BE49-F238E27FC236}">
+                <a16:creationId xmlns:a16="http://schemas.microsoft.com/office/drawing/2014/main" id="{33231EE8-3D7C-4859-ADE0-9BF96B5BB663}"/>
+              </a:ext>
+            </a:extLst>
+          </p:cNvPr>
+          <p:cNvSpPr txBox="1"/>
+          <p:nvPr/>
+        </p:nvSpPr>
+        <p:spPr>
+          <a:xfrm>
+            <a:off x="9024054" y="3434199"/>
+            <a:ext cx="676788" cy="369332"/>
+          </a:xfrm>
+          <a:prstGeom prst="rect">
+            <a:avLst/>
+          </a:prstGeom>
+          <a:noFill/>
+          <a:ln>
+            <a:noFill/>
+          </a:ln>
+        </p:spPr>
+        <p:txBody>
+          <a:bodyPr wrap="none" rtlCol="0">
+            <a:spAutoFit/>
+          </a:bodyPr>
+          <a:lstStyle/>
+          <a:p>
+            <a:r>
+              <a:rPr lang="en-US" altLang="ko-KR" b="1" dirty="0">
+                <a:solidFill>
+                  <a:schemeClr val="bg1">
+                    <a:lumMod val="75000"/>
+                  </a:schemeClr>
+                </a:solidFill>
+              </a:rPr>
+              <a:t>NULL</a:t>
+            </a:r>
+            <a:endParaRPr lang="ko-KR" altLang="en-US" b="1" dirty="0">
+              <a:solidFill>
+                <a:schemeClr val="bg1">
+                  <a:lumMod val="75000"/>
+                </a:schemeClr>
+              </a:solidFill>
+            </a:endParaRPr>
+          </a:p>
+        </p:txBody>
+      </p:sp>
+      <p:sp>
+        <p:nvSpPr>
+          <p:cNvPr id="30" name="사각형: 둥근 모서리 29">
+            <a:extLst>
+              <a:ext uri="{FF2B5EF4-FFF2-40B4-BE49-F238E27FC236}">
+                <a16:creationId xmlns:a16="http://schemas.microsoft.com/office/drawing/2014/main" id="{EBF102FB-156F-4571-A4E5-2A2E00947C38}"/>
+              </a:ext>
+            </a:extLst>
+          </p:cNvPr>
+          <p:cNvSpPr/>
+          <p:nvPr/>
+        </p:nvSpPr>
+        <p:spPr>
+          <a:xfrm>
+            <a:off x="1788178" y="2493987"/>
+            <a:ext cx="6606377" cy="2588077"/>
+          </a:xfrm>
+          <a:prstGeom prst="roundRect">
+            <a:avLst>
+              <a:gd name="adj" fmla="val 8467"/>
+            </a:avLst>
+          </a:prstGeom>
+          <a:noFill/>
+          <a:ln w="28575">
+            <a:solidFill>
+              <a:schemeClr val="bg2"/>
+            </a:solidFill>
+          </a:ln>
+        </p:spPr>
+        <p:style>
+          <a:lnRef idx="2">
+            <a:schemeClr val="accent1">
+              <a:shade val="50000"/>
+            </a:schemeClr>
+          </a:lnRef>
+          <a:fillRef idx="1">
+            <a:schemeClr val="accent1"/>
+          </a:fillRef>
+          <a:effectRef idx="0">
+            <a:schemeClr val="accent1"/>
+          </a:effectRef>
+          <a:fontRef idx="minor">
+            <a:schemeClr val="lt1"/>
+          </a:fontRef>
+        </p:style>
+        <p:txBody>
+          <a:bodyPr rtlCol="0" anchor="ctr"/>
+          <a:lstStyle/>
+          <a:p>
+            <a:pPr algn="ctr"/>
+            <a:endParaRPr lang="ko-KR" altLang="en-US">
+              <a:solidFill>
+                <a:schemeClr val="bg1">
+                  <a:lumMod val="75000"/>
+                </a:schemeClr>
+              </a:solidFill>
+            </a:endParaRPr>
+          </a:p>
+        </p:txBody>
+      </p:sp>
+      <p:sp>
+        <p:nvSpPr>
+          <p:cNvPr id="31" name="사각형: 둥근 모서리 30">
+            <a:extLst>
+              <a:ext uri="{FF2B5EF4-FFF2-40B4-BE49-F238E27FC236}">
+                <a16:creationId xmlns:a16="http://schemas.microsoft.com/office/drawing/2014/main" id="{0B7D23A4-9F44-4043-B45A-3B329F93646E}"/>
+              </a:ext>
+            </a:extLst>
+          </p:cNvPr>
+          <p:cNvSpPr/>
+          <p:nvPr/>
+        </p:nvSpPr>
+        <p:spPr>
+          <a:xfrm>
+            <a:off x="2014703" y="3228021"/>
+            <a:ext cx="4228059" cy="1678087"/>
+          </a:xfrm>
+          <a:prstGeom prst="roundRect">
+            <a:avLst>
+              <a:gd name="adj" fmla="val 8467"/>
+            </a:avLst>
+          </a:prstGeom>
+          <a:noFill/>
+          <a:ln w="28575">
+            <a:solidFill>
+              <a:schemeClr val="bg2"/>
+            </a:solidFill>
+          </a:ln>
+        </p:spPr>
+        <p:style>
+          <a:lnRef idx="2">
+            <a:schemeClr val="accent1">
+              <a:shade val="50000"/>
+            </a:schemeClr>
+          </a:lnRef>
+          <a:fillRef idx="1">
+            <a:schemeClr val="accent1"/>
+          </a:fillRef>
+          <a:effectRef idx="0">
+            <a:schemeClr val="accent1"/>
+          </a:effectRef>
+          <a:fontRef idx="minor">
+            <a:schemeClr val="lt1"/>
+          </a:fontRef>
+        </p:style>
+        <p:txBody>
+          <a:bodyPr rtlCol="0" anchor="ctr"/>
+          <a:lstStyle/>
+          <a:p>
+            <a:pPr algn="ctr"/>
+            <a:endParaRPr lang="ko-KR" altLang="en-US">
+              <a:solidFill>
+                <a:schemeClr val="bg1">
+                  <a:lumMod val="75000"/>
+                </a:schemeClr>
+              </a:solidFill>
+            </a:endParaRPr>
+          </a:p>
+        </p:txBody>
+      </p:sp>
+      <p:sp>
+        <p:nvSpPr>
+          <p:cNvPr id="32" name="사각형: 둥근 모서리 31">
+            <a:extLst>
+              <a:ext uri="{FF2B5EF4-FFF2-40B4-BE49-F238E27FC236}">
+                <a16:creationId xmlns:a16="http://schemas.microsoft.com/office/drawing/2014/main" id="{2727FE4E-143B-49A3-BDBE-2D38AA1643B1}"/>
+              </a:ext>
+            </a:extLst>
+          </p:cNvPr>
+          <p:cNvSpPr/>
+          <p:nvPr/>
+        </p:nvSpPr>
+        <p:spPr>
+          <a:xfrm>
+            <a:off x="3533679" y="3873830"/>
+            <a:ext cx="1168114" cy="856129"/>
+          </a:xfrm>
+          <a:prstGeom prst="roundRect">
+            <a:avLst>
+              <a:gd name="adj" fmla="val 8467"/>
+            </a:avLst>
+          </a:prstGeom>
+          <a:noFill/>
+          <a:ln w="28575">
+            <a:solidFill>
+              <a:srgbClr val="262626"/>
+            </a:solidFill>
+          </a:ln>
+        </p:spPr>
+        <p:style>
+          <a:lnRef idx="2">
+            <a:schemeClr val="accent1">
+              <a:shade val="50000"/>
+            </a:schemeClr>
+          </a:lnRef>
+          <a:fillRef idx="1">
+            <a:schemeClr val="accent1"/>
+          </a:fillRef>
+          <a:effectRef idx="0">
+            <a:schemeClr val="accent1"/>
+          </a:effectRef>
+          <a:fontRef idx="minor">
+            <a:schemeClr val="lt1"/>
+          </a:fontRef>
+        </p:style>
+        <p:txBody>
+          <a:bodyPr rtlCol="0" anchor="ctr"/>
+          <a:lstStyle/>
+          <a:p>
+            <a:pPr algn="ctr"/>
+            <a:endParaRPr lang="ko-KR" altLang="en-US">
+              <a:solidFill>
+                <a:schemeClr val="bg1">
+                  <a:lumMod val="75000"/>
+                </a:schemeClr>
+              </a:solidFill>
+            </a:endParaRPr>
+          </a:p>
+        </p:txBody>
+      </p:sp>
+      <p:sp>
+        <p:nvSpPr>
+          <p:cNvPr id="33" name="사각형: 둥근 모서리 32">
+            <a:extLst>
+              <a:ext uri="{FF2B5EF4-FFF2-40B4-BE49-F238E27FC236}">
+                <a16:creationId xmlns:a16="http://schemas.microsoft.com/office/drawing/2014/main" id="{B5F2A3B7-DE72-425B-997B-824646C1608E}"/>
+              </a:ext>
+            </a:extLst>
+          </p:cNvPr>
+          <p:cNvSpPr/>
+          <p:nvPr/>
+        </p:nvSpPr>
+        <p:spPr>
+          <a:xfrm>
+            <a:off x="1069181" y="1959007"/>
+            <a:ext cx="9789542" cy="3747201"/>
+          </a:xfrm>
+          <a:prstGeom prst="roundRect">
+            <a:avLst>
+              <a:gd name="adj" fmla="val 3305"/>
+            </a:avLst>
+          </a:prstGeom>
+          <a:noFill/>
+          <a:ln w="28575">
+            <a:solidFill>
+              <a:schemeClr val="bg2"/>
+            </a:solidFill>
+          </a:ln>
+        </p:spPr>
+        <p:style>
+          <a:lnRef idx="2">
+            <a:schemeClr val="accent1">
+              <a:shade val="50000"/>
+            </a:schemeClr>
+          </a:lnRef>
+          <a:fillRef idx="1">
+            <a:schemeClr val="accent1"/>
+          </a:fillRef>
+          <a:effectRef idx="0">
+            <a:schemeClr val="accent1"/>
+          </a:effectRef>
+          <a:fontRef idx="minor">
+            <a:schemeClr val="lt1"/>
+          </a:fontRef>
+        </p:style>
+        <p:txBody>
+          <a:bodyPr rtlCol="0" anchor="ctr"/>
+          <a:lstStyle/>
+          <a:p>
+            <a:pPr algn="ctr"/>
+            <a:endParaRPr lang="ko-KR" altLang="en-US"/>
+          </a:p>
+        </p:txBody>
+      </p:sp>
+    </p:spTree>
+    <p:extLst>
+      <p:ext uri="{BB962C8B-B14F-4D97-AF65-F5344CB8AC3E}">
+        <p14:creationId xmlns:p14="http://schemas.microsoft.com/office/powerpoint/2010/main" val="710851374"/>
+      </p:ext>
+    </p:extLst>
+  </p:cSld>
+  <p:clrMapOvr>
+    <a:masterClrMapping/>
+  </p:clrMapOvr>
+</p:sld>
+</file>
+
+<file path=ppt/slides/slide9.xml><?xml version="1.0" encoding="utf-8"?>
+<p:sld xmlns:a="http://schemas.openxmlformats.org/drawingml/2006/main" xmlns:r="http://schemas.openxmlformats.org/officeDocument/2006/relationships" xmlns:p="http://schemas.openxmlformats.org/presentationml/2006/main">
+  <p:cSld>
+    <p:spTree>
+      <p:nvGrpSpPr>
+        <p:cNvPr id="1" name=""/>
+        <p:cNvGrpSpPr/>
+        <p:nvPr/>
+      </p:nvGrpSpPr>
+      <p:grpSpPr>
+        <a:xfrm>
+          <a:off x="0" y="0"/>
+          <a:ext cx="0" cy="0"/>
+          <a:chOff x="0" y="0"/>
+          <a:chExt cx="0" cy="0"/>
+        </a:xfrm>
+      </p:grpSpPr>
+      <p:sp>
+        <p:nvSpPr>
+          <p:cNvPr id="2" name="텍스트 개체 틀 1"/>
           <p:cNvSpPr>
             <a:spLocks noGrp="1"/>
           </p:cNvSpPr>
@@ -7091,15 +12364,14 @@
           <a:lstStyle/>
           <a:p>
             <a:r>
-              <a:rPr/>
               <a:t>02</a:t>
             </a:r>
           </a:p>
         </p:txBody>
       </p:sp>
-      <p:sp xmlns:a="http://schemas.openxmlformats.org/drawingml/2006/main" xmlns:r="http://schemas.openxmlformats.org/officeDocument/2006/relationships" xmlns:p="http://schemas.openxmlformats.org/presentationml/2006/main">
-        <p:nvSpPr>
-          <p:cNvPr id="3" name=""/>
+      <p:sp>
+        <p:nvSpPr>
+          <p:cNvPr id="3" name="내용 개체 틀 2"/>
           <p:cNvSpPr>
             <a:spLocks noGrp="1"/>
           </p:cNvSpPr>
@@ -7118,15 +12390,14 @@
           <a:lstStyle/>
           <a:p>
             <a:r>
-              <a:rPr/>
               <a:t>데이터의 기본</a:t>
             </a:r>
           </a:p>
         </p:txBody>
       </p:sp>
-      <p:sp xmlns:a="http://schemas.openxmlformats.org/drawingml/2006/main" xmlns:r="http://schemas.openxmlformats.org/officeDocument/2006/relationships" xmlns:p="http://schemas.openxmlformats.org/presentationml/2006/main">
-        <p:nvSpPr>
-          <p:cNvPr id="4" name=""/>
+      <p:sp>
+        <p:nvSpPr>
+          <p:cNvPr id="4" name="제목 3"/>
           <p:cNvSpPr>
             <a:spLocks noGrp="1"/>
           </p:cNvSpPr>
@@ -7145,7 +12416,6 @@
           <a:lstStyle/>
           <a:p>
             <a:r>
-              <a:rPr/>
               <a:t>끝</a:t>
             </a:r>
           </a:p>

--- a/slide/chapter02_01.pptx
+++ b/slide/chapter02_01.pptx
@@ -234,7 +234,7 @@
           <a:p>
             <a:fld id="{29390878-AFCD-49E6-A91A-D3D82D9E9D55}" type="datetimeFigureOut">
               <a:rPr lang="ko-KR" altLang="en-US" smtClean="0"/>
-              <a:t>2019-02-15</a:t>
+              <a:t>2019-02-24</a:t>
             </a:fld>
             <a:endParaRPr lang="ko-KR" altLang="en-US"/>
           </a:p>
@@ -411,7 +411,7 @@
           <a:p>
             <a:fld id="{459417EB-76F7-4DE7-93AA-C880C553CE34}" type="datetimeFigureOut">
               <a:rPr lang="ko-KR" altLang="en-US" smtClean="0"/>
-              <a:t>2019-02-15</a:t>
+              <a:t>2019-02-24</a:t>
             </a:fld>
             <a:endParaRPr lang="ko-KR" altLang="en-US"/>
           </a:p>
@@ -6992,8 +6992,14 @@
           <a:lstStyle/>
           <a:p>
             <a:r>
-              <a:t>02</a:t>
-            </a:r>
+              <a:rPr dirty="0"/>
+              <a:t>0</a:t>
+            </a:r>
+            <a:r>
+              <a:rPr lang="en-US" altLang="ko-KR" dirty="0"/>
+              <a:t>7</a:t>
+            </a:r>
+            <a:endParaRPr dirty="0"/>
           </a:p>
         </p:txBody>
       </p:sp>
@@ -7122,14 +7128,19 @@
             <p:ph type="body" sz="quarter" idx="10"/>
           </p:nvPr>
         </p:nvSpPr>
-        <p:spPr/>
+        <p:spPr>
+          <a:xfrm>
+            <a:off x="576752" y="119417"/>
+            <a:ext cx="386922" cy="222136"/>
+          </a:xfrm>
+        </p:spPr>
         <p:txBody>
           <a:bodyPr/>
           <a:lstStyle/>
           <a:p>
             <a:r>
               <a:rPr lang="en-US" altLang="ko-KR" dirty="0"/>
-              <a:t>02</a:t>
+              <a:t>07</a:t>
             </a:r>
             <a:endParaRPr lang="ko-KR" altLang="en-US" dirty="0"/>
           </a:p>
@@ -7151,13 +7162,22 @@
             <p:ph sz="quarter" idx="11"/>
           </p:nvPr>
         </p:nvSpPr>
-        <p:spPr/>
+        <p:spPr>
+          <a:xfrm>
+            <a:off x="782676" y="128152"/>
+            <a:ext cx="2200592" cy="222250"/>
+          </a:xfrm>
+        </p:spPr>
         <p:txBody>
           <a:bodyPr/>
           <a:lstStyle/>
           <a:p>
             <a:r>
-              <a:rPr lang="ko-KR" altLang="en-US" dirty="0"/>
+              <a:rPr lang="ko-KR" altLang="en-US" dirty="0">
+                <a:solidFill>
+                  <a:schemeClr val="tx1"/>
+                </a:solidFill>
+              </a:rPr>
               <a:t>데이터의 기본</a:t>
             </a:r>
           </a:p>
@@ -7757,63 +7777,6 @@
       </p:sp>
       <p:sp>
         <p:nvSpPr>
-          <p:cNvPr id="5" name="텍스트 개체 틀 4">
-            <a:extLst>
-              <a:ext uri="{FF2B5EF4-FFF2-40B4-BE49-F238E27FC236}">
-                <a16:creationId xmlns:a16="http://schemas.microsoft.com/office/drawing/2014/main" id="{D521D688-7A61-4C3A-A006-5011563DDB42}"/>
-              </a:ext>
-            </a:extLst>
-          </p:cNvPr>
-          <p:cNvSpPr>
-            <a:spLocks noGrp="1"/>
-          </p:cNvSpPr>
-          <p:nvPr>
-            <p:ph type="body" sz="quarter" idx="10"/>
-          </p:nvPr>
-        </p:nvSpPr>
-        <p:spPr/>
-        <p:txBody>
-          <a:bodyPr/>
-          <a:lstStyle/>
-          <a:p>
-            <a:r>
-              <a:rPr lang="en-US" altLang="ko-KR" dirty="0"/>
-              <a:t>02</a:t>
-            </a:r>
-            <a:endParaRPr lang="ko-KR" altLang="en-US" dirty="0"/>
-          </a:p>
-        </p:txBody>
-      </p:sp>
-      <p:sp>
-        <p:nvSpPr>
-          <p:cNvPr id="6" name="내용 개체 틀 5">
-            <a:extLst>
-              <a:ext uri="{FF2B5EF4-FFF2-40B4-BE49-F238E27FC236}">
-                <a16:creationId xmlns:a16="http://schemas.microsoft.com/office/drawing/2014/main" id="{84E12277-4A13-4571-BCA3-C28FF727C029}"/>
-              </a:ext>
-            </a:extLst>
-          </p:cNvPr>
-          <p:cNvSpPr>
-            <a:spLocks noGrp="1"/>
-          </p:cNvSpPr>
-          <p:nvPr>
-            <p:ph sz="quarter" idx="11"/>
-          </p:nvPr>
-        </p:nvSpPr>
-        <p:spPr/>
-        <p:txBody>
-          <a:bodyPr/>
-          <a:lstStyle/>
-          <a:p>
-            <a:r>
-              <a:rPr lang="ko-KR" altLang="en-US" dirty="0"/>
-              <a:t>데이터의 기본</a:t>
-            </a:r>
-          </a:p>
-        </p:txBody>
-      </p:sp>
-      <p:sp>
-        <p:nvSpPr>
           <p:cNvPr id="2" name="텍스트 개체 틀 1">
             <a:extLst>
               <a:ext uri="{FF2B5EF4-FFF2-40B4-BE49-F238E27FC236}">
@@ -8465,6 +8428,77 @@
           <a:p>
             <a:pPr algn="ctr"/>
             <a:endParaRPr lang="ko-KR" altLang="en-US"/>
+          </a:p>
+        </p:txBody>
+      </p:sp>
+      <p:sp>
+        <p:nvSpPr>
+          <p:cNvPr id="36" name="텍스트 개체 틀 4">
+            <a:extLst>
+              <a:ext uri="{FF2B5EF4-FFF2-40B4-BE49-F238E27FC236}">
+                <a16:creationId xmlns:a16="http://schemas.microsoft.com/office/drawing/2014/main" id="{6E0EDFCA-26F5-487D-B43F-D21DE5F52AC1}"/>
+              </a:ext>
+            </a:extLst>
+          </p:cNvPr>
+          <p:cNvSpPr>
+            <a:spLocks noGrp="1"/>
+          </p:cNvSpPr>
+          <p:nvPr>
+            <p:ph type="body" sz="quarter" idx="10"/>
+          </p:nvPr>
+        </p:nvSpPr>
+        <p:spPr>
+          <a:xfrm>
+            <a:off x="576752" y="119417"/>
+            <a:ext cx="386922" cy="222136"/>
+          </a:xfrm>
+        </p:spPr>
+        <p:txBody>
+          <a:bodyPr/>
+          <a:lstStyle/>
+          <a:p>
+            <a:r>
+              <a:rPr lang="en-US" altLang="ko-KR" dirty="0"/>
+              <a:t>07</a:t>
+            </a:r>
+            <a:endParaRPr lang="ko-KR" altLang="en-US" dirty="0"/>
+          </a:p>
+        </p:txBody>
+      </p:sp>
+      <p:sp>
+        <p:nvSpPr>
+          <p:cNvPr id="37" name="내용 개체 틀 5">
+            <a:extLst>
+              <a:ext uri="{FF2B5EF4-FFF2-40B4-BE49-F238E27FC236}">
+                <a16:creationId xmlns:a16="http://schemas.microsoft.com/office/drawing/2014/main" id="{C647BE9E-7F28-46EE-953B-CB3921805528}"/>
+              </a:ext>
+            </a:extLst>
+          </p:cNvPr>
+          <p:cNvSpPr>
+            <a:spLocks noGrp="1"/>
+          </p:cNvSpPr>
+          <p:nvPr>
+            <p:ph sz="quarter" idx="11"/>
+          </p:nvPr>
+        </p:nvSpPr>
+        <p:spPr>
+          <a:xfrm>
+            <a:off x="782676" y="128152"/>
+            <a:ext cx="2200592" cy="222250"/>
+          </a:xfrm>
+        </p:spPr>
+        <p:txBody>
+          <a:bodyPr/>
+          <a:lstStyle/>
+          <a:p>
+            <a:r>
+              <a:rPr lang="ko-KR" altLang="en-US" dirty="0">
+                <a:solidFill>
+                  <a:schemeClr val="tx1"/>
+                </a:solidFill>
+              </a:rPr>
+              <a:t>데이터의 기본</a:t>
+            </a:r>
           </a:p>
         </p:txBody>
       </p:sp>
@@ -8532,63 +8566,6 @@
       </p:sp>
       <p:sp>
         <p:nvSpPr>
-          <p:cNvPr id="5" name="텍스트 개체 틀 4">
-            <a:extLst>
-              <a:ext uri="{FF2B5EF4-FFF2-40B4-BE49-F238E27FC236}">
-                <a16:creationId xmlns:a16="http://schemas.microsoft.com/office/drawing/2014/main" id="{D521D688-7A61-4C3A-A006-5011563DDB42}"/>
-              </a:ext>
-            </a:extLst>
-          </p:cNvPr>
-          <p:cNvSpPr>
-            <a:spLocks noGrp="1"/>
-          </p:cNvSpPr>
-          <p:nvPr>
-            <p:ph type="body" sz="quarter" idx="10"/>
-          </p:nvPr>
-        </p:nvSpPr>
-        <p:spPr/>
-        <p:txBody>
-          <a:bodyPr/>
-          <a:lstStyle/>
-          <a:p>
-            <a:r>
-              <a:rPr lang="en-US" altLang="ko-KR" dirty="0"/>
-              <a:t>02</a:t>
-            </a:r>
-            <a:endParaRPr lang="ko-KR" altLang="en-US" dirty="0"/>
-          </a:p>
-        </p:txBody>
-      </p:sp>
-      <p:sp>
-        <p:nvSpPr>
-          <p:cNvPr id="6" name="내용 개체 틀 5">
-            <a:extLst>
-              <a:ext uri="{FF2B5EF4-FFF2-40B4-BE49-F238E27FC236}">
-                <a16:creationId xmlns:a16="http://schemas.microsoft.com/office/drawing/2014/main" id="{84E12277-4A13-4571-BCA3-C28FF727C029}"/>
-              </a:ext>
-            </a:extLst>
-          </p:cNvPr>
-          <p:cNvSpPr>
-            <a:spLocks noGrp="1"/>
-          </p:cNvSpPr>
-          <p:nvPr>
-            <p:ph sz="quarter" idx="11"/>
-          </p:nvPr>
-        </p:nvSpPr>
-        <p:spPr/>
-        <p:txBody>
-          <a:bodyPr/>
-          <a:lstStyle/>
-          <a:p>
-            <a:r>
-              <a:rPr lang="ko-KR" altLang="en-US" dirty="0"/>
-              <a:t>데이터의 기본</a:t>
-            </a:r>
-          </a:p>
-        </p:txBody>
-      </p:sp>
-      <p:sp>
-        <p:nvSpPr>
           <p:cNvPr id="2" name="텍스트 개체 틀 1">
             <a:extLst>
               <a:ext uri="{FF2B5EF4-FFF2-40B4-BE49-F238E27FC236}">
@@ -9234,6 +9211,77 @@
           <a:p>
             <a:pPr algn="ctr"/>
             <a:endParaRPr lang="ko-KR" altLang="en-US"/>
+          </a:p>
+        </p:txBody>
+      </p:sp>
+      <p:sp>
+        <p:nvSpPr>
+          <p:cNvPr id="36" name="텍스트 개체 틀 4">
+            <a:extLst>
+              <a:ext uri="{FF2B5EF4-FFF2-40B4-BE49-F238E27FC236}">
+                <a16:creationId xmlns:a16="http://schemas.microsoft.com/office/drawing/2014/main" id="{232AAA06-FF06-43AF-946F-C96AA77C55FB}"/>
+              </a:ext>
+            </a:extLst>
+          </p:cNvPr>
+          <p:cNvSpPr>
+            <a:spLocks noGrp="1"/>
+          </p:cNvSpPr>
+          <p:nvPr>
+            <p:ph type="body" sz="quarter" idx="10"/>
+          </p:nvPr>
+        </p:nvSpPr>
+        <p:spPr>
+          <a:xfrm>
+            <a:off x="576752" y="119417"/>
+            <a:ext cx="386922" cy="222136"/>
+          </a:xfrm>
+        </p:spPr>
+        <p:txBody>
+          <a:bodyPr/>
+          <a:lstStyle/>
+          <a:p>
+            <a:r>
+              <a:rPr lang="en-US" altLang="ko-KR" dirty="0"/>
+              <a:t>07</a:t>
+            </a:r>
+            <a:endParaRPr lang="ko-KR" altLang="en-US" dirty="0"/>
+          </a:p>
+        </p:txBody>
+      </p:sp>
+      <p:sp>
+        <p:nvSpPr>
+          <p:cNvPr id="37" name="내용 개체 틀 5">
+            <a:extLst>
+              <a:ext uri="{FF2B5EF4-FFF2-40B4-BE49-F238E27FC236}">
+                <a16:creationId xmlns:a16="http://schemas.microsoft.com/office/drawing/2014/main" id="{D10CD6ED-0478-4943-ADFC-887B08F3564F}"/>
+              </a:ext>
+            </a:extLst>
+          </p:cNvPr>
+          <p:cNvSpPr>
+            <a:spLocks noGrp="1"/>
+          </p:cNvSpPr>
+          <p:nvPr>
+            <p:ph sz="quarter" idx="11"/>
+          </p:nvPr>
+        </p:nvSpPr>
+        <p:spPr>
+          <a:xfrm>
+            <a:off x="782676" y="128152"/>
+            <a:ext cx="2200592" cy="222250"/>
+          </a:xfrm>
+        </p:spPr>
+        <p:txBody>
+          <a:bodyPr/>
+          <a:lstStyle/>
+          <a:p>
+            <a:r>
+              <a:rPr lang="ko-KR" altLang="en-US" dirty="0">
+                <a:solidFill>
+                  <a:schemeClr val="tx1"/>
+                </a:solidFill>
+              </a:rPr>
+              <a:t>데이터의 기본</a:t>
+            </a:r>
           </a:p>
         </p:txBody>
       </p:sp>
@@ -9302,63 +9350,6 @@
       </p:sp>
       <p:sp>
         <p:nvSpPr>
-          <p:cNvPr id="5" name="텍스트 개체 틀 4">
-            <a:extLst>
-              <a:ext uri="{FF2B5EF4-FFF2-40B4-BE49-F238E27FC236}">
-                <a16:creationId xmlns:a16="http://schemas.microsoft.com/office/drawing/2014/main" id="{D521D688-7A61-4C3A-A006-5011563DDB42}"/>
-              </a:ext>
-            </a:extLst>
-          </p:cNvPr>
-          <p:cNvSpPr>
-            <a:spLocks noGrp="1"/>
-          </p:cNvSpPr>
-          <p:nvPr>
-            <p:ph type="body" sz="quarter" idx="10"/>
-          </p:nvPr>
-        </p:nvSpPr>
-        <p:spPr/>
-        <p:txBody>
-          <a:bodyPr/>
-          <a:lstStyle/>
-          <a:p>
-            <a:r>
-              <a:rPr lang="en-US" altLang="ko-KR" dirty="0"/>
-              <a:t>02</a:t>
-            </a:r>
-            <a:endParaRPr lang="ko-KR" altLang="en-US" dirty="0"/>
-          </a:p>
-        </p:txBody>
-      </p:sp>
-      <p:sp>
-        <p:nvSpPr>
-          <p:cNvPr id="6" name="내용 개체 틀 5">
-            <a:extLst>
-              <a:ext uri="{FF2B5EF4-FFF2-40B4-BE49-F238E27FC236}">
-                <a16:creationId xmlns:a16="http://schemas.microsoft.com/office/drawing/2014/main" id="{84E12277-4A13-4571-BCA3-C28FF727C029}"/>
-              </a:ext>
-            </a:extLst>
-          </p:cNvPr>
-          <p:cNvSpPr>
-            <a:spLocks noGrp="1"/>
-          </p:cNvSpPr>
-          <p:nvPr>
-            <p:ph sz="quarter" idx="11"/>
-          </p:nvPr>
-        </p:nvSpPr>
-        <p:spPr/>
-        <p:txBody>
-          <a:bodyPr/>
-          <a:lstStyle/>
-          <a:p>
-            <a:r>
-              <a:rPr lang="ko-KR" altLang="en-US" dirty="0"/>
-              <a:t>데이터의 기본</a:t>
-            </a:r>
-          </a:p>
-        </p:txBody>
-      </p:sp>
-      <p:sp>
-        <p:nvSpPr>
           <p:cNvPr id="2" name="텍스트 개체 틀 1">
             <a:extLst>
               <a:ext uri="{FF2B5EF4-FFF2-40B4-BE49-F238E27FC236}">
@@ -10010,6 +10001,77 @@
           <a:p>
             <a:pPr algn="ctr"/>
             <a:endParaRPr lang="ko-KR" altLang="en-US"/>
+          </a:p>
+        </p:txBody>
+      </p:sp>
+      <p:sp>
+        <p:nvSpPr>
+          <p:cNvPr id="34" name="텍스트 개체 틀 4">
+            <a:extLst>
+              <a:ext uri="{FF2B5EF4-FFF2-40B4-BE49-F238E27FC236}">
+                <a16:creationId xmlns:a16="http://schemas.microsoft.com/office/drawing/2014/main" id="{9E4F1611-EF62-42C0-8892-0531C9700132}"/>
+              </a:ext>
+            </a:extLst>
+          </p:cNvPr>
+          <p:cNvSpPr>
+            <a:spLocks noGrp="1"/>
+          </p:cNvSpPr>
+          <p:nvPr>
+            <p:ph type="body" sz="quarter" idx="10"/>
+          </p:nvPr>
+        </p:nvSpPr>
+        <p:spPr>
+          <a:xfrm>
+            <a:off x="576752" y="119417"/>
+            <a:ext cx="386922" cy="222136"/>
+          </a:xfrm>
+        </p:spPr>
+        <p:txBody>
+          <a:bodyPr/>
+          <a:lstStyle/>
+          <a:p>
+            <a:r>
+              <a:rPr lang="en-US" altLang="ko-KR" dirty="0"/>
+              <a:t>07</a:t>
+            </a:r>
+            <a:endParaRPr lang="ko-KR" altLang="en-US" dirty="0"/>
+          </a:p>
+        </p:txBody>
+      </p:sp>
+      <p:sp>
+        <p:nvSpPr>
+          <p:cNvPr id="35" name="내용 개체 틀 5">
+            <a:extLst>
+              <a:ext uri="{FF2B5EF4-FFF2-40B4-BE49-F238E27FC236}">
+                <a16:creationId xmlns:a16="http://schemas.microsoft.com/office/drawing/2014/main" id="{3C9D1B47-7584-472C-8C2A-5A4B5A1B5297}"/>
+              </a:ext>
+            </a:extLst>
+          </p:cNvPr>
+          <p:cNvSpPr>
+            <a:spLocks noGrp="1"/>
+          </p:cNvSpPr>
+          <p:nvPr>
+            <p:ph sz="quarter" idx="11"/>
+          </p:nvPr>
+        </p:nvSpPr>
+        <p:spPr>
+          <a:xfrm>
+            <a:off x="782676" y="128152"/>
+            <a:ext cx="2200592" cy="222250"/>
+          </a:xfrm>
+        </p:spPr>
+        <p:txBody>
+          <a:bodyPr/>
+          <a:lstStyle/>
+          <a:p>
+            <a:r>
+              <a:rPr lang="ko-KR" altLang="en-US" dirty="0">
+                <a:solidFill>
+                  <a:schemeClr val="tx1"/>
+                </a:solidFill>
+              </a:rPr>
+              <a:t>데이터의 기본</a:t>
+            </a:r>
           </a:p>
         </p:txBody>
       </p:sp>
@@ -10073,63 +10135,6 @@
       </p:sp>
       <p:sp>
         <p:nvSpPr>
-          <p:cNvPr id="5" name="텍스트 개체 틀 4">
-            <a:extLst>
-              <a:ext uri="{FF2B5EF4-FFF2-40B4-BE49-F238E27FC236}">
-                <a16:creationId xmlns:a16="http://schemas.microsoft.com/office/drawing/2014/main" id="{D521D688-7A61-4C3A-A006-5011563DDB42}"/>
-              </a:ext>
-            </a:extLst>
-          </p:cNvPr>
-          <p:cNvSpPr>
-            <a:spLocks noGrp="1"/>
-          </p:cNvSpPr>
-          <p:nvPr>
-            <p:ph type="body" sz="quarter" idx="10"/>
-          </p:nvPr>
-        </p:nvSpPr>
-        <p:spPr/>
-        <p:txBody>
-          <a:bodyPr/>
-          <a:lstStyle/>
-          <a:p>
-            <a:r>
-              <a:rPr lang="en-US" altLang="ko-KR" dirty="0"/>
-              <a:t>02</a:t>
-            </a:r>
-            <a:endParaRPr lang="ko-KR" altLang="en-US" dirty="0"/>
-          </a:p>
-        </p:txBody>
-      </p:sp>
-      <p:sp>
-        <p:nvSpPr>
-          <p:cNvPr id="6" name="내용 개체 틀 5">
-            <a:extLst>
-              <a:ext uri="{FF2B5EF4-FFF2-40B4-BE49-F238E27FC236}">
-                <a16:creationId xmlns:a16="http://schemas.microsoft.com/office/drawing/2014/main" id="{84E12277-4A13-4571-BCA3-C28FF727C029}"/>
-              </a:ext>
-            </a:extLst>
-          </p:cNvPr>
-          <p:cNvSpPr>
-            <a:spLocks noGrp="1"/>
-          </p:cNvSpPr>
-          <p:nvPr>
-            <p:ph sz="quarter" idx="11"/>
-          </p:nvPr>
-        </p:nvSpPr>
-        <p:spPr/>
-        <p:txBody>
-          <a:bodyPr/>
-          <a:lstStyle/>
-          <a:p>
-            <a:r>
-              <a:rPr lang="ko-KR" altLang="en-US" dirty="0"/>
-              <a:t>데이터의 기본</a:t>
-            </a:r>
-          </a:p>
-        </p:txBody>
-      </p:sp>
-      <p:sp>
-        <p:nvSpPr>
           <p:cNvPr id="2" name="텍스트 개체 틀 1">
             <a:extLst>
               <a:ext uri="{FF2B5EF4-FFF2-40B4-BE49-F238E27FC236}">
@@ -10844,63 +10849,6 @@
       </p:sp>
       <p:sp>
         <p:nvSpPr>
-          <p:cNvPr id="5" name="텍스트 개체 틀 4">
-            <a:extLst>
-              <a:ext uri="{FF2B5EF4-FFF2-40B4-BE49-F238E27FC236}">
-                <a16:creationId xmlns:a16="http://schemas.microsoft.com/office/drawing/2014/main" id="{D521D688-7A61-4C3A-A006-5011563DDB42}"/>
-              </a:ext>
-            </a:extLst>
-          </p:cNvPr>
-          <p:cNvSpPr>
-            <a:spLocks noGrp="1"/>
-          </p:cNvSpPr>
-          <p:nvPr>
-            <p:ph type="body" sz="quarter" idx="10"/>
-          </p:nvPr>
-        </p:nvSpPr>
-        <p:spPr/>
-        <p:txBody>
-          <a:bodyPr/>
-          <a:lstStyle/>
-          <a:p>
-            <a:r>
-              <a:rPr lang="en-US" altLang="ko-KR" dirty="0"/>
-              <a:t>02</a:t>
-            </a:r>
-            <a:endParaRPr lang="ko-KR" altLang="en-US" dirty="0"/>
-          </a:p>
-        </p:txBody>
-      </p:sp>
-      <p:sp>
-        <p:nvSpPr>
-          <p:cNvPr id="6" name="내용 개체 틀 5">
-            <a:extLst>
-              <a:ext uri="{FF2B5EF4-FFF2-40B4-BE49-F238E27FC236}">
-                <a16:creationId xmlns:a16="http://schemas.microsoft.com/office/drawing/2014/main" id="{84E12277-4A13-4571-BCA3-C28FF727C029}"/>
-              </a:ext>
-            </a:extLst>
-          </p:cNvPr>
-          <p:cNvSpPr>
-            <a:spLocks noGrp="1"/>
-          </p:cNvSpPr>
-          <p:nvPr>
-            <p:ph sz="quarter" idx="11"/>
-          </p:nvPr>
-        </p:nvSpPr>
-        <p:spPr/>
-        <p:txBody>
-          <a:bodyPr/>
-          <a:lstStyle/>
-          <a:p>
-            <a:r>
-              <a:rPr lang="ko-KR" altLang="en-US" dirty="0"/>
-              <a:t>데이터의 기본</a:t>
-            </a:r>
-          </a:p>
-        </p:txBody>
-      </p:sp>
-      <p:sp>
-        <p:nvSpPr>
           <p:cNvPr id="2" name="텍스트 개체 틀 1">
             <a:extLst>
               <a:ext uri="{FF2B5EF4-FFF2-40B4-BE49-F238E27FC236}">
@@ -11602,63 +11550,6 @@
       </p:sp>
       <p:sp>
         <p:nvSpPr>
-          <p:cNvPr id="5" name="텍스트 개체 틀 4">
-            <a:extLst>
-              <a:ext uri="{FF2B5EF4-FFF2-40B4-BE49-F238E27FC236}">
-                <a16:creationId xmlns:a16="http://schemas.microsoft.com/office/drawing/2014/main" id="{D521D688-7A61-4C3A-A006-5011563DDB42}"/>
-              </a:ext>
-            </a:extLst>
-          </p:cNvPr>
-          <p:cNvSpPr>
-            <a:spLocks noGrp="1"/>
-          </p:cNvSpPr>
-          <p:nvPr>
-            <p:ph type="body" sz="quarter" idx="10"/>
-          </p:nvPr>
-        </p:nvSpPr>
-        <p:spPr/>
-        <p:txBody>
-          <a:bodyPr/>
-          <a:lstStyle/>
-          <a:p>
-            <a:r>
-              <a:rPr lang="en-US" altLang="ko-KR" dirty="0"/>
-              <a:t>02</a:t>
-            </a:r>
-            <a:endParaRPr lang="ko-KR" altLang="en-US" dirty="0"/>
-          </a:p>
-        </p:txBody>
-      </p:sp>
-      <p:sp>
-        <p:nvSpPr>
-          <p:cNvPr id="6" name="내용 개체 틀 5">
-            <a:extLst>
-              <a:ext uri="{FF2B5EF4-FFF2-40B4-BE49-F238E27FC236}">
-                <a16:creationId xmlns:a16="http://schemas.microsoft.com/office/drawing/2014/main" id="{84E12277-4A13-4571-BCA3-C28FF727C029}"/>
-              </a:ext>
-            </a:extLst>
-          </p:cNvPr>
-          <p:cNvSpPr>
-            <a:spLocks noGrp="1"/>
-          </p:cNvSpPr>
-          <p:nvPr>
-            <p:ph sz="quarter" idx="11"/>
-          </p:nvPr>
-        </p:nvSpPr>
-        <p:spPr/>
-        <p:txBody>
-          <a:bodyPr/>
-          <a:lstStyle/>
-          <a:p>
-            <a:r>
-              <a:rPr lang="ko-KR" altLang="en-US" dirty="0"/>
-              <a:t>데이터의 기본</a:t>
-            </a:r>
-          </a:p>
-        </p:txBody>
-      </p:sp>
-      <p:sp>
-        <p:nvSpPr>
           <p:cNvPr id="2" name="텍스트 개체 틀 1">
             <a:extLst>
               <a:ext uri="{FF2B5EF4-FFF2-40B4-BE49-F238E27FC236}">
@@ -12345,58 +12236,6 @@
       </p:grpSpPr>
       <p:sp>
         <p:nvSpPr>
-          <p:cNvPr id="2" name="텍스트 개체 틀 1"/>
-          <p:cNvSpPr>
-            <a:spLocks noGrp="1"/>
-          </p:cNvSpPr>
-          <p:nvPr>
-            <p:ph type="body" sz="quarter" idx="10" hasCustomPrompt="1"/>
-          </p:nvPr>
-        </p:nvSpPr>
-        <p:spPr>
-          <a:xfrm>
-            <a:off x="682259" y="110625"/>
-            <a:ext cx="386922" cy="222136"/>
-          </a:xfrm>
-        </p:spPr>
-        <p:txBody>
-          <a:bodyPr/>
-          <a:lstStyle/>
-          <a:p>
-            <a:r>
-              <a:t>02</a:t>
-            </a:r>
-          </a:p>
-        </p:txBody>
-      </p:sp>
-      <p:sp>
-        <p:nvSpPr>
-          <p:cNvPr id="3" name="내용 개체 틀 2"/>
-          <p:cNvSpPr>
-            <a:spLocks noGrp="1"/>
-          </p:cNvSpPr>
-          <p:nvPr>
-            <p:ph sz="quarter" idx="11" hasCustomPrompt="1"/>
-          </p:nvPr>
-        </p:nvSpPr>
-        <p:spPr>
-          <a:xfrm>
-            <a:off x="914559" y="110568"/>
-            <a:ext cx="2200592" cy="222250"/>
-          </a:xfrm>
-        </p:spPr>
-        <p:txBody>
-          <a:bodyPr/>
-          <a:lstStyle/>
-          <a:p>
-            <a:r>
-              <a:t>데이터의 기본</a:t>
-            </a:r>
-          </a:p>
-        </p:txBody>
-      </p:sp>
-      <p:sp>
-        <p:nvSpPr>
           <p:cNvPr id="4" name="제목 3"/>
           <p:cNvSpPr>
             <a:spLocks noGrp="1"/>
@@ -12417,6 +12256,77 @@
           <a:p>
             <a:r>
               <a:t>끝</a:t>
+            </a:r>
+          </a:p>
+        </p:txBody>
+      </p:sp>
+      <p:sp>
+        <p:nvSpPr>
+          <p:cNvPr id="9" name="텍스트 개체 틀 4">
+            <a:extLst>
+              <a:ext uri="{FF2B5EF4-FFF2-40B4-BE49-F238E27FC236}">
+                <a16:creationId xmlns:a16="http://schemas.microsoft.com/office/drawing/2014/main" id="{FB61853D-D57B-41BE-AF09-A37AB1F5C3A1}"/>
+              </a:ext>
+            </a:extLst>
+          </p:cNvPr>
+          <p:cNvSpPr>
+            <a:spLocks noGrp="1"/>
+          </p:cNvSpPr>
+          <p:nvPr>
+            <p:ph type="body" sz="quarter" idx="10"/>
+          </p:nvPr>
+        </p:nvSpPr>
+        <p:spPr>
+          <a:xfrm>
+            <a:off x="576752" y="119417"/>
+            <a:ext cx="386922" cy="222136"/>
+          </a:xfrm>
+        </p:spPr>
+        <p:txBody>
+          <a:bodyPr/>
+          <a:lstStyle/>
+          <a:p>
+            <a:r>
+              <a:rPr lang="en-US" altLang="ko-KR" dirty="0"/>
+              <a:t>07</a:t>
+            </a:r>
+            <a:endParaRPr lang="ko-KR" altLang="en-US" dirty="0"/>
+          </a:p>
+        </p:txBody>
+      </p:sp>
+      <p:sp>
+        <p:nvSpPr>
+          <p:cNvPr id="10" name="내용 개체 틀 5">
+            <a:extLst>
+              <a:ext uri="{FF2B5EF4-FFF2-40B4-BE49-F238E27FC236}">
+                <a16:creationId xmlns:a16="http://schemas.microsoft.com/office/drawing/2014/main" id="{B3921C7F-44C3-4199-8A7B-6031AFA6F4C0}"/>
+              </a:ext>
+            </a:extLst>
+          </p:cNvPr>
+          <p:cNvSpPr>
+            <a:spLocks noGrp="1"/>
+          </p:cNvSpPr>
+          <p:nvPr>
+            <p:ph sz="quarter" idx="11"/>
+          </p:nvPr>
+        </p:nvSpPr>
+        <p:spPr>
+          <a:xfrm>
+            <a:off x="782676" y="128152"/>
+            <a:ext cx="2200592" cy="222250"/>
+          </a:xfrm>
+        </p:spPr>
+        <p:txBody>
+          <a:bodyPr/>
+          <a:lstStyle/>
+          <a:p>
+            <a:r>
+              <a:rPr lang="ko-KR" altLang="en-US" dirty="0">
+                <a:solidFill>
+                  <a:schemeClr val="tx1"/>
+                </a:solidFill>
+              </a:rPr>
+              <a:t>데이터의 기본</a:t>
             </a:r>
           </a:p>
         </p:txBody>
